--- a/presentations/lesson4P.pptx
+++ b/presentations/lesson4P.pptx
@@ -3,26 +3,26 @@
 <p:presentation xmlns:a="http://schemas.openxmlformats.org/drawingml/2006/main" xmlns:p="http://schemas.openxmlformats.org/presentationml/2006/main" xmlns:r="http://schemas.openxmlformats.org/officeDocument/2006/relationships" xmlns:p14="http://schemas.microsoft.com/office/powerpoint/2010/main" xmlns:p15="http://schemas.microsoft.com/office/powerpoint/2012/main" xmlns:mc="http://schemas.openxmlformats.org/markup-compatibility/2006">
   <p:sldMasterIdLst>
     <p:sldMasterId id="2147483648" r:id="rId2"/>
+    <p:sldMasterId id="2147483661" r:id="rId3"/>
   </p:sldMasterIdLst>
   <p:sldIdLst>
-    <p:sldId id="256" r:id="rId3"/>
-    <p:sldId id="257" r:id="rId4"/>
-    <p:sldId id="258" r:id="rId5"/>
-    <p:sldId id="259" r:id="rId6"/>
-    <p:sldId id="260" r:id="rId7"/>
-    <p:sldId id="261" r:id="rId8"/>
-    <p:sldId id="262" r:id="rId9"/>
-    <p:sldId id="263" r:id="rId10"/>
-    <p:sldId id="264" r:id="rId11"/>
-    <p:sldId id="265" r:id="rId12"/>
-    <p:sldId id="266" r:id="rId13"/>
-    <p:sldId id="267" r:id="rId14"/>
-    <p:sldId id="268" r:id="rId15"/>
-    <p:sldId id="269" r:id="rId16"/>
-    <p:sldId id="270" r:id="rId17"/>
-    <p:sldId id="271" r:id="rId18"/>
-    <p:sldId id="272" r:id="rId19"/>
-    <p:sldId id="273" r:id="rId20"/>
+    <p:sldId id="256" r:id="rId4"/>
+    <p:sldId id="257" r:id="rId5"/>
+    <p:sldId id="258" r:id="rId6"/>
+    <p:sldId id="259" r:id="rId7"/>
+    <p:sldId id="260" r:id="rId8"/>
+    <p:sldId id="261" r:id="rId9"/>
+    <p:sldId id="262" r:id="rId10"/>
+    <p:sldId id="263" r:id="rId11"/>
+    <p:sldId id="264" r:id="rId12"/>
+    <p:sldId id="265" r:id="rId13"/>
+    <p:sldId id="266" r:id="rId14"/>
+    <p:sldId id="267" r:id="rId15"/>
+    <p:sldId id="268" r:id="rId16"/>
+    <p:sldId id="269" r:id="rId17"/>
+    <p:sldId id="270" r:id="rId18"/>
+    <p:sldId id="271" r:id="rId19"/>
+    <p:sldId id="272" r:id="rId20"/>
   </p:sldIdLst>
   <p:sldSz cx="10080625" cy="7559675"/>
   <p:notesSz cx="7559675" cy="10691812"/>
@@ -70,7 +70,7 @@
       </p:grpSpPr>
       <p:sp>
         <p:nvSpPr>
-          <p:cNvPr id="26" name="PlaceHolder 1"/>
+          <p:cNvPr id="23" name="PlaceHolder 1"/>
           <p:cNvSpPr>
             <a:spLocks noGrp="1"/>
           </p:cNvSpPr>
@@ -81,7 +81,7 @@
         <p:spPr>
           <a:xfrm>
             <a:off x="504000" y="301320"/>
-            <a:ext cx="9071640" cy="1262160"/>
+            <a:ext cx="9071280" cy="1261800"/>
           </a:xfrm>
           <a:prstGeom prst="rect">
             <a:avLst/>
@@ -107,7 +107,7 @@
       </p:sp>
       <p:sp>
         <p:nvSpPr>
-          <p:cNvPr id="27" name="PlaceHolder 2"/>
+          <p:cNvPr id="24" name="PlaceHolder 2"/>
           <p:cNvSpPr>
             <a:spLocks noGrp="1"/>
           </p:cNvSpPr>
@@ -118,7 +118,7 @@
         <p:spPr>
           <a:xfrm>
             <a:off x="504000" y="1769040"/>
-            <a:ext cx="9071640" cy="2090880"/>
+            <a:ext cx="9071280" cy="2090880"/>
           </a:xfrm>
           <a:prstGeom prst="rect">
             <a:avLst/>
@@ -145,7 +145,7 @@
       </p:sp>
       <p:sp>
         <p:nvSpPr>
-          <p:cNvPr id="28" name="PlaceHolder 3"/>
+          <p:cNvPr id="25" name="PlaceHolder 3"/>
           <p:cNvSpPr>
             <a:spLocks noGrp="1"/>
           </p:cNvSpPr>
@@ -156,7 +156,7 @@
         <p:spPr>
           <a:xfrm>
             <a:off x="504000" y="4059000"/>
-            <a:ext cx="9071640" cy="2090880"/>
+            <a:ext cx="9071280" cy="2090880"/>
           </a:xfrm>
           <a:prstGeom prst="rect">
             <a:avLst/>
@@ -205,7 +205,7 @@
       </p:grpSpPr>
       <p:sp>
         <p:nvSpPr>
-          <p:cNvPr id="29" name="PlaceHolder 1"/>
+          <p:cNvPr id="26" name="PlaceHolder 1"/>
           <p:cNvSpPr>
             <a:spLocks noGrp="1"/>
           </p:cNvSpPr>
@@ -216,7 +216,7 @@
         <p:spPr>
           <a:xfrm>
             <a:off x="504000" y="301320"/>
-            <a:ext cx="9071640" cy="1262160"/>
+            <a:ext cx="9071280" cy="1261800"/>
           </a:xfrm>
           <a:prstGeom prst="rect">
             <a:avLst/>
@@ -242,7 +242,7 @@
       </p:sp>
       <p:sp>
         <p:nvSpPr>
-          <p:cNvPr id="30" name="PlaceHolder 2"/>
+          <p:cNvPr id="27" name="PlaceHolder 2"/>
           <p:cNvSpPr>
             <a:spLocks noGrp="1"/>
           </p:cNvSpPr>
@@ -253,7 +253,7 @@
         <p:spPr>
           <a:xfrm>
             <a:off x="504000" y="1769040"/>
-            <a:ext cx="4426920" cy="2090880"/>
+            <a:ext cx="4426560" cy="2090880"/>
           </a:xfrm>
           <a:prstGeom prst="rect">
             <a:avLst/>
@@ -280,7 +280,7 @@
       </p:sp>
       <p:sp>
         <p:nvSpPr>
-          <p:cNvPr id="31" name="PlaceHolder 3"/>
+          <p:cNvPr id="28" name="PlaceHolder 3"/>
           <p:cNvSpPr>
             <a:spLocks noGrp="1"/>
           </p:cNvSpPr>
@@ -290,8 +290,8 @@
         </p:nvSpPr>
         <p:spPr>
           <a:xfrm>
-            <a:off x="5152680" y="1769040"/>
-            <a:ext cx="4426920" cy="2090880"/>
+            <a:off x="5152320" y="1769040"/>
+            <a:ext cx="4426560" cy="2090880"/>
           </a:xfrm>
           <a:prstGeom prst="rect">
             <a:avLst/>
@@ -318,7 +318,7 @@
       </p:sp>
       <p:sp>
         <p:nvSpPr>
-          <p:cNvPr id="32" name="PlaceHolder 4"/>
+          <p:cNvPr id="29" name="PlaceHolder 4"/>
           <p:cNvSpPr>
             <a:spLocks noGrp="1"/>
           </p:cNvSpPr>
@@ -328,8 +328,8 @@
         </p:nvSpPr>
         <p:spPr>
           <a:xfrm>
-            <a:off x="5152680" y="4059000"/>
-            <a:ext cx="4426920" cy="2090880"/>
+            <a:off x="5152320" y="4059000"/>
+            <a:ext cx="4426560" cy="2090880"/>
           </a:xfrm>
           <a:prstGeom prst="rect">
             <a:avLst/>
@@ -356,7 +356,7 @@
       </p:sp>
       <p:sp>
         <p:nvSpPr>
-          <p:cNvPr id="33" name="PlaceHolder 5"/>
+          <p:cNvPr id="30" name="PlaceHolder 5"/>
           <p:cNvSpPr>
             <a:spLocks noGrp="1"/>
           </p:cNvSpPr>
@@ -367,7 +367,7 @@
         <p:spPr>
           <a:xfrm>
             <a:off x="504000" y="4059000"/>
-            <a:ext cx="4426920" cy="2090880"/>
+            <a:ext cx="4426560" cy="2090880"/>
           </a:xfrm>
           <a:prstGeom prst="rect">
             <a:avLst/>
@@ -416,7 +416,7 @@
       </p:grpSpPr>
       <p:sp>
         <p:nvSpPr>
-          <p:cNvPr id="34" name="PlaceHolder 1"/>
+          <p:cNvPr id="31" name="PlaceHolder 1"/>
           <p:cNvSpPr>
             <a:spLocks noGrp="1"/>
           </p:cNvSpPr>
@@ -427,7 +427,7 @@
         <p:spPr>
           <a:xfrm>
             <a:off x="504000" y="301320"/>
-            <a:ext cx="9071640" cy="1262160"/>
+            <a:ext cx="9071280" cy="1261800"/>
           </a:xfrm>
           <a:prstGeom prst="rect">
             <a:avLst/>
@@ -453,7 +453,7 @@
       </p:sp>
       <p:sp>
         <p:nvSpPr>
-          <p:cNvPr id="35" name="PlaceHolder 2"/>
+          <p:cNvPr id="32" name="PlaceHolder 2"/>
           <p:cNvSpPr>
             <a:spLocks noGrp="1"/>
           </p:cNvSpPr>
@@ -464,7 +464,7 @@
         <p:spPr>
           <a:xfrm>
             <a:off x="504000" y="1769040"/>
-            <a:ext cx="9071640" cy="4384080"/>
+            <a:ext cx="9071280" cy="4383720"/>
           </a:xfrm>
           <a:prstGeom prst="rect">
             <a:avLst/>
@@ -491,7 +491,7 @@
       </p:sp>
       <p:sp>
         <p:nvSpPr>
-          <p:cNvPr id="36" name="PlaceHolder 3"/>
+          <p:cNvPr id="33" name="PlaceHolder 3"/>
           <p:cNvSpPr>
             <a:spLocks noGrp="1"/>
           </p:cNvSpPr>
@@ -502,7 +502,7 @@
         <p:spPr>
           <a:xfrm>
             <a:off x="504000" y="1769040"/>
-            <a:ext cx="9071640" cy="4384080"/>
+            <a:ext cx="9071280" cy="4383720"/>
           </a:xfrm>
           <a:prstGeom prst="rect">
             <a:avLst/>
@@ -529,7 +529,7 @@
       </p:sp>
       <p:pic>
         <p:nvPicPr>
-          <p:cNvPr id="37" name="" descr=""/>
+          <p:cNvPr id="34" name="" descr=""/>
           <p:cNvPicPr/>
           <p:nvPr/>
         </p:nvPicPr>
@@ -539,8 +539,8 @@
         </p:blipFill>
         <p:spPr>
           <a:xfrm>
-            <a:off x="2292120" y="1769040"/>
-            <a:ext cx="5494680" cy="4384080"/>
+            <a:off x="2292480" y="1768680"/>
+            <a:ext cx="5494320" cy="4383720"/>
           </a:xfrm>
           <a:prstGeom prst="rect">
             <a:avLst/>
@@ -552,7 +552,7 @@
       </p:pic>
       <p:pic>
         <p:nvPicPr>
-          <p:cNvPr id="38" name="" descr=""/>
+          <p:cNvPr id="35" name="" descr=""/>
           <p:cNvPicPr/>
           <p:nvPr/>
         </p:nvPicPr>
@@ -562,8 +562,8 @@
         </p:blipFill>
         <p:spPr>
           <a:xfrm>
-            <a:off x="2292120" y="1769040"/>
-            <a:ext cx="5494680" cy="4384080"/>
+            <a:off x="2292480" y="1768680"/>
+            <a:ext cx="5494320" cy="4383720"/>
           </a:xfrm>
           <a:prstGeom prst="rect">
             <a:avLst/>
@@ -573,6 +573,647 @@
           </a:ln>
         </p:spPr>
       </p:pic>
+    </p:spTree>
+  </p:cSld>
+</p:sldLayout>
+</file>
+
+<file path=ppt/slideLayouts/slideLayout13.xml><?xml version="1.0" encoding="utf-8"?>
+<p:sldLayout xmlns:a="http://schemas.openxmlformats.org/drawingml/2006/main" xmlns:p="http://schemas.openxmlformats.org/presentationml/2006/main" xmlns:r="http://schemas.openxmlformats.org/officeDocument/2006/relationships" xmlns:p14="http://schemas.microsoft.com/office/powerpoint/2010/main" xmlns:p15="http://schemas.microsoft.com/office/powerpoint/2012/main" xmlns:mc="http://schemas.openxmlformats.org/markup-compatibility/2006" type="blank" preserve="1">
+  <p:cSld name="Blank Slide">
+    <p:spTree>
+      <p:nvGrpSpPr>
+        <p:cNvPr id="1" name=""/>
+        <p:cNvGrpSpPr/>
+        <p:nvPr/>
+      </p:nvGrpSpPr>
+      <p:grpSpPr>
+        <a:xfrm>
+          <a:off x="0" y="0"/>
+          <a:ext cx="0" cy="0"/>
+          <a:chOff x="0" y="0"/>
+          <a:chExt cx="0" cy="0"/>
+        </a:xfrm>
+      </p:grpSpPr>
+    </p:spTree>
+  </p:cSld>
+</p:sldLayout>
+</file>
+
+<file path=ppt/slideLayouts/slideLayout14.xml><?xml version="1.0" encoding="utf-8"?>
+<p:sldLayout xmlns:a="http://schemas.openxmlformats.org/drawingml/2006/main" xmlns:p="http://schemas.openxmlformats.org/presentationml/2006/main" xmlns:r="http://schemas.openxmlformats.org/officeDocument/2006/relationships" xmlns:p14="http://schemas.microsoft.com/office/powerpoint/2010/main" xmlns:p15="http://schemas.microsoft.com/office/powerpoint/2012/main" xmlns:mc="http://schemas.openxmlformats.org/markup-compatibility/2006" type="tx" preserve="1">
+  <p:cSld name="Title Slide">
+    <p:spTree>
+      <p:nvGrpSpPr>
+        <p:cNvPr id="1" name=""/>
+        <p:cNvGrpSpPr/>
+        <p:nvPr/>
+      </p:nvGrpSpPr>
+      <p:grpSpPr>
+        <a:xfrm>
+          <a:off x="0" y="0"/>
+          <a:ext cx="0" cy="0"/>
+          <a:chOff x="0" y="0"/>
+          <a:chExt cx="0" cy="0"/>
+        </a:xfrm>
+      </p:grpSpPr>
+      <p:sp>
+        <p:nvSpPr>
+          <p:cNvPr id="38" name="PlaceHolder 1"/>
+          <p:cNvSpPr>
+            <a:spLocks noGrp="1"/>
+          </p:cNvSpPr>
+          <p:nvPr>
+            <p:ph type="title"/>
+          </p:nvPr>
+        </p:nvSpPr>
+        <p:spPr>
+          <a:xfrm>
+            <a:off x="504000" y="301320"/>
+            <a:ext cx="9071280" cy="1261800"/>
+          </a:xfrm>
+          <a:prstGeom prst="rect">
+            <a:avLst/>
+          </a:prstGeom>
+        </p:spPr>
+        <p:txBody>
+          <a:bodyPr lIns="0" rIns="0" tIns="0" bIns="0" anchor="ctr"/>
+          <a:p>
+            <a:pPr algn="ctr"/>
+            <a:endParaRPr b="0" lang="ru-RU" sz="4400" spc="-1" strike="noStrike">
+              <a:solidFill>
+                <a:srgbClr val="000000"/>
+              </a:solidFill>
+              <a:uFill>
+                <a:solidFill>
+                  <a:srgbClr val="ffffff"/>
+                </a:solidFill>
+              </a:uFill>
+              <a:latin typeface="Arial"/>
+            </a:endParaRPr>
+          </a:p>
+        </p:txBody>
+      </p:sp>
+      <p:sp>
+        <p:nvSpPr>
+          <p:cNvPr id="39" name="PlaceHolder 2"/>
+          <p:cNvSpPr>
+            <a:spLocks noGrp="1"/>
+          </p:cNvSpPr>
+          <p:nvPr>
+            <p:ph type="subTitle"/>
+          </p:nvPr>
+        </p:nvSpPr>
+        <p:spPr>
+          <a:xfrm>
+            <a:off x="504000" y="1769040"/>
+            <a:ext cx="9071280" cy="4383720"/>
+          </a:xfrm>
+          <a:prstGeom prst="rect">
+            <a:avLst/>
+          </a:prstGeom>
+        </p:spPr>
+        <p:txBody>
+          <a:bodyPr lIns="0" rIns="0" tIns="0" bIns="0" anchor="ctr"/>
+          <a:p>
+            <a:pPr algn="ctr"/>
+            <a:endParaRPr b="0" lang="ru-RU" sz="3200" spc="-1" strike="noStrike">
+              <a:solidFill>
+                <a:srgbClr val="000000"/>
+              </a:solidFill>
+              <a:uFill>
+                <a:solidFill>
+                  <a:srgbClr val="ffffff"/>
+                </a:solidFill>
+              </a:uFill>
+              <a:latin typeface="Arial"/>
+            </a:endParaRPr>
+          </a:p>
+        </p:txBody>
+      </p:sp>
+    </p:spTree>
+  </p:cSld>
+</p:sldLayout>
+</file>
+
+<file path=ppt/slideLayouts/slideLayout15.xml><?xml version="1.0" encoding="utf-8"?>
+<p:sldLayout xmlns:a="http://schemas.openxmlformats.org/drawingml/2006/main" xmlns:p="http://schemas.openxmlformats.org/presentationml/2006/main" xmlns:r="http://schemas.openxmlformats.org/officeDocument/2006/relationships" xmlns:p14="http://schemas.microsoft.com/office/powerpoint/2010/main" xmlns:p15="http://schemas.microsoft.com/office/powerpoint/2012/main" xmlns:mc="http://schemas.openxmlformats.org/markup-compatibility/2006" type="obj" preserve="1">
+  <p:cSld name="Title, Content">
+    <p:spTree>
+      <p:nvGrpSpPr>
+        <p:cNvPr id="1" name=""/>
+        <p:cNvGrpSpPr/>
+        <p:nvPr/>
+      </p:nvGrpSpPr>
+      <p:grpSpPr>
+        <a:xfrm>
+          <a:off x="0" y="0"/>
+          <a:ext cx="0" cy="0"/>
+          <a:chOff x="0" y="0"/>
+          <a:chExt cx="0" cy="0"/>
+        </a:xfrm>
+      </p:grpSpPr>
+      <p:sp>
+        <p:nvSpPr>
+          <p:cNvPr id="40" name="PlaceHolder 1"/>
+          <p:cNvSpPr>
+            <a:spLocks noGrp="1"/>
+          </p:cNvSpPr>
+          <p:nvPr>
+            <p:ph type="title"/>
+          </p:nvPr>
+        </p:nvSpPr>
+        <p:spPr>
+          <a:xfrm>
+            <a:off x="504000" y="301320"/>
+            <a:ext cx="9071280" cy="1261800"/>
+          </a:xfrm>
+          <a:prstGeom prst="rect">
+            <a:avLst/>
+          </a:prstGeom>
+        </p:spPr>
+        <p:txBody>
+          <a:bodyPr lIns="0" rIns="0" tIns="0" bIns="0" anchor="ctr"/>
+          <a:p>
+            <a:pPr algn="ctr"/>
+            <a:endParaRPr b="0" lang="ru-RU" sz="4400" spc="-1" strike="noStrike">
+              <a:solidFill>
+                <a:srgbClr val="000000"/>
+              </a:solidFill>
+              <a:uFill>
+                <a:solidFill>
+                  <a:srgbClr val="ffffff"/>
+                </a:solidFill>
+              </a:uFill>
+              <a:latin typeface="Arial"/>
+            </a:endParaRPr>
+          </a:p>
+        </p:txBody>
+      </p:sp>
+      <p:sp>
+        <p:nvSpPr>
+          <p:cNvPr id="41" name="PlaceHolder 2"/>
+          <p:cNvSpPr>
+            <a:spLocks noGrp="1"/>
+          </p:cNvSpPr>
+          <p:nvPr>
+            <p:ph type="body"/>
+          </p:nvPr>
+        </p:nvSpPr>
+        <p:spPr>
+          <a:xfrm>
+            <a:off x="504000" y="1769040"/>
+            <a:ext cx="9071280" cy="4383720"/>
+          </a:xfrm>
+          <a:prstGeom prst="rect">
+            <a:avLst/>
+          </a:prstGeom>
+        </p:spPr>
+        <p:txBody>
+          <a:bodyPr lIns="0" rIns="0" tIns="0" bIns="0">
+            <a:normAutofit/>
+          </a:bodyPr>
+          <a:p>
+            <a:endParaRPr b="0" lang="ru-RU" sz="3200" spc="-1" strike="noStrike">
+              <a:solidFill>
+                <a:srgbClr val="000000"/>
+              </a:solidFill>
+              <a:uFill>
+                <a:solidFill>
+                  <a:srgbClr val="ffffff"/>
+                </a:solidFill>
+              </a:uFill>
+              <a:latin typeface="Arial"/>
+            </a:endParaRPr>
+          </a:p>
+        </p:txBody>
+      </p:sp>
+    </p:spTree>
+  </p:cSld>
+</p:sldLayout>
+</file>
+
+<file path=ppt/slideLayouts/slideLayout16.xml><?xml version="1.0" encoding="utf-8"?>
+<p:sldLayout xmlns:a="http://schemas.openxmlformats.org/drawingml/2006/main" xmlns:p="http://schemas.openxmlformats.org/presentationml/2006/main" xmlns:r="http://schemas.openxmlformats.org/officeDocument/2006/relationships" xmlns:p14="http://schemas.microsoft.com/office/powerpoint/2010/main" xmlns:p15="http://schemas.microsoft.com/office/powerpoint/2012/main" xmlns:mc="http://schemas.openxmlformats.org/markup-compatibility/2006" type="twoObj" preserve="1">
+  <p:cSld name="Title, 2 Content">
+    <p:spTree>
+      <p:nvGrpSpPr>
+        <p:cNvPr id="1" name=""/>
+        <p:cNvGrpSpPr/>
+        <p:nvPr/>
+      </p:nvGrpSpPr>
+      <p:grpSpPr>
+        <a:xfrm>
+          <a:off x="0" y="0"/>
+          <a:ext cx="0" cy="0"/>
+          <a:chOff x="0" y="0"/>
+          <a:chExt cx="0" cy="0"/>
+        </a:xfrm>
+      </p:grpSpPr>
+      <p:sp>
+        <p:nvSpPr>
+          <p:cNvPr id="42" name="PlaceHolder 1"/>
+          <p:cNvSpPr>
+            <a:spLocks noGrp="1"/>
+          </p:cNvSpPr>
+          <p:nvPr>
+            <p:ph type="title"/>
+          </p:nvPr>
+        </p:nvSpPr>
+        <p:spPr>
+          <a:xfrm>
+            <a:off x="504000" y="301320"/>
+            <a:ext cx="9071280" cy="1261800"/>
+          </a:xfrm>
+          <a:prstGeom prst="rect">
+            <a:avLst/>
+          </a:prstGeom>
+        </p:spPr>
+        <p:txBody>
+          <a:bodyPr lIns="0" rIns="0" tIns="0" bIns="0" anchor="ctr"/>
+          <a:p>
+            <a:pPr algn="ctr"/>
+            <a:endParaRPr b="0" lang="ru-RU" sz="4400" spc="-1" strike="noStrike">
+              <a:solidFill>
+                <a:srgbClr val="000000"/>
+              </a:solidFill>
+              <a:uFill>
+                <a:solidFill>
+                  <a:srgbClr val="ffffff"/>
+                </a:solidFill>
+              </a:uFill>
+              <a:latin typeface="Arial"/>
+            </a:endParaRPr>
+          </a:p>
+        </p:txBody>
+      </p:sp>
+      <p:sp>
+        <p:nvSpPr>
+          <p:cNvPr id="43" name="PlaceHolder 2"/>
+          <p:cNvSpPr>
+            <a:spLocks noGrp="1"/>
+          </p:cNvSpPr>
+          <p:nvPr>
+            <p:ph type="body"/>
+          </p:nvPr>
+        </p:nvSpPr>
+        <p:spPr>
+          <a:xfrm>
+            <a:off x="504000" y="1769040"/>
+            <a:ext cx="4426560" cy="4383720"/>
+          </a:xfrm>
+          <a:prstGeom prst="rect">
+            <a:avLst/>
+          </a:prstGeom>
+        </p:spPr>
+        <p:txBody>
+          <a:bodyPr lIns="0" rIns="0" tIns="0" bIns="0">
+            <a:normAutofit/>
+          </a:bodyPr>
+          <a:p>
+            <a:endParaRPr b="0" lang="ru-RU" sz="3200" spc="-1" strike="noStrike">
+              <a:solidFill>
+                <a:srgbClr val="000000"/>
+              </a:solidFill>
+              <a:uFill>
+                <a:solidFill>
+                  <a:srgbClr val="ffffff"/>
+                </a:solidFill>
+              </a:uFill>
+              <a:latin typeface="Arial"/>
+            </a:endParaRPr>
+          </a:p>
+        </p:txBody>
+      </p:sp>
+      <p:sp>
+        <p:nvSpPr>
+          <p:cNvPr id="44" name="PlaceHolder 3"/>
+          <p:cNvSpPr>
+            <a:spLocks noGrp="1"/>
+          </p:cNvSpPr>
+          <p:nvPr>
+            <p:ph type="body"/>
+          </p:nvPr>
+        </p:nvSpPr>
+        <p:spPr>
+          <a:xfrm>
+            <a:off x="5152320" y="1769040"/>
+            <a:ext cx="4426560" cy="4383720"/>
+          </a:xfrm>
+          <a:prstGeom prst="rect">
+            <a:avLst/>
+          </a:prstGeom>
+        </p:spPr>
+        <p:txBody>
+          <a:bodyPr lIns="0" rIns="0" tIns="0" bIns="0">
+            <a:normAutofit/>
+          </a:bodyPr>
+          <a:p>
+            <a:endParaRPr b="0" lang="ru-RU" sz="3200" spc="-1" strike="noStrike">
+              <a:solidFill>
+                <a:srgbClr val="000000"/>
+              </a:solidFill>
+              <a:uFill>
+                <a:solidFill>
+                  <a:srgbClr val="ffffff"/>
+                </a:solidFill>
+              </a:uFill>
+              <a:latin typeface="Arial"/>
+            </a:endParaRPr>
+          </a:p>
+        </p:txBody>
+      </p:sp>
+    </p:spTree>
+  </p:cSld>
+</p:sldLayout>
+</file>
+
+<file path=ppt/slideLayouts/slideLayout17.xml><?xml version="1.0" encoding="utf-8"?>
+<p:sldLayout xmlns:a="http://schemas.openxmlformats.org/drawingml/2006/main" xmlns:p="http://schemas.openxmlformats.org/presentationml/2006/main" xmlns:r="http://schemas.openxmlformats.org/officeDocument/2006/relationships" xmlns:p14="http://schemas.microsoft.com/office/powerpoint/2010/main" xmlns:p15="http://schemas.microsoft.com/office/powerpoint/2012/main" xmlns:mc="http://schemas.openxmlformats.org/markup-compatibility/2006" type="titleOnly" preserve="1">
+  <p:cSld name="Title Only">
+    <p:spTree>
+      <p:nvGrpSpPr>
+        <p:cNvPr id="1" name=""/>
+        <p:cNvGrpSpPr/>
+        <p:nvPr/>
+      </p:nvGrpSpPr>
+      <p:grpSpPr>
+        <a:xfrm>
+          <a:off x="0" y="0"/>
+          <a:ext cx="0" cy="0"/>
+          <a:chOff x="0" y="0"/>
+          <a:chExt cx="0" cy="0"/>
+        </a:xfrm>
+      </p:grpSpPr>
+      <p:sp>
+        <p:nvSpPr>
+          <p:cNvPr id="45" name="PlaceHolder 1"/>
+          <p:cNvSpPr>
+            <a:spLocks noGrp="1"/>
+          </p:cNvSpPr>
+          <p:nvPr>
+            <p:ph type="title"/>
+          </p:nvPr>
+        </p:nvSpPr>
+        <p:spPr>
+          <a:xfrm>
+            <a:off x="504000" y="301320"/>
+            <a:ext cx="9071280" cy="1261800"/>
+          </a:xfrm>
+          <a:prstGeom prst="rect">
+            <a:avLst/>
+          </a:prstGeom>
+        </p:spPr>
+        <p:txBody>
+          <a:bodyPr lIns="0" rIns="0" tIns="0" bIns="0" anchor="ctr"/>
+          <a:p>
+            <a:pPr algn="ctr"/>
+            <a:endParaRPr b="0" lang="ru-RU" sz="4400" spc="-1" strike="noStrike">
+              <a:solidFill>
+                <a:srgbClr val="000000"/>
+              </a:solidFill>
+              <a:uFill>
+                <a:solidFill>
+                  <a:srgbClr val="ffffff"/>
+                </a:solidFill>
+              </a:uFill>
+              <a:latin typeface="Arial"/>
+            </a:endParaRPr>
+          </a:p>
+        </p:txBody>
+      </p:sp>
+    </p:spTree>
+  </p:cSld>
+</p:sldLayout>
+</file>
+
+<file path=ppt/slideLayouts/slideLayout18.xml><?xml version="1.0" encoding="utf-8"?>
+<p:sldLayout xmlns:a="http://schemas.openxmlformats.org/drawingml/2006/main" xmlns:p="http://schemas.openxmlformats.org/presentationml/2006/main" xmlns:r="http://schemas.openxmlformats.org/officeDocument/2006/relationships" xmlns:p14="http://schemas.microsoft.com/office/powerpoint/2010/main" xmlns:p15="http://schemas.microsoft.com/office/powerpoint/2012/main" xmlns:mc="http://schemas.openxmlformats.org/markup-compatibility/2006" type="objOnly" preserve="1">
+  <p:cSld name="Centered Text">
+    <p:spTree>
+      <p:nvGrpSpPr>
+        <p:cNvPr id="1" name=""/>
+        <p:cNvGrpSpPr/>
+        <p:nvPr/>
+      </p:nvGrpSpPr>
+      <p:grpSpPr>
+        <a:xfrm>
+          <a:off x="0" y="0"/>
+          <a:ext cx="0" cy="0"/>
+          <a:chOff x="0" y="0"/>
+          <a:chExt cx="0" cy="0"/>
+        </a:xfrm>
+      </p:grpSpPr>
+      <p:sp>
+        <p:nvSpPr>
+          <p:cNvPr id="46" name="PlaceHolder 1"/>
+          <p:cNvSpPr>
+            <a:spLocks noGrp="1"/>
+          </p:cNvSpPr>
+          <p:nvPr>
+            <p:ph type="subTitle"/>
+          </p:nvPr>
+        </p:nvSpPr>
+        <p:spPr>
+          <a:xfrm>
+            <a:off x="504000" y="301320"/>
+            <a:ext cx="9071280" cy="5850360"/>
+          </a:xfrm>
+          <a:prstGeom prst="rect">
+            <a:avLst/>
+          </a:prstGeom>
+        </p:spPr>
+        <p:txBody>
+          <a:bodyPr lIns="0" rIns="0" tIns="0" bIns="0" anchor="ctr"/>
+          <a:p>
+            <a:pPr algn="ctr"/>
+            <a:endParaRPr b="0" lang="ru-RU" sz="3200" spc="-1" strike="noStrike">
+              <a:solidFill>
+                <a:srgbClr val="000000"/>
+              </a:solidFill>
+              <a:uFill>
+                <a:solidFill>
+                  <a:srgbClr val="ffffff"/>
+                </a:solidFill>
+              </a:uFill>
+              <a:latin typeface="Arial"/>
+            </a:endParaRPr>
+          </a:p>
+        </p:txBody>
+      </p:sp>
+    </p:spTree>
+  </p:cSld>
+</p:sldLayout>
+</file>
+
+<file path=ppt/slideLayouts/slideLayout19.xml><?xml version="1.0" encoding="utf-8"?>
+<p:sldLayout xmlns:a="http://schemas.openxmlformats.org/drawingml/2006/main" xmlns:p="http://schemas.openxmlformats.org/presentationml/2006/main" xmlns:r="http://schemas.openxmlformats.org/officeDocument/2006/relationships" xmlns:p14="http://schemas.microsoft.com/office/powerpoint/2010/main" xmlns:p15="http://schemas.microsoft.com/office/powerpoint/2012/main" xmlns:mc="http://schemas.openxmlformats.org/markup-compatibility/2006" type="twoObjAndObj" preserve="1">
+  <p:cSld name="Title, 2 Content and Content">
+    <p:spTree>
+      <p:nvGrpSpPr>
+        <p:cNvPr id="1" name=""/>
+        <p:cNvGrpSpPr/>
+        <p:nvPr/>
+      </p:nvGrpSpPr>
+      <p:grpSpPr>
+        <a:xfrm>
+          <a:off x="0" y="0"/>
+          <a:ext cx="0" cy="0"/>
+          <a:chOff x="0" y="0"/>
+          <a:chExt cx="0" cy="0"/>
+        </a:xfrm>
+      </p:grpSpPr>
+      <p:sp>
+        <p:nvSpPr>
+          <p:cNvPr id="47" name="PlaceHolder 1"/>
+          <p:cNvSpPr>
+            <a:spLocks noGrp="1"/>
+          </p:cNvSpPr>
+          <p:nvPr>
+            <p:ph type="title"/>
+          </p:nvPr>
+        </p:nvSpPr>
+        <p:spPr>
+          <a:xfrm>
+            <a:off x="504000" y="301320"/>
+            <a:ext cx="9071280" cy="1261800"/>
+          </a:xfrm>
+          <a:prstGeom prst="rect">
+            <a:avLst/>
+          </a:prstGeom>
+        </p:spPr>
+        <p:txBody>
+          <a:bodyPr lIns="0" rIns="0" tIns="0" bIns="0" anchor="ctr"/>
+          <a:p>
+            <a:pPr algn="ctr"/>
+            <a:endParaRPr b="0" lang="ru-RU" sz="4400" spc="-1" strike="noStrike">
+              <a:solidFill>
+                <a:srgbClr val="000000"/>
+              </a:solidFill>
+              <a:uFill>
+                <a:solidFill>
+                  <a:srgbClr val="ffffff"/>
+                </a:solidFill>
+              </a:uFill>
+              <a:latin typeface="Arial"/>
+            </a:endParaRPr>
+          </a:p>
+        </p:txBody>
+      </p:sp>
+      <p:sp>
+        <p:nvSpPr>
+          <p:cNvPr id="48" name="PlaceHolder 2"/>
+          <p:cNvSpPr>
+            <a:spLocks noGrp="1"/>
+          </p:cNvSpPr>
+          <p:nvPr>
+            <p:ph type="body"/>
+          </p:nvPr>
+        </p:nvSpPr>
+        <p:spPr>
+          <a:xfrm>
+            <a:off x="504000" y="1769040"/>
+            <a:ext cx="4426560" cy="2090880"/>
+          </a:xfrm>
+          <a:prstGeom prst="rect">
+            <a:avLst/>
+          </a:prstGeom>
+        </p:spPr>
+        <p:txBody>
+          <a:bodyPr lIns="0" rIns="0" tIns="0" bIns="0">
+            <a:normAutofit/>
+          </a:bodyPr>
+          <a:p>
+            <a:endParaRPr b="0" lang="ru-RU" sz="3200" spc="-1" strike="noStrike">
+              <a:solidFill>
+                <a:srgbClr val="000000"/>
+              </a:solidFill>
+              <a:uFill>
+                <a:solidFill>
+                  <a:srgbClr val="ffffff"/>
+                </a:solidFill>
+              </a:uFill>
+              <a:latin typeface="Arial"/>
+            </a:endParaRPr>
+          </a:p>
+        </p:txBody>
+      </p:sp>
+      <p:sp>
+        <p:nvSpPr>
+          <p:cNvPr id="49" name="PlaceHolder 3"/>
+          <p:cNvSpPr>
+            <a:spLocks noGrp="1"/>
+          </p:cNvSpPr>
+          <p:nvPr>
+            <p:ph type="body"/>
+          </p:nvPr>
+        </p:nvSpPr>
+        <p:spPr>
+          <a:xfrm>
+            <a:off x="504000" y="4059000"/>
+            <a:ext cx="4426560" cy="2090880"/>
+          </a:xfrm>
+          <a:prstGeom prst="rect">
+            <a:avLst/>
+          </a:prstGeom>
+        </p:spPr>
+        <p:txBody>
+          <a:bodyPr lIns="0" rIns="0" tIns="0" bIns="0">
+            <a:normAutofit/>
+          </a:bodyPr>
+          <a:p>
+            <a:endParaRPr b="0" lang="ru-RU" sz="3200" spc="-1" strike="noStrike">
+              <a:solidFill>
+                <a:srgbClr val="000000"/>
+              </a:solidFill>
+              <a:uFill>
+                <a:solidFill>
+                  <a:srgbClr val="ffffff"/>
+                </a:solidFill>
+              </a:uFill>
+              <a:latin typeface="Arial"/>
+            </a:endParaRPr>
+          </a:p>
+        </p:txBody>
+      </p:sp>
+      <p:sp>
+        <p:nvSpPr>
+          <p:cNvPr id="50" name="PlaceHolder 4"/>
+          <p:cNvSpPr>
+            <a:spLocks noGrp="1"/>
+          </p:cNvSpPr>
+          <p:nvPr>
+            <p:ph type="body"/>
+          </p:nvPr>
+        </p:nvSpPr>
+        <p:spPr>
+          <a:xfrm>
+            <a:off x="5152320" y="1769040"/>
+            <a:ext cx="4426560" cy="4383720"/>
+          </a:xfrm>
+          <a:prstGeom prst="rect">
+            <a:avLst/>
+          </a:prstGeom>
+        </p:spPr>
+        <p:txBody>
+          <a:bodyPr lIns="0" rIns="0" tIns="0" bIns="0">
+            <a:normAutofit/>
+          </a:bodyPr>
+          <a:p>
+            <a:endParaRPr b="0" lang="ru-RU" sz="3200" spc="-1" strike="noStrike">
+              <a:solidFill>
+                <a:srgbClr val="000000"/>
+              </a:solidFill>
+              <a:uFill>
+                <a:solidFill>
+                  <a:srgbClr val="ffffff"/>
+                </a:solidFill>
+              </a:uFill>
+              <a:latin typeface="Arial"/>
+            </a:endParaRPr>
+          </a:p>
+        </p:txBody>
+      </p:sp>
     </p:spTree>
   </p:cSld>
 </p:sldLayout>
@@ -597,7 +1238,7 @@
       </p:grpSpPr>
       <p:sp>
         <p:nvSpPr>
-          <p:cNvPr id="5" name="PlaceHolder 1"/>
+          <p:cNvPr id="2" name="PlaceHolder 1"/>
           <p:cNvSpPr>
             <a:spLocks noGrp="1"/>
           </p:cNvSpPr>
@@ -608,7 +1249,7 @@
         <p:spPr>
           <a:xfrm>
             <a:off x="504000" y="301320"/>
-            <a:ext cx="9071640" cy="1262160"/>
+            <a:ext cx="9071280" cy="1261800"/>
           </a:xfrm>
           <a:prstGeom prst="rect">
             <a:avLst/>
@@ -634,7 +1275,7 @@
       </p:sp>
       <p:sp>
         <p:nvSpPr>
-          <p:cNvPr id="6" name="PlaceHolder 2"/>
+          <p:cNvPr id="3" name="PlaceHolder 2"/>
           <p:cNvSpPr>
             <a:spLocks noGrp="1"/>
           </p:cNvSpPr>
@@ -645,7 +1286,7 @@
         <p:spPr>
           <a:xfrm>
             <a:off x="504000" y="1769040"/>
-            <a:ext cx="9071640" cy="4384080"/>
+            <a:ext cx="9071280" cy="4383720"/>
           </a:xfrm>
           <a:prstGeom prst="rect">
             <a:avLst/>
@@ -669,6 +1310,879 @@
           </a:p>
         </p:txBody>
       </p:sp>
+    </p:spTree>
+  </p:cSld>
+</p:sldLayout>
+</file>
+
+<file path=ppt/slideLayouts/slideLayout20.xml><?xml version="1.0" encoding="utf-8"?>
+<p:sldLayout xmlns:a="http://schemas.openxmlformats.org/drawingml/2006/main" xmlns:p="http://schemas.openxmlformats.org/presentationml/2006/main" xmlns:r="http://schemas.openxmlformats.org/officeDocument/2006/relationships" xmlns:p14="http://schemas.microsoft.com/office/powerpoint/2010/main" xmlns:p15="http://schemas.microsoft.com/office/powerpoint/2012/main" xmlns:mc="http://schemas.openxmlformats.org/markup-compatibility/2006" type="objAndTwoObj" preserve="1">
+  <p:cSld name="Title Content and 2 Content">
+    <p:spTree>
+      <p:nvGrpSpPr>
+        <p:cNvPr id="1" name=""/>
+        <p:cNvGrpSpPr/>
+        <p:nvPr/>
+      </p:nvGrpSpPr>
+      <p:grpSpPr>
+        <a:xfrm>
+          <a:off x="0" y="0"/>
+          <a:ext cx="0" cy="0"/>
+          <a:chOff x="0" y="0"/>
+          <a:chExt cx="0" cy="0"/>
+        </a:xfrm>
+      </p:grpSpPr>
+      <p:sp>
+        <p:nvSpPr>
+          <p:cNvPr id="51" name="PlaceHolder 1"/>
+          <p:cNvSpPr>
+            <a:spLocks noGrp="1"/>
+          </p:cNvSpPr>
+          <p:nvPr>
+            <p:ph type="title"/>
+          </p:nvPr>
+        </p:nvSpPr>
+        <p:spPr>
+          <a:xfrm>
+            <a:off x="504000" y="301320"/>
+            <a:ext cx="9071280" cy="1261800"/>
+          </a:xfrm>
+          <a:prstGeom prst="rect">
+            <a:avLst/>
+          </a:prstGeom>
+        </p:spPr>
+        <p:txBody>
+          <a:bodyPr lIns="0" rIns="0" tIns="0" bIns="0" anchor="ctr"/>
+          <a:p>
+            <a:pPr algn="ctr"/>
+            <a:endParaRPr b="0" lang="ru-RU" sz="4400" spc="-1" strike="noStrike">
+              <a:solidFill>
+                <a:srgbClr val="000000"/>
+              </a:solidFill>
+              <a:uFill>
+                <a:solidFill>
+                  <a:srgbClr val="ffffff"/>
+                </a:solidFill>
+              </a:uFill>
+              <a:latin typeface="Arial"/>
+            </a:endParaRPr>
+          </a:p>
+        </p:txBody>
+      </p:sp>
+      <p:sp>
+        <p:nvSpPr>
+          <p:cNvPr id="52" name="PlaceHolder 2"/>
+          <p:cNvSpPr>
+            <a:spLocks noGrp="1"/>
+          </p:cNvSpPr>
+          <p:nvPr>
+            <p:ph type="body"/>
+          </p:nvPr>
+        </p:nvSpPr>
+        <p:spPr>
+          <a:xfrm>
+            <a:off x="504000" y="1769040"/>
+            <a:ext cx="4426560" cy="4383720"/>
+          </a:xfrm>
+          <a:prstGeom prst="rect">
+            <a:avLst/>
+          </a:prstGeom>
+        </p:spPr>
+        <p:txBody>
+          <a:bodyPr lIns="0" rIns="0" tIns="0" bIns="0">
+            <a:normAutofit/>
+          </a:bodyPr>
+          <a:p>
+            <a:endParaRPr b="0" lang="ru-RU" sz="3200" spc="-1" strike="noStrike">
+              <a:solidFill>
+                <a:srgbClr val="000000"/>
+              </a:solidFill>
+              <a:uFill>
+                <a:solidFill>
+                  <a:srgbClr val="ffffff"/>
+                </a:solidFill>
+              </a:uFill>
+              <a:latin typeface="Arial"/>
+            </a:endParaRPr>
+          </a:p>
+        </p:txBody>
+      </p:sp>
+      <p:sp>
+        <p:nvSpPr>
+          <p:cNvPr id="53" name="PlaceHolder 3"/>
+          <p:cNvSpPr>
+            <a:spLocks noGrp="1"/>
+          </p:cNvSpPr>
+          <p:nvPr>
+            <p:ph type="body"/>
+          </p:nvPr>
+        </p:nvSpPr>
+        <p:spPr>
+          <a:xfrm>
+            <a:off x="5152320" y="1769040"/>
+            <a:ext cx="4426560" cy="2090880"/>
+          </a:xfrm>
+          <a:prstGeom prst="rect">
+            <a:avLst/>
+          </a:prstGeom>
+        </p:spPr>
+        <p:txBody>
+          <a:bodyPr lIns="0" rIns="0" tIns="0" bIns="0">
+            <a:normAutofit/>
+          </a:bodyPr>
+          <a:p>
+            <a:endParaRPr b="0" lang="ru-RU" sz="3200" spc="-1" strike="noStrike">
+              <a:solidFill>
+                <a:srgbClr val="000000"/>
+              </a:solidFill>
+              <a:uFill>
+                <a:solidFill>
+                  <a:srgbClr val="ffffff"/>
+                </a:solidFill>
+              </a:uFill>
+              <a:latin typeface="Arial"/>
+            </a:endParaRPr>
+          </a:p>
+        </p:txBody>
+      </p:sp>
+      <p:sp>
+        <p:nvSpPr>
+          <p:cNvPr id="54" name="PlaceHolder 4"/>
+          <p:cNvSpPr>
+            <a:spLocks noGrp="1"/>
+          </p:cNvSpPr>
+          <p:nvPr>
+            <p:ph type="body"/>
+          </p:nvPr>
+        </p:nvSpPr>
+        <p:spPr>
+          <a:xfrm>
+            <a:off x="5152320" y="4059000"/>
+            <a:ext cx="4426560" cy="2090880"/>
+          </a:xfrm>
+          <a:prstGeom prst="rect">
+            <a:avLst/>
+          </a:prstGeom>
+        </p:spPr>
+        <p:txBody>
+          <a:bodyPr lIns="0" rIns="0" tIns="0" bIns="0">
+            <a:normAutofit/>
+          </a:bodyPr>
+          <a:p>
+            <a:endParaRPr b="0" lang="ru-RU" sz="3200" spc="-1" strike="noStrike">
+              <a:solidFill>
+                <a:srgbClr val="000000"/>
+              </a:solidFill>
+              <a:uFill>
+                <a:solidFill>
+                  <a:srgbClr val="ffffff"/>
+                </a:solidFill>
+              </a:uFill>
+              <a:latin typeface="Arial"/>
+            </a:endParaRPr>
+          </a:p>
+        </p:txBody>
+      </p:sp>
+    </p:spTree>
+  </p:cSld>
+</p:sldLayout>
+</file>
+
+<file path=ppt/slideLayouts/slideLayout21.xml><?xml version="1.0" encoding="utf-8"?>
+<p:sldLayout xmlns:a="http://schemas.openxmlformats.org/drawingml/2006/main" xmlns:p="http://schemas.openxmlformats.org/presentationml/2006/main" xmlns:r="http://schemas.openxmlformats.org/officeDocument/2006/relationships" xmlns:p14="http://schemas.microsoft.com/office/powerpoint/2010/main" xmlns:p15="http://schemas.microsoft.com/office/powerpoint/2012/main" xmlns:mc="http://schemas.openxmlformats.org/markup-compatibility/2006" type="twoObjOverTx" preserve="1">
+  <p:cSld name="Title, 2 Content over Content">
+    <p:spTree>
+      <p:nvGrpSpPr>
+        <p:cNvPr id="1" name=""/>
+        <p:cNvGrpSpPr/>
+        <p:nvPr/>
+      </p:nvGrpSpPr>
+      <p:grpSpPr>
+        <a:xfrm>
+          <a:off x="0" y="0"/>
+          <a:ext cx="0" cy="0"/>
+          <a:chOff x="0" y="0"/>
+          <a:chExt cx="0" cy="0"/>
+        </a:xfrm>
+      </p:grpSpPr>
+      <p:sp>
+        <p:nvSpPr>
+          <p:cNvPr id="55" name="PlaceHolder 1"/>
+          <p:cNvSpPr>
+            <a:spLocks noGrp="1"/>
+          </p:cNvSpPr>
+          <p:nvPr>
+            <p:ph type="title"/>
+          </p:nvPr>
+        </p:nvSpPr>
+        <p:spPr>
+          <a:xfrm>
+            <a:off x="504000" y="301320"/>
+            <a:ext cx="9071280" cy="1261800"/>
+          </a:xfrm>
+          <a:prstGeom prst="rect">
+            <a:avLst/>
+          </a:prstGeom>
+        </p:spPr>
+        <p:txBody>
+          <a:bodyPr lIns="0" rIns="0" tIns="0" bIns="0" anchor="ctr"/>
+          <a:p>
+            <a:pPr algn="ctr"/>
+            <a:endParaRPr b="0" lang="ru-RU" sz="4400" spc="-1" strike="noStrike">
+              <a:solidFill>
+                <a:srgbClr val="000000"/>
+              </a:solidFill>
+              <a:uFill>
+                <a:solidFill>
+                  <a:srgbClr val="ffffff"/>
+                </a:solidFill>
+              </a:uFill>
+              <a:latin typeface="Arial"/>
+            </a:endParaRPr>
+          </a:p>
+        </p:txBody>
+      </p:sp>
+      <p:sp>
+        <p:nvSpPr>
+          <p:cNvPr id="56" name="PlaceHolder 2"/>
+          <p:cNvSpPr>
+            <a:spLocks noGrp="1"/>
+          </p:cNvSpPr>
+          <p:nvPr>
+            <p:ph type="body"/>
+          </p:nvPr>
+        </p:nvSpPr>
+        <p:spPr>
+          <a:xfrm>
+            <a:off x="504000" y="1769040"/>
+            <a:ext cx="4426560" cy="2090880"/>
+          </a:xfrm>
+          <a:prstGeom prst="rect">
+            <a:avLst/>
+          </a:prstGeom>
+        </p:spPr>
+        <p:txBody>
+          <a:bodyPr lIns="0" rIns="0" tIns="0" bIns="0">
+            <a:normAutofit/>
+          </a:bodyPr>
+          <a:p>
+            <a:endParaRPr b="0" lang="ru-RU" sz="3200" spc="-1" strike="noStrike">
+              <a:solidFill>
+                <a:srgbClr val="000000"/>
+              </a:solidFill>
+              <a:uFill>
+                <a:solidFill>
+                  <a:srgbClr val="ffffff"/>
+                </a:solidFill>
+              </a:uFill>
+              <a:latin typeface="Arial"/>
+            </a:endParaRPr>
+          </a:p>
+        </p:txBody>
+      </p:sp>
+      <p:sp>
+        <p:nvSpPr>
+          <p:cNvPr id="57" name="PlaceHolder 3"/>
+          <p:cNvSpPr>
+            <a:spLocks noGrp="1"/>
+          </p:cNvSpPr>
+          <p:nvPr>
+            <p:ph type="body"/>
+          </p:nvPr>
+        </p:nvSpPr>
+        <p:spPr>
+          <a:xfrm>
+            <a:off x="5152320" y="1769040"/>
+            <a:ext cx="4426560" cy="2090880"/>
+          </a:xfrm>
+          <a:prstGeom prst="rect">
+            <a:avLst/>
+          </a:prstGeom>
+        </p:spPr>
+        <p:txBody>
+          <a:bodyPr lIns="0" rIns="0" tIns="0" bIns="0">
+            <a:normAutofit/>
+          </a:bodyPr>
+          <a:p>
+            <a:endParaRPr b="0" lang="ru-RU" sz="3200" spc="-1" strike="noStrike">
+              <a:solidFill>
+                <a:srgbClr val="000000"/>
+              </a:solidFill>
+              <a:uFill>
+                <a:solidFill>
+                  <a:srgbClr val="ffffff"/>
+                </a:solidFill>
+              </a:uFill>
+              <a:latin typeface="Arial"/>
+            </a:endParaRPr>
+          </a:p>
+        </p:txBody>
+      </p:sp>
+      <p:sp>
+        <p:nvSpPr>
+          <p:cNvPr id="58" name="PlaceHolder 4"/>
+          <p:cNvSpPr>
+            <a:spLocks noGrp="1"/>
+          </p:cNvSpPr>
+          <p:nvPr>
+            <p:ph type="body"/>
+          </p:nvPr>
+        </p:nvSpPr>
+        <p:spPr>
+          <a:xfrm>
+            <a:off x="504000" y="4059000"/>
+            <a:ext cx="9071280" cy="2090880"/>
+          </a:xfrm>
+          <a:prstGeom prst="rect">
+            <a:avLst/>
+          </a:prstGeom>
+        </p:spPr>
+        <p:txBody>
+          <a:bodyPr lIns="0" rIns="0" tIns="0" bIns="0">
+            <a:normAutofit/>
+          </a:bodyPr>
+          <a:p>
+            <a:endParaRPr b="0" lang="ru-RU" sz="3200" spc="-1" strike="noStrike">
+              <a:solidFill>
+                <a:srgbClr val="000000"/>
+              </a:solidFill>
+              <a:uFill>
+                <a:solidFill>
+                  <a:srgbClr val="ffffff"/>
+                </a:solidFill>
+              </a:uFill>
+              <a:latin typeface="Arial"/>
+            </a:endParaRPr>
+          </a:p>
+        </p:txBody>
+      </p:sp>
+    </p:spTree>
+  </p:cSld>
+</p:sldLayout>
+</file>
+
+<file path=ppt/slideLayouts/slideLayout22.xml><?xml version="1.0" encoding="utf-8"?>
+<p:sldLayout xmlns:a="http://schemas.openxmlformats.org/drawingml/2006/main" xmlns:p="http://schemas.openxmlformats.org/presentationml/2006/main" xmlns:r="http://schemas.openxmlformats.org/officeDocument/2006/relationships" xmlns:p14="http://schemas.microsoft.com/office/powerpoint/2010/main" xmlns:p15="http://schemas.microsoft.com/office/powerpoint/2012/main" xmlns:mc="http://schemas.openxmlformats.org/markup-compatibility/2006" type="objOverTx" preserve="1">
+  <p:cSld name="Title, Content over Content">
+    <p:spTree>
+      <p:nvGrpSpPr>
+        <p:cNvPr id="1" name=""/>
+        <p:cNvGrpSpPr/>
+        <p:nvPr/>
+      </p:nvGrpSpPr>
+      <p:grpSpPr>
+        <a:xfrm>
+          <a:off x="0" y="0"/>
+          <a:ext cx="0" cy="0"/>
+          <a:chOff x="0" y="0"/>
+          <a:chExt cx="0" cy="0"/>
+        </a:xfrm>
+      </p:grpSpPr>
+      <p:sp>
+        <p:nvSpPr>
+          <p:cNvPr id="59" name="PlaceHolder 1"/>
+          <p:cNvSpPr>
+            <a:spLocks noGrp="1"/>
+          </p:cNvSpPr>
+          <p:nvPr>
+            <p:ph type="title"/>
+          </p:nvPr>
+        </p:nvSpPr>
+        <p:spPr>
+          <a:xfrm>
+            <a:off x="504000" y="301320"/>
+            <a:ext cx="9071280" cy="1261800"/>
+          </a:xfrm>
+          <a:prstGeom prst="rect">
+            <a:avLst/>
+          </a:prstGeom>
+        </p:spPr>
+        <p:txBody>
+          <a:bodyPr lIns="0" rIns="0" tIns="0" bIns="0" anchor="ctr"/>
+          <a:p>
+            <a:pPr algn="ctr"/>
+            <a:endParaRPr b="0" lang="ru-RU" sz="4400" spc="-1" strike="noStrike">
+              <a:solidFill>
+                <a:srgbClr val="000000"/>
+              </a:solidFill>
+              <a:uFill>
+                <a:solidFill>
+                  <a:srgbClr val="ffffff"/>
+                </a:solidFill>
+              </a:uFill>
+              <a:latin typeface="Arial"/>
+            </a:endParaRPr>
+          </a:p>
+        </p:txBody>
+      </p:sp>
+      <p:sp>
+        <p:nvSpPr>
+          <p:cNvPr id="60" name="PlaceHolder 2"/>
+          <p:cNvSpPr>
+            <a:spLocks noGrp="1"/>
+          </p:cNvSpPr>
+          <p:nvPr>
+            <p:ph type="body"/>
+          </p:nvPr>
+        </p:nvSpPr>
+        <p:spPr>
+          <a:xfrm>
+            <a:off x="504000" y="1769040"/>
+            <a:ext cx="9071280" cy="2090880"/>
+          </a:xfrm>
+          <a:prstGeom prst="rect">
+            <a:avLst/>
+          </a:prstGeom>
+        </p:spPr>
+        <p:txBody>
+          <a:bodyPr lIns="0" rIns="0" tIns="0" bIns="0">
+            <a:normAutofit/>
+          </a:bodyPr>
+          <a:p>
+            <a:endParaRPr b="0" lang="ru-RU" sz="3200" spc="-1" strike="noStrike">
+              <a:solidFill>
+                <a:srgbClr val="000000"/>
+              </a:solidFill>
+              <a:uFill>
+                <a:solidFill>
+                  <a:srgbClr val="ffffff"/>
+                </a:solidFill>
+              </a:uFill>
+              <a:latin typeface="Arial"/>
+            </a:endParaRPr>
+          </a:p>
+        </p:txBody>
+      </p:sp>
+      <p:sp>
+        <p:nvSpPr>
+          <p:cNvPr id="61" name="PlaceHolder 3"/>
+          <p:cNvSpPr>
+            <a:spLocks noGrp="1"/>
+          </p:cNvSpPr>
+          <p:nvPr>
+            <p:ph type="body"/>
+          </p:nvPr>
+        </p:nvSpPr>
+        <p:spPr>
+          <a:xfrm>
+            <a:off x="504000" y="4059000"/>
+            <a:ext cx="9071280" cy="2090880"/>
+          </a:xfrm>
+          <a:prstGeom prst="rect">
+            <a:avLst/>
+          </a:prstGeom>
+        </p:spPr>
+        <p:txBody>
+          <a:bodyPr lIns="0" rIns="0" tIns="0" bIns="0">
+            <a:normAutofit/>
+          </a:bodyPr>
+          <a:p>
+            <a:endParaRPr b="0" lang="ru-RU" sz="3200" spc="-1" strike="noStrike">
+              <a:solidFill>
+                <a:srgbClr val="000000"/>
+              </a:solidFill>
+              <a:uFill>
+                <a:solidFill>
+                  <a:srgbClr val="ffffff"/>
+                </a:solidFill>
+              </a:uFill>
+              <a:latin typeface="Arial"/>
+            </a:endParaRPr>
+          </a:p>
+        </p:txBody>
+      </p:sp>
+    </p:spTree>
+  </p:cSld>
+</p:sldLayout>
+</file>
+
+<file path=ppt/slideLayouts/slideLayout23.xml><?xml version="1.0" encoding="utf-8"?>
+<p:sldLayout xmlns:a="http://schemas.openxmlformats.org/drawingml/2006/main" xmlns:p="http://schemas.openxmlformats.org/presentationml/2006/main" xmlns:r="http://schemas.openxmlformats.org/officeDocument/2006/relationships" xmlns:p14="http://schemas.microsoft.com/office/powerpoint/2010/main" xmlns:p15="http://schemas.microsoft.com/office/powerpoint/2012/main" xmlns:mc="http://schemas.openxmlformats.org/markup-compatibility/2006" type="fourObj" preserve="1">
+  <p:cSld name="Title, 4 Content">
+    <p:spTree>
+      <p:nvGrpSpPr>
+        <p:cNvPr id="1" name=""/>
+        <p:cNvGrpSpPr/>
+        <p:nvPr/>
+      </p:nvGrpSpPr>
+      <p:grpSpPr>
+        <a:xfrm>
+          <a:off x="0" y="0"/>
+          <a:ext cx="0" cy="0"/>
+          <a:chOff x="0" y="0"/>
+          <a:chExt cx="0" cy="0"/>
+        </a:xfrm>
+      </p:grpSpPr>
+      <p:sp>
+        <p:nvSpPr>
+          <p:cNvPr id="62" name="PlaceHolder 1"/>
+          <p:cNvSpPr>
+            <a:spLocks noGrp="1"/>
+          </p:cNvSpPr>
+          <p:nvPr>
+            <p:ph type="title"/>
+          </p:nvPr>
+        </p:nvSpPr>
+        <p:spPr>
+          <a:xfrm>
+            <a:off x="504000" y="301320"/>
+            <a:ext cx="9071280" cy="1261800"/>
+          </a:xfrm>
+          <a:prstGeom prst="rect">
+            <a:avLst/>
+          </a:prstGeom>
+        </p:spPr>
+        <p:txBody>
+          <a:bodyPr lIns="0" rIns="0" tIns="0" bIns="0" anchor="ctr"/>
+          <a:p>
+            <a:pPr algn="ctr"/>
+            <a:endParaRPr b="0" lang="ru-RU" sz="4400" spc="-1" strike="noStrike">
+              <a:solidFill>
+                <a:srgbClr val="000000"/>
+              </a:solidFill>
+              <a:uFill>
+                <a:solidFill>
+                  <a:srgbClr val="ffffff"/>
+                </a:solidFill>
+              </a:uFill>
+              <a:latin typeface="Arial"/>
+            </a:endParaRPr>
+          </a:p>
+        </p:txBody>
+      </p:sp>
+      <p:sp>
+        <p:nvSpPr>
+          <p:cNvPr id="63" name="PlaceHolder 2"/>
+          <p:cNvSpPr>
+            <a:spLocks noGrp="1"/>
+          </p:cNvSpPr>
+          <p:nvPr>
+            <p:ph type="body"/>
+          </p:nvPr>
+        </p:nvSpPr>
+        <p:spPr>
+          <a:xfrm>
+            <a:off x="504000" y="1769040"/>
+            <a:ext cx="4426560" cy="2090880"/>
+          </a:xfrm>
+          <a:prstGeom prst="rect">
+            <a:avLst/>
+          </a:prstGeom>
+        </p:spPr>
+        <p:txBody>
+          <a:bodyPr lIns="0" rIns="0" tIns="0" bIns="0">
+            <a:normAutofit/>
+          </a:bodyPr>
+          <a:p>
+            <a:endParaRPr b="0" lang="ru-RU" sz="3200" spc="-1" strike="noStrike">
+              <a:solidFill>
+                <a:srgbClr val="000000"/>
+              </a:solidFill>
+              <a:uFill>
+                <a:solidFill>
+                  <a:srgbClr val="ffffff"/>
+                </a:solidFill>
+              </a:uFill>
+              <a:latin typeface="Arial"/>
+            </a:endParaRPr>
+          </a:p>
+        </p:txBody>
+      </p:sp>
+      <p:sp>
+        <p:nvSpPr>
+          <p:cNvPr id="64" name="PlaceHolder 3"/>
+          <p:cNvSpPr>
+            <a:spLocks noGrp="1"/>
+          </p:cNvSpPr>
+          <p:nvPr>
+            <p:ph type="body"/>
+          </p:nvPr>
+        </p:nvSpPr>
+        <p:spPr>
+          <a:xfrm>
+            <a:off x="5152320" y="1769040"/>
+            <a:ext cx="4426560" cy="2090880"/>
+          </a:xfrm>
+          <a:prstGeom prst="rect">
+            <a:avLst/>
+          </a:prstGeom>
+        </p:spPr>
+        <p:txBody>
+          <a:bodyPr lIns="0" rIns="0" tIns="0" bIns="0">
+            <a:normAutofit/>
+          </a:bodyPr>
+          <a:p>
+            <a:endParaRPr b="0" lang="ru-RU" sz="3200" spc="-1" strike="noStrike">
+              <a:solidFill>
+                <a:srgbClr val="000000"/>
+              </a:solidFill>
+              <a:uFill>
+                <a:solidFill>
+                  <a:srgbClr val="ffffff"/>
+                </a:solidFill>
+              </a:uFill>
+              <a:latin typeface="Arial"/>
+            </a:endParaRPr>
+          </a:p>
+        </p:txBody>
+      </p:sp>
+      <p:sp>
+        <p:nvSpPr>
+          <p:cNvPr id="65" name="PlaceHolder 4"/>
+          <p:cNvSpPr>
+            <a:spLocks noGrp="1"/>
+          </p:cNvSpPr>
+          <p:nvPr>
+            <p:ph type="body"/>
+          </p:nvPr>
+        </p:nvSpPr>
+        <p:spPr>
+          <a:xfrm>
+            <a:off x="5152320" y="4059000"/>
+            <a:ext cx="4426560" cy="2090880"/>
+          </a:xfrm>
+          <a:prstGeom prst="rect">
+            <a:avLst/>
+          </a:prstGeom>
+        </p:spPr>
+        <p:txBody>
+          <a:bodyPr lIns="0" rIns="0" tIns="0" bIns="0">
+            <a:normAutofit/>
+          </a:bodyPr>
+          <a:p>
+            <a:endParaRPr b="0" lang="ru-RU" sz="3200" spc="-1" strike="noStrike">
+              <a:solidFill>
+                <a:srgbClr val="000000"/>
+              </a:solidFill>
+              <a:uFill>
+                <a:solidFill>
+                  <a:srgbClr val="ffffff"/>
+                </a:solidFill>
+              </a:uFill>
+              <a:latin typeface="Arial"/>
+            </a:endParaRPr>
+          </a:p>
+        </p:txBody>
+      </p:sp>
+      <p:sp>
+        <p:nvSpPr>
+          <p:cNvPr id="66" name="PlaceHolder 5"/>
+          <p:cNvSpPr>
+            <a:spLocks noGrp="1"/>
+          </p:cNvSpPr>
+          <p:nvPr>
+            <p:ph type="body"/>
+          </p:nvPr>
+        </p:nvSpPr>
+        <p:spPr>
+          <a:xfrm>
+            <a:off x="504000" y="4059000"/>
+            <a:ext cx="4426560" cy="2090880"/>
+          </a:xfrm>
+          <a:prstGeom prst="rect">
+            <a:avLst/>
+          </a:prstGeom>
+        </p:spPr>
+        <p:txBody>
+          <a:bodyPr lIns="0" rIns="0" tIns="0" bIns="0">
+            <a:normAutofit/>
+          </a:bodyPr>
+          <a:p>
+            <a:endParaRPr b="0" lang="ru-RU" sz="3200" spc="-1" strike="noStrike">
+              <a:solidFill>
+                <a:srgbClr val="000000"/>
+              </a:solidFill>
+              <a:uFill>
+                <a:solidFill>
+                  <a:srgbClr val="ffffff"/>
+                </a:solidFill>
+              </a:uFill>
+              <a:latin typeface="Arial"/>
+            </a:endParaRPr>
+          </a:p>
+        </p:txBody>
+      </p:sp>
+    </p:spTree>
+  </p:cSld>
+</p:sldLayout>
+</file>
+
+<file path=ppt/slideLayouts/slideLayout24.xml><?xml version="1.0" encoding="utf-8"?>
+<p:sldLayout xmlns:a="http://schemas.openxmlformats.org/drawingml/2006/main" xmlns:p="http://schemas.openxmlformats.org/presentationml/2006/main" xmlns:r="http://schemas.openxmlformats.org/officeDocument/2006/relationships" xmlns:p14="http://schemas.microsoft.com/office/powerpoint/2010/main" xmlns:p15="http://schemas.microsoft.com/office/powerpoint/2012/main" xmlns:mc="http://schemas.openxmlformats.org/markup-compatibility/2006" type="blank" preserve="1">
+  <p:cSld name="Title, 6 Content">
+    <p:spTree>
+      <p:nvGrpSpPr>
+        <p:cNvPr id="1" name=""/>
+        <p:cNvGrpSpPr/>
+        <p:nvPr/>
+      </p:nvGrpSpPr>
+      <p:grpSpPr>
+        <a:xfrm>
+          <a:off x="0" y="0"/>
+          <a:ext cx="0" cy="0"/>
+          <a:chOff x="0" y="0"/>
+          <a:chExt cx="0" cy="0"/>
+        </a:xfrm>
+      </p:grpSpPr>
+      <p:sp>
+        <p:nvSpPr>
+          <p:cNvPr id="67" name="PlaceHolder 1"/>
+          <p:cNvSpPr>
+            <a:spLocks noGrp="1"/>
+          </p:cNvSpPr>
+          <p:nvPr>
+            <p:ph type="title"/>
+          </p:nvPr>
+        </p:nvSpPr>
+        <p:spPr>
+          <a:xfrm>
+            <a:off x="504000" y="301320"/>
+            <a:ext cx="9071280" cy="1261800"/>
+          </a:xfrm>
+          <a:prstGeom prst="rect">
+            <a:avLst/>
+          </a:prstGeom>
+        </p:spPr>
+        <p:txBody>
+          <a:bodyPr lIns="0" rIns="0" tIns="0" bIns="0" anchor="ctr"/>
+          <a:p>
+            <a:pPr algn="ctr"/>
+            <a:endParaRPr b="0" lang="ru-RU" sz="4400" spc="-1" strike="noStrike">
+              <a:solidFill>
+                <a:srgbClr val="000000"/>
+              </a:solidFill>
+              <a:uFill>
+                <a:solidFill>
+                  <a:srgbClr val="ffffff"/>
+                </a:solidFill>
+              </a:uFill>
+              <a:latin typeface="Arial"/>
+            </a:endParaRPr>
+          </a:p>
+        </p:txBody>
+      </p:sp>
+      <p:sp>
+        <p:nvSpPr>
+          <p:cNvPr id="68" name="PlaceHolder 2"/>
+          <p:cNvSpPr>
+            <a:spLocks noGrp="1"/>
+          </p:cNvSpPr>
+          <p:nvPr>
+            <p:ph type="body"/>
+          </p:nvPr>
+        </p:nvSpPr>
+        <p:spPr>
+          <a:xfrm>
+            <a:off x="504000" y="1769040"/>
+            <a:ext cx="9071280" cy="4383720"/>
+          </a:xfrm>
+          <a:prstGeom prst="rect">
+            <a:avLst/>
+          </a:prstGeom>
+        </p:spPr>
+        <p:txBody>
+          <a:bodyPr lIns="0" rIns="0" tIns="0" bIns="0">
+            <a:normAutofit/>
+          </a:bodyPr>
+          <a:p>
+            <a:endParaRPr b="0" lang="ru-RU" sz="3200" spc="-1" strike="noStrike">
+              <a:solidFill>
+                <a:srgbClr val="000000"/>
+              </a:solidFill>
+              <a:uFill>
+                <a:solidFill>
+                  <a:srgbClr val="ffffff"/>
+                </a:solidFill>
+              </a:uFill>
+              <a:latin typeface="Arial"/>
+            </a:endParaRPr>
+          </a:p>
+        </p:txBody>
+      </p:sp>
+      <p:sp>
+        <p:nvSpPr>
+          <p:cNvPr id="69" name="PlaceHolder 3"/>
+          <p:cNvSpPr>
+            <a:spLocks noGrp="1"/>
+          </p:cNvSpPr>
+          <p:nvPr>
+            <p:ph type="body"/>
+          </p:nvPr>
+        </p:nvSpPr>
+        <p:spPr>
+          <a:xfrm>
+            <a:off x="504000" y="1769040"/>
+            <a:ext cx="9071280" cy="4383720"/>
+          </a:xfrm>
+          <a:prstGeom prst="rect">
+            <a:avLst/>
+          </a:prstGeom>
+        </p:spPr>
+        <p:txBody>
+          <a:bodyPr lIns="0" rIns="0" tIns="0" bIns="0">
+            <a:normAutofit/>
+          </a:bodyPr>
+          <a:p>
+            <a:endParaRPr b="0" lang="ru-RU" sz="3200" spc="-1" strike="noStrike">
+              <a:solidFill>
+                <a:srgbClr val="000000"/>
+              </a:solidFill>
+              <a:uFill>
+                <a:solidFill>
+                  <a:srgbClr val="ffffff"/>
+                </a:solidFill>
+              </a:uFill>
+              <a:latin typeface="Arial"/>
+            </a:endParaRPr>
+          </a:p>
+        </p:txBody>
+      </p:sp>
+      <p:pic>
+        <p:nvPicPr>
+          <p:cNvPr id="70" name="" descr=""/>
+          <p:cNvPicPr/>
+          <p:nvPr/>
+        </p:nvPicPr>
+        <p:blipFill>
+          <a:blip r:embed="rId2"/>
+          <a:stretch/>
+        </p:blipFill>
+        <p:spPr>
+          <a:xfrm>
+            <a:off x="2292480" y="1768680"/>
+            <a:ext cx="5494320" cy="4383720"/>
+          </a:xfrm>
+          <a:prstGeom prst="rect">
+            <a:avLst/>
+          </a:prstGeom>
+          <a:ln>
+            <a:noFill/>
+          </a:ln>
+        </p:spPr>
+      </p:pic>
+      <p:pic>
+        <p:nvPicPr>
+          <p:cNvPr id="71" name="" descr=""/>
+          <p:cNvPicPr/>
+          <p:nvPr/>
+        </p:nvPicPr>
+        <p:blipFill>
+          <a:blip r:embed="rId3"/>
+          <a:stretch/>
+        </p:blipFill>
+        <p:spPr>
+          <a:xfrm>
+            <a:off x="2292480" y="1768680"/>
+            <a:ext cx="5494320" cy="4383720"/>
+          </a:xfrm>
+          <a:prstGeom prst="rect">
+            <a:avLst/>
+          </a:prstGeom>
+          <a:ln>
+            <a:noFill/>
+          </a:ln>
+        </p:spPr>
+      </p:pic>
     </p:spTree>
   </p:cSld>
 </p:sldLayout>
@@ -693,7 +2207,7 @@
       </p:grpSpPr>
       <p:sp>
         <p:nvSpPr>
-          <p:cNvPr id="7" name="PlaceHolder 1"/>
+          <p:cNvPr id="4" name="PlaceHolder 1"/>
           <p:cNvSpPr>
             <a:spLocks noGrp="1"/>
           </p:cNvSpPr>
@@ -704,7 +2218,7 @@
         <p:spPr>
           <a:xfrm>
             <a:off x="504000" y="301320"/>
-            <a:ext cx="9071640" cy="1262160"/>
+            <a:ext cx="9071280" cy="1261800"/>
           </a:xfrm>
           <a:prstGeom prst="rect">
             <a:avLst/>
@@ -730,7 +2244,7 @@
       </p:sp>
       <p:sp>
         <p:nvSpPr>
-          <p:cNvPr id="8" name="PlaceHolder 2"/>
+          <p:cNvPr id="5" name="PlaceHolder 2"/>
           <p:cNvSpPr>
             <a:spLocks noGrp="1"/>
           </p:cNvSpPr>
@@ -741,7 +2255,7 @@
         <p:spPr>
           <a:xfrm>
             <a:off x="504000" y="1769040"/>
-            <a:ext cx="9071640" cy="4384080"/>
+            <a:ext cx="9071280" cy="4383720"/>
           </a:xfrm>
           <a:prstGeom prst="rect">
             <a:avLst/>
@@ -790,7 +2304,7 @@
       </p:grpSpPr>
       <p:sp>
         <p:nvSpPr>
-          <p:cNvPr id="9" name="PlaceHolder 1"/>
+          <p:cNvPr id="6" name="PlaceHolder 1"/>
           <p:cNvSpPr>
             <a:spLocks noGrp="1"/>
           </p:cNvSpPr>
@@ -801,7 +2315,7 @@
         <p:spPr>
           <a:xfrm>
             <a:off x="504000" y="301320"/>
-            <a:ext cx="9071640" cy="1262160"/>
+            <a:ext cx="9071280" cy="1261800"/>
           </a:xfrm>
           <a:prstGeom prst="rect">
             <a:avLst/>
@@ -827,7 +2341,7 @@
       </p:sp>
       <p:sp>
         <p:nvSpPr>
-          <p:cNvPr id="10" name="PlaceHolder 2"/>
+          <p:cNvPr id="7" name="PlaceHolder 2"/>
           <p:cNvSpPr>
             <a:spLocks noGrp="1"/>
           </p:cNvSpPr>
@@ -838,7 +2352,7 @@
         <p:spPr>
           <a:xfrm>
             <a:off x="504000" y="1769040"/>
-            <a:ext cx="4426920" cy="4384080"/>
+            <a:ext cx="4426560" cy="4383720"/>
           </a:xfrm>
           <a:prstGeom prst="rect">
             <a:avLst/>
@@ -865,7 +2379,7 @@
       </p:sp>
       <p:sp>
         <p:nvSpPr>
-          <p:cNvPr id="11" name="PlaceHolder 3"/>
+          <p:cNvPr id="8" name="PlaceHolder 3"/>
           <p:cNvSpPr>
             <a:spLocks noGrp="1"/>
           </p:cNvSpPr>
@@ -875,8 +2389,8 @@
         </p:nvSpPr>
         <p:spPr>
           <a:xfrm>
-            <a:off x="5152680" y="1769040"/>
-            <a:ext cx="4426920" cy="4384080"/>
+            <a:off x="5152320" y="1769040"/>
+            <a:ext cx="4426560" cy="4383720"/>
           </a:xfrm>
           <a:prstGeom prst="rect">
             <a:avLst/>
@@ -925,7 +2439,7 @@
       </p:grpSpPr>
       <p:sp>
         <p:nvSpPr>
-          <p:cNvPr id="12" name="PlaceHolder 1"/>
+          <p:cNvPr id="9" name="PlaceHolder 1"/>
           <p:cNvSpPr>
             <a:spLocks noGrp="1"/>
           </p:cNvSpPr>
@@ -936,7 +2450,7 @@
         <p:spPr>
           <a:xfrm>
             <a:off x="504000" y="301320"/>
-            <a:ext cx="9071640" cy="1262160"/>
+            <a:ext cx="9071280" cy="1261800"/>
           </a:xfrm>
           <a:prstGeom prst="rect">
             <a:avLst/>
@@ -984,7 +2498,7 @@
       </p:grpSpPr>
       <p:sp>
         <p:nvSpPr>
-          <p:cNvPr id="13" name="PlaceHolder 1"/>
+          <p:cNvPr id="10" name="PlaceHolder 1"/>
           <p:cNvSpPr>
             <a:spLocks noGrp="1"/>
           </p:cNvSpPr>
@@ -995,7 +2509,7 @@
         <p:spPr>
           <a:xfrm>
             <a:off x="504000" y="301320"/>
-            <a:ext cx="9071640" cy="5851800"/>
+            <a:ext cx="9071280" cy="5850360"/>
           </a:xfrm>
           <a:prstGeom prst="rect">
             <a:avLst/>
@@ -1043,7 +2557,7 @@
       </p:grpSpPr>
       <p:sp>
         <p:nvSpPr>
-          <p:cNvPr id="14" name="PlaceHolder 1"/>
+          <p:cNvPr id="11" name="PlaceHolder 1"/>
           <p:cNvSpPr>
             <a:spLocks noGrp="1"/>
           </p:cNvSpPr>
@@ -1054,7 +2568,7 @@
         <p:spPr>
           <a:xfrm>
             <a:off x="504000" y="301320"/>
-            <a:ext cx="9071640" cy="1262160"/>
+            <a:ext cx="9071280" cy="1261800"/>
           </a:xfrm>
           <a:prstGeom prst="rect">
             <a:avLst/>
@@ -1080,7 +2594,7 @@
       </p:sp>
       <p:sp>
         <p:nvSpPr>
-          <p:cNvPr id="15" name="PlaceHolder 2"/>
+          <p:cNvPr id="12" name="PlaceHolder 2"/>
           <p:cNvSpPr>
             <a:spLocks noGrp="1"/>
           </p:cNvSpPr>
@@ -1091,7 +2605,7 @@
         <p:spPr>
           <a:xfrm>
             <a:off x="504000" y="1769040"/>
-            <a:ext cx="4426920" cy="2090880"/>
+            <a:ext cx="4426560" cy="2090880"/>
           </a:xfrm>
           <a:prstGeom prst="rect">
             <a:avLst/>
@@ -1118,7 +2632,7 @@
       </p:sp>
       <p:sp>
         <p:nvSpPr>
-          <p:cNvPr id="16" name="PlaceHolder 3"/>
+          <p:cNvPr id="13" name="PlaceHolder 3"/>
           <p:cNvSpPr>
             <a:spLocks noGrp="1"/>
           </p:cNvSpPr>
@@ -1129,7 +2643,7 @@
         <p:spPr>
           <a:xfrm>
             <a:off x="504000" y="4059000"/>
-            <a:ext cx="4426920" cy="2090880"/>
+            <a:ext cx="4426560" cy="2090880"/>
           </a:xfrm>
           <a:prstGeom prst="rect">
             <a:avLst/>
@@ -1156,7 +2670,7 @@
       </p:sp>
       <p:sp>
         <p:nvSpPr>
-          <p:cNvPr id="17" name="PlaceHolder 4"/>
+          <p:cNvPr id="14" name="PlaceHolder 4"/>
           <p:cNvSpPr>
             <a:spLocks noGrp="1"/>
           </p:cNvSpPr>
@@ -1166,8 +2680,8 @@
         </p:nvSpPr>
         <p:spPr>
           <a:xfrm>
-            <a:off x="5152680" y="1769040"/>
-            <a:ext cx="4426920" cy="4384080"/>
+            <a:off x="5152320" y="1769040"/>
+            <a:ext cx="4426560" cy="4383720"/>
           </a:xfrm>
           <a:prstGeom prst="rect">
             <a:avLst/>
@@ -1216,7 +2730,7 @@
       </p:grpSpPr>
       <p:sp>
         <p:nvSpPr>
-          <p:cNvPr id="18" name="PlaceHolder 1"/>
+          <p:cNvPr id="15" name="PlaceHolder 1"/>
           <p:cNvSpPr>
             <a:spLocks noGrp="1"/>
           </p:cNvSpPr>
@@ -1227,7 +2741,7 @@
         <p:spPr>
           <a:xfrm>
             <a:off x="504000" y="301320"/>
-            <a:ext cx="9071640" cy="1262160"/>
+            <a:ext cx="9071280" cy="1261800"/>
           </a:xfrm>
           <a:prstGeom prst="rect">
             <a:avLst/>
@@ -1253,7 +2767,7 @@
       </p:sp>
       <p:sp>
         <p:nvSpPr>
-          <p:cNvPr id="19" name="PlaceHolder 2"/>
+          <p:cNvPr id="16" name="PlaceHolder 2"/>
           <p:cNvSpPr>
             <a:spLocks noGrp="1"/>
           </p:cNvSpPr>
@@ -1264,7 +2778,7 @@
         <p:spPr>
           <a:xfrm>
             <a:off x="504000" y="1769040"/>
-            <a:ext cx="4426920" cy="4384080"/>
+            <a:ext cx="4426560" cy="4383720"/>
           </a:xfrm>
           <a:prstGeom prst="rect">
             <a:avLst/>
@@ -1291,7 +2805,7 @@
       </p:sp>
       <p:sp>
         <p:nvSpPr>
-          <p:cNvPr id="20" name="PlaceHolder 3"/>
+          <p:cNvPr id="17" name="PlaceHolder 3"/>
           <p:cNvSpPr>
             <a:spLocks noGrp="1"/>
           </p:cNvSpPr>
@@ -1301,8 +2815,8 @@
         </p:nvSpPr>
         <p:spPr>
           <a:xfrm>
-            <a:off x="5152680" y="1769040"/>
-            <a:ext cx="4426920" cy="2090880"/>
+            <a:off x="5152320" y="1769040"/>
+            <a:ext cx="4426560" cy="2090880"/>
           </a:xfrm>
           <a:prstGeom prst="rect">
             <a:avLst/>
@@ -1329,7 +2843,7 @@
       </p:sp>
       <p:sp>
         <p:nvSpPr>
-          <p:cNvPr id="21" name="PlaceHolder 4"/>
+          <p:cNvPr id="18" name="PlaceHolder 4"/>
           <p:cNvSpPr>
             <a:spLocks noGrp="1"/>
           </p:cNvSpPr>
@@ -1339,8 +2853,8 @@
         </p:nvSpPr>
         <p:spPr>
           <a:xfrm>
-            <a:off x="5152680" y="4059000"/>
-            <a:ext cx="4426920" cy="2090880"/>
+            <a:off x="5152320" y="4059000"/>
+            <a:ext cx="4426560" cy="2090880"/>
           </a:xfrm>
           <a:prstGeom prst="rect">
             <a:avLst/>
@@ -1389,7 +2903,7 @@
       </p:grpSpPr>
       <p:sp>
         <p:nvSpPr>
-          <p:cNvPr id="22" name="PlaceHolder 1"/>
+          <p:cNvPr id="19" name="PlaceHolder 1"/>
           <p:cNvSpPr>
             <a:spLocks noGrp="1"/>
           </p:cNvSpPr>
@@ -1400,7 +2914,7 @@
         <p:spPr>
           <a:xfrm>
             <a:off x="504000" y="301320"/>
-            <a:ext cx="9071640" cy="1262160"/>
+            <a:ext cx="9071280" cy="1261800"/>
           </a:xfrm>
           <a:prstGeom prst="rect">
             <a:avLst/>
@@ -1426,7 +2940,7 @@
       </p:sp>
       <p:sp>
         <p:nvSpPr>
-          <p:cNvPr id="23" name="PlaceHolder 2"/>
+          <p:cNvPr id="20" name="PlaceHolder 2"/>
           <p:cNvSpPr>
             <a:spLocks noGrp="1"/>
           </p:cNvSpPr>
@@ -1437,7 +2951,7 @@
         <p:spPr>
           <a:xfrm>
             <a:off x="504000" y="1769040"/>
-            <a:ext cx="4426920" cy="2090880"/>
+            <a:ext cx="4426560" cy="2090880"/>
           </a:xfrm>
           <a:prstGeom prst="rect">
             <a:avLst/>
@@ -1464,7 +2978,7 @@
       </p:sp>
       <p:sp>
         <p:nvSpPr>
-          <p:cNvPr id="24" name="PlaceHolder 3"/>
+          <p:cNvPr id="21" name="PlaceHolder 3"/>
           <p:cNvSpPr>
             <a:spLocks noGrp="1"/>
           </p:cNvSpPr>
@@ -1474,8 +2988,8 @@
         </p:nvSpPr>
         <p:spPr>
           <a:xfrm>
-            <a:off x="5152680" y="1769040"/>
-            <a:ext cx="4426920" cy="2090880"/>
+            <a:off x="5152320" y="1769040"/>
+            <a:ext cx="4426560" cy="2090880"/>
           </a:xfrm>
           <a:prstGeom prst="rect">
             <a:avLst/>
@@ -1502,7 +3016,7 @@
       </p:sp>
       <p:sp>
         <p:nvSpPr>
-          <p:cNvPr id="25" name="PlaceHolder 4"/>
+          <p:cNvPr id="22" name="PlaceHolder 4"/>
           <p:cNvSpPr>
             <a:spLocks noGrp="1"/>
           </p:cNvSpPr>
@@ -1513,7 +3027,7 @@
         <p:spPr>
           <a:xfrm>
             <a:off x="504000" y="4059000"/>
-            <a:ext cx="9071640" cy="2090880"/>
+            <a:ext cx="9071280" cy="2090880"/>
           </a:xfrm>
           <a:prstGeom prst="rect">
             <a:avLst/>
@@ -1573,7 +3087,7 @@
         <p:spPr>
           <a:xfrm>
             <a:off x="504000" y="301320"/>
-            <a:ext cx="9071640" cy="1262160"/>
+            <a:ext cx="9071280" cy="1261800"/>
           </a:xfrm>
           <a:prstGeom prst="rect">
             <a:avLst/>
@@ -1582,9 +3096,8 @@
         <p:txBody>
           <a:bodyPr lIns="0" rIns="0" tIns="0" bIns="0" anchor="ctr"/>
           <a:p>
-            <a:pPr algn="ctr"/>
-            <a:r>
-              <a:rPr b="0" lang="ru-RU" sz="4400" spc="-1" strike="noStrike">
+            <a:r>
+              <a:rPr b="0" lang="ru-RU" sz="1800" spc="-1" strike="noStrike">
                 <a:solidFill>
                   <a:srgbClr val="000000"/>
                 </a:solidFill>
@@ -1597,7 +3110,7 @@
               </a:rPr>
               <a:t>Click to edit the title text format</a:t>
             </a:r>
-            <a:endParaRPr b="0" lang="ru-RU" sz="4400" spc="-1" strike="noStrike">
+            <a:endParaRPr b="0" lang="ru-RU" sz="1800" spc="-1" strike="noStrike">
               <a:solidFill>
                 <a:srgbClr val="000000"/>
               </a:solidFill>
@@ -1623,8 +3136,8 @@
         </p:nvSpPr>
         <p:spPr>
           <a:xfrm>
-            <a:off x="504000" y="1769040"/>
-            <a:ext cx="9071640" cy="4384080"/>
+            <a:off x="504000" y="1768680"/>
+            <a:ext cx="9072000" cy="4384080"/>
           </a:xfrm>
           <a:prstGeom prst="rect">
             <a:avLst/>
@@ -1898,158 +3411,6 @@
                 </a:solidFill>
               </a:uFill>
               <a:latin typeface="Arial"/>
-            </a:endParaRPr>
-          </a:p>
-        </p:txBody>
-      </p:sp>
-      <p:sp>
-        <p:nvSpPr>
-          <p:cNvPr id="2" name="PlaceHolder 3"/>
-          <p:cNvSpPr>
-            <a:spLocks noGrp="1"/>
-          </p:cNvSpPr>
-          <p:nvPr>
-            <p:ph type="dt"/>
-          </p:nvPr>
-        </p:nvSpPr>
-        <p:spPr>
-          <a:xfrm>
-            <a:off x="504000" y="6887160"/>
-            <a:ext cx="2348280" cy="521280"/>
-          </a:xfrm>
-          <a:prstGeom prst="rect">
-            <a:avLst/>
-          </a:prstGeom>
-        </p:spPr>
-        <p:txBody>
-          <a:bodyPr lIns="0" rIns="0" tIns="0" bIns="0"/>
-          <a:p>
-            <a:r>
-              <a:rPr b="0" lang="ru-RU" sz="1400" spc="-1" strike="noStrike">
-                <a:solidFill>
-                  <a:srgbClr val="000000"/>
-                </a:solidFill>
-                <a:uFill>
-                  <a:solidFill>
-                    <a:srgbClr val="ffffff"/>
-                  </a:solidFill>
-                </a:uFill>
-                <a:latin typeface="Times New Roman"/>
-              </a:rPr>
-              <a:t>&lt;date/time&gt;</a:t>
-            </a:r>
-            <a:endParaRPr b="0" lang="ru-RU" sz="1400" spc="-1" strike="noStrike">
-              <a:solidFill>
-                <a:srgbClr val="000000"/>
-              </a:solidFill>
-              <a:uFill>
-                <a:solidFill>
-                  <a:srgbClr val="ffffff"/>
-                </a:solidFill>
-              </a:uFill>
-              <a:latin typeface="Times New Roman"/>
-            </a:endParaRPr>
-          </a:p>
-        </p:txBody>
-      </p:sp>
-      <p:sp>
-        <p:nvSpPr>
-          <p:cNvPr id="3" name="PlaceHolder 4"/>
-          <p:cNvSpPr>
-            <a:spLocks noGrp="1"/>
-          </p:cNvSpPr>
-          <p:nvPr>
-            <p:ph type="ftr"/>
-          </p:nvPr>
-        </p:nvSpPr>
-        <p:spPr>
-          <a:xfrm>
-            <a:off x="3447360" y="6887160"/>
-            <a:ext cx="3195000" cy="521280"/>
-          </a:xfrm>
-          <a:prstGeom prst="rect">
-            <a:avLst/>
-          </a:prstGeom>
-        </p:spPr>
-        <p:txBody>
-          <a:bodyPr lIns="0" rIns="0" tIns="0" bIns="0"/>
-          <a:p>
-            <a:pPr algn="ctr"/>
-            <a:r>
-              <a:rPr b="0" lang="ru-RU" sz="1400" spc="-1" strike="noStrike">
-                <a:solidFill>
-                  <a:srgbClr val="000000"/>
-                </a:solidFill>
-                <a:uFill>
-                  <a:solidFill>
-                    <a:srgbClr val="ffffff"/>
-                  </a:solidFill>
-                </a:uFill>
-                <a:latin typeface="Times New Roman"/>
-              </a:rPr>
-              <a:t>&lt;footer&gt;</a:t>
-            </a:r>
-            <a:endParaRPr b="0" lang="ru-RU" sz="1400" spc="-1" strike="noStrike">
-              <a:solidFill>
-                <a:srgbClr val="000000"/>
-              </a:solidFill>
-              <a:uFill>
-                <a:solidFill>
-                  <a:srgbClr val="ffffff"/>
-                </a:solidFill>
-              </a:uFill>
-              <a:latin typeface="Times New Roman"/>
-            </a:endParaRPr>
-          </a:p>
-        </p:txBody>
-      </p:sp>
-      <p:sp>
-        <p:nvSpPr>
-          <p:cNvPr id="4" name="PlaceHolder 5"/>
-          <p:cNvSpPr>
-            <a:spLocks noGrp="1"/>
-          </p:cNvSpPr>
-          <p:nvPr>
-            <p:ph type="sldNum"/>
-          </p:nvPr>
-        </p:nvSpPr>
-        <p:spPr>
-          <a:xfrm>
-            <a:off x="7227000" y="6887160"/>
-            <a:ext cx="2348280" cy="521280"/>
-          </a:xfrm>
-          <a:prstGeom prst="rect">
-            <a:avLst/>
-          </a:prstGeom>
-        </p:spPr>
-        <p:txBody>
-          <a:bodyPr lIns="0" rIns="0" tIns="0" bIns="0"/>
-          <a:p>
-            <a:pPr algn="r"/>
-            <a:fld id="{B5129AFB-786C-43AE-9BA4-14701DC77C68}" type="slidenum">
-              <a:rPr b="0" lang="ru-RU" sz="1400" spc="-1" strike="noStrike">
-                <a:solidFill>
-                  <a:srgbClr val="000000"/>
-                </a:solidFill>
-                <a:uFill>
-                  <a:solidFill>
-                    <a:srgbClr val="ffffff"/>
-                  </a:solidFill>
-                </a:uFill>
-                <a:latin typeface="Times New Roman"/>
-              </a:rPr>
-              <a:t>&lt;number&gt;</a:t>
-            </a:fld>
-            <a:endParaRPr b="0" lang="ru-RU" sz="1400" spc="-1" strike="noStrike">
-              <a:solidFill>
-                <a:srgbClr val="000000"/>
-              </a:solidFill>
-              <a:uFill>
-                <a:solidFill>
-                  <a:srgbClr val="ffffff"/>
-                </a:solidFill>
-              </a:uFill>
-              <a:latin typeface="Times New Roman"/>
             </a:endParaRPr>
           </a:p>
         </p:txBody>
@@ -2070,6 +3431,384 @@
     <p:sldLayoutId id="2147483658" r:id="rId11"/>
     <p:sldLayoutId id="2147483659" r:id="rId12"/>
     <p:sldLayoutId id="2147483660" r:id="rId13"/>
+  </p:sldLayoutIdLst>
+</p:sldMaster>
+</file>
+
+<file path=ppt/slideMasters/slideMaster2.xml><?xml version="1.0" encoding="utf-8"?>
+<p:sldMaster xmlns:a="http://schemas.openxmlformats.org/drawingml/2006/main" xmlns:p="http://schemas.openxmlformats.org/presentationml/2006/main" xmlns:r="http://schemas.openxmlformats.org/officeDocument/2006/relationships" xmlns:p14="http://schemas.microsoft.com/office/powerpoint/2010/main" xmlns:p15="http://schemas.microsoft.com/office/powerpoint/2012/main" xmlns:mc="http://schemas.openxmlformats.org/markup-compatibility/2006">
+  <p:cSld>
+    <p:spTree>
+      <p:nvGrpSpPr>
+        <p:cNvPr id="1" name=""/>
+        <p:cNvGrpSpPr/>
+        <p:nvPr/>
+      </p:nvGrpSpPr>
+      <p:grpSpPr>
+        <a:xfrm>
+          <a:off x="0" y="0"/>
+          <a:ext cx="0" cy="0"/>
+          <a:chOff x="0" y="0"/>
+          <a:chExt cx="0" cy="0"/>
+        </a:xfrm>
+      </p:grpSpPr>
+      <p:sp>
+        <p:nvSpPr>
+          <p:cNvPr id="36" name="PlaceHolder 1"/>
+          <p:cNvSpPr>
+            <a:spLocks noGrp="1"/>
+          </p:cNvSpPr>
+          <p:nvPr>
+            <p:ph type="title"/>
+          </p:nvPr>
+        </p:nvSpPr>
+        <p:spPr>
+          <a:xfrm>
+            <a:off x="504000" y="301320"/>
+            <a:ext cx="9071280" cy="1261800"/>
+          </a:xfrm>
+          <a:prstGeom prst="rect">
+            <a:avLst/>
+          </a:prstGeom>
+        </p:spPr>
+        <p:txBody>
+          <a:bodyPr lIns="0" rIns="0" tIns="0" bIns="0" anchor="ctr"/>
+          <a:p>
+            <a:r>
+              <a:rPr b="0" lang="ru-RU" sz="1800" spc="-1" strike="noStrike">
+                <a:solidFill>
+                  <a:srgbClr val="000000"/>
+                </a:solidFill>
+                <a:uFill>
+                  <a:solidFill>
+                    <a:srgbClr val="ffffff"/>
+                  </a:solidFill>
+                </a:uFill>
+                <a:latin typeface="Arial"/>
+              </a:rPr>
+              <a:t>Click to edit the title text format</a:t>
+            </a:r>
+            <a:endParaRPr b="0" lang="ru-RU" sz="1800" spc="-1" strike="noStrike">
+              <a:solidFill>
+                <a:srgbClr val="000000"/>
+              </a:solidFill>
+              <a:uFill>
+                <a:solidFill>
+                  <a:srgbClr val="ffffff"/>
+                </a:solidFill>
+              </a:uFill>
+              <a:latin typeface="Arial"/>
+            </a:endParaRPr>
+          </a:p>
+        </p:txBody>
+      </p:sp>
+      <p:sp>
+        <p:nvSpPr>
+          <p:cNvPr id="37" name="PlaceHolder 2"/>
+          <p:cNvSpPr>
+            <a:spLocks noGrp="1"/>
+          </p:cNvSpPr>
+          <p:nvPr>
+            <p:ph type="body"/>
+          </p:nvPr>
+        </p:nvSpPr>
+        <p:spPr>
+          <a:xfrm>
+            <a:off x="504000" y="1769040"/>
+            <a:ext cx="9071280" cy="4383720"/>
+          </a:xfrm>
+          <a:prstGeom prst="rect">
+            <a:avLst/>
+          </a:prstGeom>
+        </p:spPr>
+        <p:txBody>
+          <a:bodyPr lIns="0" rIns="0" tIns="0" bIns="0">
+            <a:normAutofit/>
+          </a:bodyPr>
+          <a:p>
+            <a:pPr marL="432000" indent="-324000">
+              <a:spcBef>
+                <a:spcPts val="1417"/>
+              </a:spcBef>
+              <a:buClr>
+                <a:srgbClr val="000000"/>
+              </a:buClr>
+              <a:buSzPct val="45000"/>
+              <a:buFont typeface="Wingdings" charset="2"/>
+              <a:buChar char=""/>
+            </a:pPr>
+            <a:r>
+              <a:rPr b="0" lang="ru-RU" sz="1800" spc="-1" strike="noStrike">
+                <a:solidFill>
+                  <a:srgbClr val="000000"/>
+                </a:solidFill>
+                <a:uFill>
+                  <a:solidFill>
+                    <a:srgbClr val="ffffff"/>
+                  </a:solidFill>
+                </a:uFill>
+                <a:latin typeface="Arial"/>
+              </a:rPr>
+              <a:t>Click to edit the outline text format</a:t>
+            </a:r>
+            <a:endParaRPr b="0" lang="ru-RU" sz="1800" spc="-1" strike="noStrike">
+              <a:solidFill>
+                <a:srgbClr val="000000"/>
+              </a:solidFill>
+              <a:uFill>
+                <a:solidFill>
+                  <a:srgbClr val="ffffff"/>
+                </a:solidFill>
+              </a:uFill>
+              <a:latin typeface="Arial"/>
+            </a:endParaRPr>
+          </a:p>
+          <a:p>
+            <a:pPr lvl="1" marL="864000" indent="-324000">
+              <a:spcBef>
+                <a:spcPts val="1134"/>
+              </a:spcBef>
+              <a:buClr>
+                <a:srgbClr val="000000"/>
+              </a:buClr>
+              <a:buSzPct val="75000"/>
+              <a:buFont typeface="Symbol" charset="2"/>
+              <a:buChar char=""/>
+            </a:pPr>
+            <a:r>
+              <a:rPr b="0" lang="ru-RU" sz="1800" spc="-1" strike="noStrike">
+                <a:solidFill>
+                  <a:srgbClr val="000000"/>
+                </a:solidFill>
+                <a:uFill>
+                  <a:solidFill>
+                    <a:srgbClr val="ffffff"/>
+                  </a:solidFill>
+                </a:uFill>
+                <a:latin typeface="Arial"/>
+              </a:rPr>
+              <a:t>Second Outline Level</a:t>
+            </a:r>
+            <a:endParaRPr b="0" lang="ru-RU" sz="1800" spc="-1" strike="noStrike">
+              <a:solidFill>
+                <a:srgbClr val="000000"/>
+              </a:solidFill>
+              <a:uFill>
+                <a:solidFill>
+                  <a:srgbClr val="ffffff"/>
+                </a:solidFill>
+              </a:uFill>
+              <a:latin typeface="Arial"/>
+            </a:endParaRPr>
+          </a:p>
+          <a:p>
+            <a:pPr lvl="2" marL="1296000" indent="-288000">
+              <a:spcBef>
+                <a:spcPts val="850"/>
+              </a:spcBef>
+              <a:buClr>
+                <a:srgbClr val="000000"/>
+              </a:buClr>
+              <a:buSzPct val="45000"/>
+              <a:buFont typeface="Wingdings" charset="2"/>
+              <a:buChar char=""/>
+            </a:pPr>
+            <a:r>
+              <a:rPr b="0" lang="ru-RU" sz="1800" spc="-1" strike="noStrike">
+                <a:solidFill>
+                  <a:srgbClr val="000000"/>
+                </a:solidFill>
+                <a:uFill>
+                  <a:solidFill>
+                    <a:srgbClr val="ffffff"/>
+                  </a:solidFill>
+                </a:uFill>
+                <a:latin typeface="Arial"/>
+              </a:rPr>
+              <a:t>Third Outline Level</a:t>
+            </a:r>
+            <a:endParaRPr b="0" lang="ru-RU" sz="1800" spc="-1" strike="noStrike">
+              <a:solidFill>
+                <a:srgbClr val="000000"/>
+              </a:solidFill>
+              <a:uFill>
+                <a:solidFill>
+                  <a:srgbClr val="ffffff"/>
+                </a:solidFill>
+              </a:uFill>
+              <a:latin typeface="Arial"/>
+            </a:endParaRPr>
+          </a:p>
+          <a:p>
+            <a:pPr lvl="3" marL="1728000" indent="-216000">
+              <a:spcBef>
+                <a:spcPts val="567"/>
+              </a:spcBef>
+              <a:buClr>
+                <a:srgbClr val="000000"/>
+              </a:buClr>
+              <a:buSzPct val="75000"/>
+              <a:buFont typeface="Symbol" charset="2"/>
+              <a:buChar char=""/>
+            </a:pPr>
+            <a:r>
+              <a:rPr b="0" lang="ru-RU" sz="1800" spc="-1" strike="noStrike">
+                <a:solidFill>
+                  <a:srgbClr val="000000"/>
+                </a:solidFill>
+                <a:uFill>
+                  <a:solidFill>
+                    <a:srgbClr val="ffffff"/>
+                  </a:solidFill>
+                </a:uFill>
+                <a:latin typeface="Arial"/>
+              </a:rPr>
+              <a:t>Fourth Outline Level</a:t>
+            </a:r>
+            <a:endParaRPr b="0" lang="ru-RU" sz="1800" spc="-1" strike="noStrike">
+              <a:solidFill>
+                <a:srgbClr val="000000"/>
+              </a:solidFill>
+              <a:uFill>
+                <a:solidFill>
+                  <a:srgbClr val="ffffff"/>
+                </a:solidFill>
+              </a:uFill>
+              <a:latin typeface="Arial"/>
+            </a:endParaRPr>
+          </a:p>
+          <a:p>
+            <a:pPr lvl="4" marL="2160000" indent="-216000">
+              <a:spcBef>
+                <a:spcPts val="283"/>
+              </a:spcBef>
+              <a:buClr>
+                <a:srgbClr val="000000"/>
+              </a:buClr>
+              <a:buSzPct val="45000"/>
+              <a:buFont typeface="Wingdings" charset="2"/>
+              <a:buChar char=""/>
+            </a:pPr>
+            <a:r>
+              <a:rPr b="0" lang="ru-RU" sz="1800" spc="-1" strike="noStrike">
+                <a:solidFill>
+                  <a:srgbClr val="000000"/>
+                </a:solidFill>
+                <a:uFill>
+                  <a:solidFill>
+                    <a:srgbClr val="ffffff"/>
+                  </a:solidFill>
+                </a:uFill>
+                <a:latin typeface="Arial"/>
+              </a:rPr>
+              <a:t>Fifth Outline Level</a:t>
+            </a:r>
+            <a:endParaRPr b="0" lang="ru-RU" sz="1800" spc="-1" strike="noStrike">
+              <a:solidFill>
+                <a:srgbClr val="000000"/>
+              </a:solidFill>
+              <a:uFill>
+                <a:solidFill>
+                  <a:srgbClr val="ffffff"/>
+                </a:solidFill>
+              </a:uFill>
+              <a:latin typeface="Arial"/>
+            </a:endParaRPr>
+          </a:p>
+          <a:p>
+            <a:pPr lvl="5" marL="2592000" indent="-216000">
+              <a:spcBef>
+                <a:spcPts val="283"/>
+              </a:spcBef>
+              <a:buClr>
+                <a:srgbClr val="000000"/>
+              </a:buClr>
+              <a:buSzPct val="45000"/>
+              <a:buFont typeface="Wingdings" charset="2"/>
+              <a:buChar char=""/>
+            </a:pPr>
+            <a:r>
+              <a:rPr b="0" lang="ru-RU" sz="1800" spc="-1" strike="noStrike">
+                <a:solidFill>
+                  <a:srgbClr val="000000"/>
+                </a:solidFill>
+                <a:uFill>
+                  <a:solidFill>
+                    <a:srgbClr val="ffffff"/>
+                  </a:solidFill>
+                </a:uFill>
+                <a:latin typeface="Arial"/>
+              </a:rPr>
+              <a:t>Sixth Outline Level</a:t>
+            </a:r>
+            <a:endParaRPr b="0" lang="ru-RU" sz="1800" spc="-1" strike="noStrike">
+              <a:solidFill>
+                <a:srgbClr val="000000"/>
+              </a:solidFill>
+              <a:uFill>
+                <a:solidFill>
+                  <a:srgbClr val="ffffff"/>
+                </a:solidFill>
+              </a:uFill>
+              <a:latin typeface="Arial"/>
+            </a:endParaRPr>
+          </a:p>
+          <a:p>
+            <a:pPr lvl="6" marL="3024000" indent="-216000">
+              <a:spcBef>
+                <a:spcPts val="283"/>
+              </a:spcBef>
+              <a:buClr>
+                <a:srgbClr val="000000"/>
+              </a:buClr>
+              <a:buSzPct val="45000"/>
+              <a:buFont typeface="Wingdings" charset="2"/>
+              <a:buChar char=""/>
+            </a:pPr>
+            <a:r>
+              <a:rPr b="0" lang="ru-RU" sz="1800" spc="-1" strike="noStrike">
+                <a:solidFill>
+                  <a:srgbClr val="000000"/>
+                </a:solidFill>
+                <a:uFill>
+                  <a:solidFill>
+                    <a:srgbClr val="ffffff"/>
+                  </a:solidFill>
+                </a:uFill>
+                <a:latin typeface="Arial"/>
+              </a:rPr>
+              <a:t>Seventh Outline Level</a:t>
+            </a:r>
+            <a:endParaRPr b="0" lang="ru-RU" sz="1800" spc="-1" strike="noStrike">
+              <a:solidFill>
+                <a:srgbClr val="000000"/>
+              </a:solidFill>
+              <a:uFill>
+                <a:solidFill>
+                  <a:srgbClr val="ffffff"/>
+                </a:solidFill>
+              </a:uFill>
+              <a:latin typeface="Arial"/>
+            </a:endParaRPr>
+          </a:p>
+        </p:txBody>
+      </p:sp>
+    </p:spTree>
+  </p:cSld>
+  <p:clrMap bg1="lt1" bg2="lt2" tx1="dk1" tx2="dk2" accent1="accent1" accent2="accent2" accent3="accent3" accent4="accent4" accent5="accent5" accent6="accent6" hlink="hlink" folHlink="folHlink"/>
+  <p:sldLayoutIdLst>
+    <p:sldLayoutId id="2147483662" r:id="rId2"/>
+    <p:sldLayoutId id="2147483663" r:id="rId3"/>
+    <p:sldLayoutId id="2147483664" r:id="rId4"/>
+    <p:sldLayoutId id="2147483665" r:id="rId5"/>
+    <p:sldLayoutId id="2147483666" r:id="rId6"/>
+    <p:sldLayoutId id="2147483667" r:id="rId7"/>
+    <p:sldLayoutId id="2147483668" r:id="rId8"/>
+    <p:sldLayoutId id="2147483669" r:id="rId9"/>
+    <p:sldLayoutId id="2147483670" r:id="rId10"/>
+    <p:sldLayoutId id="2147483671" r:id="rId11"/>
+    <p:sldLayoutId id="2147483672" r:id="rId12"/>
+    <p:sldLayoutId id="2147483673" r:id="rId13"/>
   </p:sldLayoutIdLst>
 </p:sldMaster>
 </file>
@@ -2093,14 +3832,14 @@
       </p:grpSpPr>
       <p:sp>
         <p:nvSpPr>
-          <p:cNvPr id="39" name="TextShape 1"/>
-          <p:cNvSpPr txBox="1"/>
+          <p:cNvPr id="72" name="CustomShape 1"/>
+          <p:cNvSpPr/>
           <p:nvPr/>
         </p:nvSpPr>
         <p:spPr>
           <a:xfrm>
             <a:off x="504000" y="301320"/>
-            <a:ext cx="9071640" cy="1262160"/>
+            <a:ext cx="9071280" cy="1261800"/>
           </a:xfrm>
           <a:prstGeom prst="rect">
             <a:avLst/>
@@ -2110,34 +3849,23 @@
             <a:noFill/>
           </a:ln>
         </p:spPr>
-        <p:txBody>
-          <a:bodyPr lIns="0" rIns="0" tIns="0" bIns="0" anchor="ctr"/>
-          <a:p>
-            <a:pPr algn="ctr"/>
-            <a:endParaRPr b="0" lang="ru-RU" sz="4400" spc="-1" strike="noStrike">
-              <a:solidFill>
-                <a:srgbClr val="000000"/>
-              </a:solidFill>
-              <a:uFill>
-                <a:solidFill>
-                  <a:srgbClr val="ffffff"/>
-                </a:solidFill>
-              </a:uFill>
-              <a:latin typeface="Arial"/>
-            </a:endParaRPr>
-          </a:p>
-        </p:txBody>
+        <p:style>
+          <a:lnRef idx="0"/>
+          <a:fillRef idx="0"/>
+          <a:effectRef idx="0"/>
+          <a:fontRef idx="minor"/>
+        </p:style>
       </p:sp>
       <p:sp>
         <p:nvSpPr>
-          <p:cNvPr id="40" name="TextShape 2"/>
-          <p:cNvSpPr txBox="1"/>
+          <p:cNvPr id="73" name="CustomShape 2"/>
+          <p:cNvSpPr/>
           <p:nvPr/>
         </p:nvSpPr>
         <p:spPr>
           <a:xfrm>
             <a:off x="504000" y="1769040"/>
-            <a:ext cx="9071640" cy="4384080"/>
+            <a:ext cx="9071280" cy="4383720"/>
           </a:xfrm>
           <a:prstGeom prst="rect">
             <a:avLst/>
@@ -2147,10 +3875,20 @@
             <a:noFill/>
           </a:ln>
         </p:spPr>
+        <p:style>
+          <a:lnRef idx="0"/>
+          <a:fillRef idx="0"/>
+          <a:effectRef idx="0"/>
+          <a:fontRef idx="minor"/>
+        </p:style>
         <p:txBody>
           <a:bodyPr lIns="0" rIns="0" tIns="0" bIns="0" anchor="ctr"/>
           <a:p>
-            <a:pPr algn="ctr"/>
+            <a:pPr algn="ctr">
+              <a:lnSpc>
+                <a:spcPct val="100000"/>
+              </a:lnSpc>
+            </a:pPr>
             <a:r>
               <a:rPr b="0" lang="ru-RU" sz="3200" spc="-1" strike="noStrike">
                 <a:solidFill>
@@ -2182,6 +3920,33 @@
       </p:sp>
     </p:spTree>
   </p:cSld>
+  <p:timing>
+    <p:tnLst>
+      <p:par>
+        <p:cTn id="1" dur="indefinite" restart="never" nodeType="tmRoot">
+          <p:childTnLst>
+            <p:seq>
+              <p:cTn id="2" nodeType="mainSeq"/>
+              <p:prevCondLst>
+                <p:cond delay="0" evt="onPrev">
+                  <p:tgtEl>
+                    <p:sldTgt/>
+                  </p:tgtEl>
+                </p:cond>
+              </p:prevCondLst>
+              <p:nextCondLst>
+                <p:cond delay="0" evt="onNext">
+                  <p:tgtEl>
+                    <p:sldTgt/>
+                  </p:tgtEl>
+                </p:cond>
+              </p:nextCondLst>
+            </p:seq>
+          </p:childTnLst>
+        </p:cTn>
+      </p:par>
+    </p:tnLst>
+  </p:timing>
 </p:sld>
 </file>
 
@@ -2204,14 +3969,14 @@
       </p:grpSpPr>
       <p:sp>
         <p:nvSpPr>
-          <p:cNvPr id="57" name="TextShape 1"/>
-          <p:cNvSpPr txBox="1"/>
+          <p:cNvPr id="90" name="CustomShape 1"/>
+          <p:cNvSpPr/>
           <p:nvPr/>
         </p:nvSpPr>
         <p:spPr>
           <a:xfrm>
             <a:off x="504000" y="301320"/>
-            <a:ext cx="9071640" cy="1262160"/>
+            <a:ext cx="9071280" cy="1261800"/>
           </a:xfrm>
           <a:prstGeom prst="rect">
             <a:avLst/>
@@ -2221,10 +3986,20 @@
             <a:noFill/>
           </a:ln>
         </p:spPr>
+        <p:style>
+          <a:lnRef idx="0"/>
+          <a:fillRef idx="0"/>
+          <a:effectRef idx="0"/>
+          <a:fontRef idx="minor"/>
+        </p:style>
         <p:txBody>
           <a:bodyPr lIns="0" rIns="0" tIns="0" bIns="0" anchor="ctr"/>
           <a:p>
-            <a:pPr algn="ctr"/>
+            <a:pPr algn="ctr">
+              <a:lnSpc>
+                <a:spcPct val="100000"/>
+              </a:lnSpc>
+            </a:pPr>
             <a:r>
               <a:rPr b="0" lang="ru-RU" sz="4400" spc="-1" strike="noStrike">
                 <a:solidFill>
@@ -2236,8 +4011,9 @@
                   </a:solidFill>
                 </a:uFill>
                 <a:latin typeface="Arial"/>
-              </a:rPr>
-              <a:t>Alter Table</a:t>
+                <a:ea typeface="DejaVu Sans"/>
+              </a:rPr>
+              <a:t>CREATE TABLE AS</a:t>
             </a:r>
             <a:endParaRPr b="0" lang="ru-RU" sz="4400" spc="-1" strike="noStrike">
               <a:solidFill>
@@ -2255,14 +4031,14 @@
       </p:sp>
       <p:sp>
         <p:nvSpPr>
-          <p:cNvPr id="58" name="TextShape 2"/>
-          <p:cNvSpPr txBox="1"/>
+          <p:cNvPr id="91" name="CustomShape 2"/>
+          <p:cNvSpPr/>
           <p:nvPr/>
         </p:nvSpPr>
         <p:spPr>
           <a:xfrm>
             <a:off x="504000" y="1769040"/>
-            <a:ext cx="9071640" cy="4384080"/>
+            <a:ext cx="9071280" cy="4383720"/>
           </a:xfrm>
           <a:prstGeom prst="rect">
             <a:avLst/>
@@ -2272,447 +4048,31 @@
             <a:noFill/>
           </a:ln>
         </p:spPr>
+        <p:style>
+          <a:lnRef idx="0"/>
+          <a:fillRef idx="0"/>
+          <a:effectRef idx="0"/>
+          <a:fontRef idx="minor"/>
+        </p:style>
         <p:txBody>
           <a:bodyPr lIns="0" rIns="0" tIns="0" bIns="0">
             <a:normAutofit/>
           </a:bodyPr>
           <a:p>
-            <a:pPr marL="432000" indent="-324000">
-              <a:spcBef>
-                <a:spcPts val="1417"/>
-              </a:spcBef>
-              <a:buClr>
-                <a:srgbClr val="000000"/>
-              </a:buClr>
-              <a:buSzPct val="45000"/>
-              <a:buFont typeface="Wingdings" charset="2"/>
-              <a:buChar char=""/>
-            </a:pPr>
-            <a:r>
-              <a:rPr b="0" lang="ru-RU" sz="3200" spc="-1" strike="noStrike">
-                <a:solidFill>
-                  <a:srgbClr val="000000"/>
-                </a:solidFill>
-                <a:uFill>
-                  <a:solidFill>
-                    <a:srgbClr val="ffffff"/>
-                  </a:solidFill>
-                </a:uFill>
-                <a:latin typeface="Arial"/>
-              </a:rPr>
-              <a:t>ALTER TABLE [ IF EXISTS ] [ ONLY ] name [ * ]</a:t>
-            </a:r>
-            <a:endParaRPr b="0" lang="ru-RU" sz="3200" spc="-1" strike="noStrike">
-              <a:solidFill>
-                <a:srgbClr val="000000"/>
-              </a:solidFill>
-              <a:uFill>
-                <a:solidFill>
-                  <a:srgbClr val="ffffff"/>
-                </a:solidFill>
-              </a:uFill>
-              <a:latin typeface="Arial"/>
-            </a:endParaRPr>
-          </a:p>
-          <a:p>
-            <a:pPr marL="432000" indent="-324000">
-              <a:spcBef>
-                <a:spcPts val="1417"/>
-              </a:spcBef>
-              <a:buClr>
-                <a:srgbClr val="000000"/>
-              </a:buClr>
-              <a:buSzPct val="45000"/>
-              <a:buFont typeface="Wingdings" charset="2"/>
-              <a:buChar char=""/>
-            </a:pPr>
-            <a:r>
-              <a:rPr b="0" lang="ru-RU" sz="3200" spc="-1" strike="noStrike">
-                <a:solidFill>
-                  <a:srgbClr val="000000"/>
-                </a:solidFill>
-                <a:uFill>
-                  <a:solidFill>
-                    <a:srgbClr val="ffffff"/>
-                  </a:solidFill>
-                </a:uFill>
-                <a:latin typeface="Arial"/>
-              </a:rPr>
-              <a:t>    </a:t>
-            </a:r>
-            <a:r>
-              <a:rPr b="0" lang="ru-RU" sz="3200" spc="-1" strike="noStrike">
-                <a:solidFill>
-                  <a:srgbClr val="000000"/>
-                </a:solidFill>
-                <a:uFill>
-                  <a:solidFill>
-                    <a:srgbClr val="ffffff"/>
-                  </a:solidFill>
-                </a:uFill>
-                <a:latin typeface="Arial"/>
-              </a:rPr>
-              <a:t>RENAME [ COLUMN ] column_name TO new_column_name</a:t>
-            </a:r>
-            <a:endParaRPr b="0" lang="ru-RU" sz="3200" spc="-1" strike="noStrike">
-              <a:solidFill>
-                <a:srgbClr val="000000"/>
-              </a:solidFill>
-              <a:uFill>
-                <a:solidFill>
-                  <a:srgbClr val="ffffff"/>
-                </a:solidFill>
-              </a:uFill>
-              <a:latin typeface="Arial"/>
-            </a:endParaRPr>
-          </a:p>
-          <a:p>
-            <a:pPr marL="432000" indent="-324000">
-              <a:spcBef>
-                <a:spcPts val="1417"/>
-              </a:spcBef>
-              <a:buClr>
-                <a:srgbClr val="000000"/>
-              </a:buClr>
-              <a:buSzPct val="45000"/>
-              <a:buFont typeface="Wingdings" charset="2"/>
-              <a:buChar char=""/>
-            </a:pPr>
-            <a:r>
-              <a:rPr b="0" lang="ru-RU" sz="3200" spc="-1" strike="noStrike">
-                <a:solidFill>
-                  <a:srgbClr val="000000"/>
-                </a:solidFill>
-                <a:uFill>
-                  <a:solidFill>
-                    <a:srgbClr val="ffffff"/>
-                  </a:solidFill>
-                </a:uFill>
-                <a:latin typeface="Arial"/>
-              </a:rPr>
-              <a:t>ALTER TABLE [ IF EXISTS ] [ ONLY ] name [ * ]</a:t>
-            </a:r>
-            <a:endParaRPr b="0" lang="ru-RU" sz="3200" spc="-1" strike="noStrike">
-              <a:solidFill>
-                <a:srgbClr val="000000"/>
-              </a:solidFill>
-              <a:uFill>
-                <a:solidFill>
-                  <a:srgbClr val="ffffff"/>
-                </a:solidFill>
-              </a:uFill>
-              <a:latin typeface="Arial"/>
-            </a:endParaRPr>
-          </a:p>
-          <a:p>
-            <a:pPr marL="432000" indent="-324000">
-              <a:spcBef>
-                <a:spcPts val="1417"/>
-              </a:spcBef>
-              <a:buClr>
-                <a:srgbClr val="000000"/>
-              </a:buClr>
-              <a:buSzPct val="45000"/>
-              <a:buFont typeface="Wingdings" charset="2"/>
-              <a:buChar char=""/>
-            </a:pPr>
-            <a:r>
-              <a:rPr b="0" lang="ru-RU" sz="3200" spc="-1" strike="noStrike">
-                <a:solidFill>
-                  <a:srgbClr val="000000"/>
-                </a:solidFill>
-                <a:uFill>
-                  <a:solidFill>
-                    <a:srgbClr val="ffffff"/>
-                  </a:solidFill>
-                </a:uFill>
-                <a:latin typeface="Arial"/>
-              </a:rPr>
-              <a:t>    </a:t>
-            </a:r>
-            <a:r>
-              <a:rPr b="0" lang="ru-RU" sz="3200" spc="-1" strike="noStrike">
-                <a:solidFill>
-                  <a:srgbClr val="000000"/>
-                </a:solidFill>
-                <a:uFill>
-                  <a:solidFill>
-                    <a:srgbClr val="ffffff"/>
-                  </a:solidFill>
-                </a:uFill>
-                <a:latin typeface="Arial"/>
-              </a:rPr>
-              <a:t>RENAME CONSTRAINT constraint_name TO new_constraint_name</a:t>
-            </a:r>
-            <a:endParaRPr b="0" lang="ru-RU" sz="3200" spc="-1" strike="noStrike">
-              <a:solidFill>
-                <a:srgbClr val="000000"/>
-              </a:solidFill>
-              <a:uFill>
-                <a:solidFill>
-                  <a:srgbClr val="ffffff"/>
-                </a:solidFill>
-              </a:uFill>
-              <a:latin typeface="Arial"/>
-            </a:endParaRPr>
-          </a:p>
-          <a:p>
-            <a:pPr marL="432000" indent="-324000">
-              <a:spcBef>
-                <a:spcPts val="1417"/>
-              </a:spcBef>
-              <a:buClr>
-                <a:srgbClr val="000000"/>
-              </a:buClr>
-              <a:buSzPct val="45000"/>
-              <a:buFont typeface="Wingdings" charset="2"/>
-              <a:buChar char=""/>
-            </a:pPr>
-            <a:r>
-              <a:rPr b="0" lang="ru-RU" sz="3200" spc="-1" strike="noStrike">
-                <a:solidFill>
-                  <a:srgbClr val="000000"/>
-                </a:solidFill>
-                <a:uFill>
-                  <a:solidFill>
-                    <a:srgbClr val="ffffff"/>
-                  </a:solidFill>
-                </a:uFill>
-                <a:latin typeface="Arial"/>
-              </a:rPr>
-              <a:t>ALTER TABLE [ IF EXISTS ] name</a:t>
-            </a:r>
-            <a:endParaRPr b="0" lang="ru-RU" sz="3200" spc="-1" strike="noStrike">
-              <a:solidFill>
-                <a:srgbClr val="000000"/>
-              </a:solidFill>
-              <a:uFill>
-                <a:solidFill>
-                  <a:srgbClr val="ffffff"/>
-                </a:solidFill>
-              </a:uFill>
-              <a:latin typeface="Arial"/>
-            </a:endParaRPr>
-          </a:p>
-          <a:p>
-            <a:pPr marL="432000" indent="-324000">
-              <a:spcBef>
-                <a:spcPts val="1417"/>
-              </a:spcBef>
-              <a:buClr>
-                <a:srgbClr val="000000"/>
-              </a:buClr>
-              <a:buSzPct val="45000"/>
-              <a:buFont typeface="Wingdings" charset="2"/>
-              <a:buChar char=""/>
-            </a:pPr>
-            <a:r>
-              <a:rPr b="0" lang="ru-RU" sz="3200" spc="-1" strike="noStrike">
-                <a:solidFill>
-                  <a:srgbClr val="000000"/>
-                </a:solidFill>
-                <a:uFill>
-                  <a:solidFill>
-                    <a:srgbClr val="ffffff"/>
-                  </a:solidFill>
-                </a:uFill>
-                <a:latin typeface="Arial"/>
-              </a:rPr>
-              <a:t>    </a:t>
-            </a:r>
-            <a:r>
-              <a:rPr b="0" lang="ru-RU" sz="3200" spc="-1" strike="noStrike">
-                <a:solidFill>
-                  <a:srgbClr val="000000"/>
-                </a:solidFill>
-                <a:uFill>
-                  <a:solidFill>
-                    <a:srgbClr val="ffffff"/>
-                  </a:solidFill>
-                </a:uFill>
-                <a:latin typeface="Arial"/>
-              </a:rPr>
-              <a:t>RENAME TO new_name</a:t>
-            </a:r>
-            <a:endParaRPr b="0" lang="ru-RU" sz="3200" spc="-1" strike="noStrike">
-              <a:solidFill>
-                <a:srgbClr val="000000"/>
-              </a:solidFill>
-              <a:uFill>
-                <a:solidFill>
-                  <a:srgbClr val="ffffff"/>
-                </a:solidFill>
-              </a:uFill>
-              <a:latin typeface="Arial"/>
-            </a:endParaRPr>
-          </a:p>
-          <a:p>
-            <a:pPr marL="432000" indent="-324000">
-              <a:spcBef>
-                <a:spcPts val="1417"/>
-              </a:spcBef>
-              <a:buClr>
-                <a:srgbClr val="000000"/>
-              </a:buClr>
-              <a:buSzPct val="45000"/>
-              <a:buFont typeface="Wingdings" charset="2"/>
-              <a:buChar char=""/>
-            </a:pPr>
-            <a:r>
-              <a:rPr b="0" lang="ru-RU" sz="3200" spc="-1" strike="noStrike">
-                <a:solidFill>
-                  <a:srgbClr val="000000"/>
-                </a:solidFill>
-                <a:uFill>
-                  <a:solidFill>
-                    <a:srgbClr val="ffffff"/>
-                  </a:solidFill>
-                </a:uFill>
-                <a:latin typeface="Arial"/>
-              </a:rPr>
-              <a:t>ALTER TABLE [ IF EXISTS ] name</a:t>
-            </a:r>
-            <a:endParaRPr b="0" lang="ru-RU" sz="3200" spc="-1" strike="noStrike">
-              <a:solidFill>
-                <a:srgbClr val="000000"/>
-              </a:solidFill>
-              <a:uFill>
-                <a:solidFill>
-                  <a:srgbClr val="ffffff"/>
-                </a:solidFill>
-              </a:uFill>
-              <a:latin typeface="Arial"/>
-            </a:endParaRPr>
-          </a:p>
-          <a:p>
-            <a:pPr marL="432000" indent="-324000">
-              <a:spcBef>
-                <a:spcPts val="1417"/>
-              </a:spcBef>
-              <a:buClr>
-                <a:srgbClr val="000000"/>
-              </a:buClr>
-              <a:buSzPct val="45000"/>
-              <a:buFont typeface="Wingdings" charset="2"/>
-              <a:buChar char=""/>
-            </a:pPr>
-            <a:r>
-              <a:rPr b="0" lang="ru-RU" sz="3200" spc="-1" strike="noStrike">
-                <a:solidFill>
-                  <a:srgbClr val="000000"/>
-                </a:solidFill>
-                <a:uFill>
-                  <a:solidFill>
-                    <a:srgbClr val="ffffff"/>
-                  </a:solidFill>
-                </a:uFill>
-                <a:latin typeface="Arial"/>
-              </a:rPr>
-              <a:t>    </a:t>
-            </a:r>
-            <a:r>
-              <a:rPr b="0" lang="ru-RU" sz="3200" spc="-1" strike="noStrike">
-                <a:solidFill>
-                  <a:srgbClr val="000000"/>
-                </a:solidFill>
-                <a:uFill>
-                  <a:solidFill>
-                    <a:srgbClr val="ffffff"/>
-                  </a:solidFill>
-                </a:uFill>
-                <a:latin typeface="Arial"/>
-              </a:rPr>
-              <a:t>SET SCHEMA new_schema</a:t>
-            </a:r>
-            <a:endParaRPr b="0" lang="ru-RU" sz="3200" spc="-1" strike="noStrike">
-              <a:solidFill>
-                <a:srgbClr val="000000"/>
-              </a:solidFill>
-              <a:uFill>
-                <a:solidFill>
-                  <a:srgbClr val="ffffff"/>
-                </a:solidFill>
-              </a:uFill>
-              <a:latin typeface="Arial"/>
-            </a:endParaRPr>
-          </a:p>
-          <a:p>
-            <a:pPr marL="432000" indent="-324000">
-              <a:spcBef>
-                <a:spcPts val="1417"/>
-              </a:spcBef>
-              <a:buClr>
-                <a:srgbClr val="000000"/>
-              </a:buClr>
-              <a:buSzPct val="45000"/>
-              <a:buFont typeface="Wingdings" charset="2"/>
-              <a:buChar char=""/>
-            </a:pPr>
-            <a:r>
-              <a:rPr b="0" lang="ru-RU" sz="3200" spc="-1" strike="noStrike">
-                <a:solidFill>
-                  <a:srgbClr val="000000"/>
-                </a:solidFill>
-                <a:uFill>
-                  <a:solidFill>
-                    <a:srgbClr val="ffffff"/>
-                  </a:solidFill>
-                </a:uFill>
-                <a:latin typeface="Arial"/>
-              </a:rPr>
-              <a:t>ALTER TABLE ALL IN TABLESPACE name [ OWNED BY role_name [, ... ] ]</a:t>
-            </a:r>
-            <a:endParaRPr b="0" lang="ru-RU" sz="3200" spc="-1" strike="noStrike">
-              <a:solidFill>
-                <a:srgbClr val="000000"/>
-              </a:solidFill>
-              <a:uFill>
-                <a:solidFill>
-                  <a:srgbClr val="ffffff"/>
-                </a:solidFill>
-              </a:uFill>
-              <a:latin typeface="Arial"/>
-            </a:endParaRPr>
-          </a:p>
-          <a:p>
-            <a:pPr marL="432000" indent="-324000">
-              <a:spcBef>
-                <a:spcPts val="1417"/>
-              </a:spcBef>
-              <a:buClr>
-                <a:srgbClr val="000000"/>
-              </a:buClr>
-              <a:buSzPct val="45000"/>
-              <a:buFont typeface="Wingdings" charset="2"/>
-              <a:buChar char=""/>
-            </a:pPr>
-            <a:r>
-              <a:rPr b="0" lang="ru-RU" sz="3200" spc="-1" strike="noStrike">
-                <a:solidFill>
-                  <a:srgbClr val="000000"/>
-                </a:solidFill>
-                <a:uFill>
-                  <a:solidFill>
-                    <a:srgbClr val="ffffff"/>
-                  </a:solidFill>
-                </a:uFill>
-                <a:latin typeface="Arial"/>
-              </a:rPr>
-              <a:t>    </a:t>
-            </a:r>
-            <a:r>
-              <a:rPr b="0" lang="ru-RU" sz="3200" spc="-1" strike="noStrike">
-                <a:solidFill>
-                  <a:srgbClr val="000000"/>
-                </a:solidFill>
-                <a:uFill>
-                  <a:solidFill>
-                    <a:srgbClr val="ffffff"/>
-                  </a:solidFill>
-                </a:uFill>
-                <a:latin typeface="Arial"/>
-              </a:rPr>
-              <a:t>SET TABLESPACE new_tablespace [ NOWAIT ]</a:t>
+            <a:r>
+              <a:rPr b="0" lang="ru-RU" sz="3200" spc="-1" strike="noStrike">
+                <a:solidFill>
+                  <a:srgbClr val="000000"/>
+                </a:solidFill>
+                <a:uFill>
+                  <a:solidFill>
+                    <a:srgbClr val="ffffff"/>
+                  </a:solidFill>
+                </a:uFill>
+                <a:latin typeface="Arial"/>
+                <a:ea typeface="DejaVu Sans"/>
+              </a:rPr>
+              <a:t>CREATE TABLE AS (SELECT … )</a:t>
             </a:r>
             <a:endParaRPr b="0" lang="ru-RU" sz="3200" spc="-1" strike="noStrike">
               <a:solidFill>
@@ -2752,14 +4112,14 @@
       </p:grpSpPr>
       <p:sp>
         <p:nvSpPr>
-          <p:cNvPr id="59" name="TextShape 1"/>
-          <p:cNvSpPr txBox="1"/>
+          <p:cNvPr id="92" name="CustomShape 1"/>
+          <p:cNvSpPr/>
           <p:nvPr/>
         </p:nvSpPr>
         <p:spPr>
           <a:xfrm>
             <a:off x="504000" y="301320"/>
-            <a:ext cx="9071640" cy="1262160"/>
+            <a:ext cx="9071280" cy="1261800"/>
           </a:xfrm>
           <a:prstGeom prst="rect">
             <a:avLst/>
@@ -2769,10 +4129,20 @@
             <a:noFill/>
           </a:ln>
         </p:spPr>
+        <p:style>
+          <a:lnRef idx="0"/>
+          <a:fillRef idx="0"/>
+          <a:effectRef idx="0"/>
+          <a:fontRef idx="minor"/>
+        </p:style>
         <p:txBody>
           <a:bodyPr lIns="0" rIns="0" tIns="0" bIns="0" anchor="ctr"/>
           <a:p>
-            <a:pPr algn="ctr"/>
+            <a:pPr algn="ctr">
+              <a:lnSpc>
+                <a:spcPct val="100000"/>
+              </a:lnSpc>
+            </a:pPr>
             <a:r>
               <a:rPr b="0" lang="ru-RU" sz="4400" spc="-1" strike="noStrike">
                 <a:solidFill>
@@ -2784,9 +4154,8 @@
                   </a:solidFill>
                 </a:uFill>
                 <a:latin typeface="Arial"/>
-                <a:ea typeface="DejaVu Sans"/>
-              </a:rPr>
-              <a:t>CREATE TABLE AS</a:t>
+              </a:rPr>
+              <a:t>System names</a:t>
             </a:r>
             <a:endParaRPr b="0" lang="ru-RU" sz="4400" spc="-1" strike="noStrike">
               <a:solidFill>
@@ -2804,14 +4173,14 @@
       </p:sp>
       <p:sp>
         <p:nvSpPr>
-          <p:cNvPr id="60" name="TextShape 2"/>
-          <p:cNvSpPr txBox="1"/>
+          <p:cNvPr id="93" name="CustomShape 2"/>
+          <p:cNvSpPr/>
           <p:nvPr/>
         </p:nvSpPr>
         <p:spPr>
           <a:xfrm>
             <a:off x="504000" y="1769040"/>
-            <a:ext cx="9071640" cy="4384080"/>
+            <a:ext cx="9071280" cy="4383720"/>
           </a:xfrm>
           <a:prstGeom prst="rect">
             <a:avLst/>
@@ -2821,26 +4190,312 @@
             <a:noFill/>
           </a:ln>
         </p:spPr>
+        <p:style>
+          <a:lnRef idx="0"/>
+          <a:fillRef idx="0"/>
+          <a:effectRef idx="0"/>
+          <a:fontRef idx="minor"/>
+        </p:style>
         <p:txBody>
           <a:bodyPr lIns="0" rIns="0" tIns="0" bIns="0">
             <a:normAutofit/>
           </a:bodyPr>
           <a:p>
-            <a:r>
-              <a:rPr b="0" lang="ru-RU" sz="3200" spc="-1" strike="noStrike">
-                <a:solidFill>
-                  <a:srgbClr val="000000"/>
-                </a:solidFill>
-                <a:uFill>
-                  <a:solidFill>
-                    <a:srgbClr val="ffffff"/>
-                  </a:solidFill>
-                </a:uFill>
-                <a:latin typeface="Arial"/>
-                <a:ea typeface="DejaVu Sans"/>
-              </a:rPr>
-              <a:t>CREATE TABLE AS (SELECT … )</a:t>
-            </a:r>
+            <a:pPr marL="432000" indent="-323640">
+              <a:lnSpc>
+                <a:spcPct val="100000"/>
+              </a:lnSpc>
+              <a:spcBef>
+                <a:spcPts val="1417"/>
+              </a:spcBef>
+              <a:buClr>
+                <a:srgbClr val="000000"/>
+              </a:buClr>
+              <a:buSzPct val="45000"/>
+              <a:buFont typeface="Wingdings" charset="2"/>
+              <a:buChar char=""/>
+            </a:pPr>
+            <a:r>
+              <a:rPr b="0" lang="ru-RU" sz="3200" spc="-1" strike="noStrike">
+                <a:solidFill>
+                  <a:srgbClr val="000000"/>
+                </a:solidFill>
+                <a:uFill>
+                  <a:solidFill>
+                    <a:srgbClr val="ffffff"/>
+                  </a:solidFill>
+                </a:uFill>
+                <a:latin typeface="Arial"/>
+              </a:rPr>
+              <a:t>oid</a:t>
+            </a:r>
+            <a:endParaRPr b="0" lang="ru-RU" sz="3200" spc="-1" strike="noStrike">
+              <a:solidFill>
+                <a:srgbClr val="000000"/>
+              </a:solidFill>
+              <a:uFill>
+                <a:solidFill>
+                  <a:srgbClr val="ffffff"/>
+                </a:solidFill>
+              </a:uFill>
+              <a:latin typeface="Arial"/>
+            </a:endParaRPr>
+          </a:p>
+          <a:p>
+            <a:pPr marL="432000" indent="-323640">
+              <a:lnSpc>
+                <a:spcPct val="100000"/>
+              </a:lnSpc>
+              <a:spcBef>
+                <a:spcPts val="1417"/>
+              </a:spcBef>
+              <a:buClr>
+                <a:srgbClr val="000000"/>
+              </a:buClr>
+              <a:buSzPct val="45000"/>
+              <a:buFont typeface="Wingdings" charset="2"/>
+              <a:buChar char=""/>
+            </a:pPr>
+            <a:r>
+              <a:rPr b="0" lang="ru-RU" sz="3200" spc="-1" strike="noStrike">
+                <a:solidFill>
+                  <a:srgbClr val="000000"/>
+                </a:solidFill>
+                <a:uFill>
+                  <a:solidFill>
+                    <a:srgbClr val="ffffff"/>
+                  </a:solidFill>
+                </a:uFill>
+                <a:latin typeface="Arial"/>
+              </a:rPr>
+              <a:t>tableoid</a:t>
+            </a:r>
+            <a:endParaRPr b="0" lang="ru-RU" sz="3200" spc="-1" strike="noStrike">
+              <a:solidFill>
+                <a:srgbClr val="000000"/>
+              </a:solidFill>
+              <a:uFill>
+                <a:solidFill>
+                  <a:srgbClr val="ffffff"/>
+                </a:solidFill>
+              </a:uFill>
+              <a:latin typeface="Arial"/>
+            </a:endParaRPr>
+          </a:p>
+          <a:p>
+            <a:pPr marL="432000" indent="-323640">
+              <a:lnSpc>
+                <a:spcPct val="100000"/>
+              </a:lnSpc>
+              <a:spcBef>
+                <a:spcPts val="1417"/>
+              </a:spcBef>
+              <a:buClr>
+                <a:srgbClr val="000000"/>
+              </a:buClr>
+              <a:buSzPct val="45000"/>
+              <a:buFont typeface="Wingdings" charset="2"/>
+              <a:buChar char=""/>
+            </a:pPr>
+            <a:r>
+              <a:rPr b="0" lang="ru-RU" sz="3200" spc="-1" strike="noStrike">
+                <a:solidFill>
+                  <a:srgbClr val="000000"/>
+                </a:solidFill>
+                <a:uFill>
+                  <a:solidFill>
+                    <a:srgbClr val="ffffff"/>
+                  </a:solidFill>
+                </a:uFill>
+                <a:latin typeface="Arial"/>
+              </a:rPr>
+              <a:t>xmin</a:t>
+            </a:r>
+            <a:endParaRPr b="0" lang="ru-RU" sz="3200" spc="-1" strike="noStrike">
+              <a:solidFill>
+                <a:srgbClr val="000000"/>
+              </a:solidFill>
+              <a:uFill>
+                <a:solidFill>
+                  <a:srgbClr val="ffffff"/>
+                </a:solidFill>
+              </a:uFill>
+              <a:latin typeface="Arial"/>
+            </a:endParaRPr>
+          </a:p>
+          <a:p>
+            <a:pPr marL="432000" indent="-323640">
+              <a:lnSpc>
+                <a:spcPct val="100000"/>
+              </a:lnSpc>
+              <a:spcBef>
+                <a:spcPts val="1417"/>
+              </a:spcBef>
+              <a:buClr>
+                <a:srgbClr val="000000"/>
+              </a:buClr>
+              <a:buSzPct val="45000"/>
+              <a:buFont typeface="Wingdings" charset="2"/>
+              <a:buChar char=""/>
+            </a:pPr>
+            <a:r>
+              <a:rPr b="0" lang="ru-RU" sz="3200" spc="-1" strike="noStrike">
+                <a:solidFill>
+                  <a:srgbClr val="000000"/>
+                </a:solidFill>
+                <a:uFill>
+                  <a:solidFill>
+                    <a:srgbClr val="ffffff"/>
+                  </a:solidFill>
+                </a:uFill>
+                <a:latin typeface="Arial"/>
+              </a:rPr>
+              <a:t>cmin</a:t>
+            </a:r>
+            <a:endParaRPr b="0" lang="ru-RU" sz="3200" spc="-1" strike="noStrike">
+              <a:solidFill>
+                <a:srgbClr val="000000"/>
+              </a:solidFill>
+              <a:uFill>
+                <a:solidFill>
+                  <a:srgbClr val="ffffff"/>
+                </a:solidFill>
+              </a:uFill>
+              <a:latin typeface="Arial"/>
+            </a:endParaRPr>
+          </a:p>
+          <a:p>
+            <a:pPr marL="432000" indent="-323640">
+              <a:lnSpc>
+                <a:spcPct val="100000"/>
+              </a:lnSpc>
+              <a:spcBef>
+                <a:spcPts val="1417"/>
+              </a:spcBef>
+              <a:buClr>
+                <a:srgbClr val="000000"/>
+              </a:buClr>
+              <a:buSzPct val="45000"/>
+              <a:buFont typeface="Wingdings" charset="2"/>
+              <a:buChar char=""/>
+            </a:pPr>
+            <a:r>
+              <a:rPr b="0" lang="ru-RU" sz="3200" spc="-1" strike="noStrike">
+                <a:solidFill>
+                  <a:srgbClr val="000000"/>
+                </a:solidFill>
+                <a:uFill>
+                  <a:solidFill>
+                    <a:srgbClr val="ffffff"/>
+                  </a:solidFill>
+                </a:uFill>
+                <a:latin typeface="Arial"/>
+              </a:rPr>
+              <a:t>xmax</a:t>
+            </a:r>
+            <a:endParaRPr b="0" lang="ru-RU" sz="3200" spc="-1" strike="noStrike">
+              <a:solidFill>
+                <a:srgbClr val="000000"/>
+              </a:solidFill>
+              <a:uFill>
+                <a:solidFill>
+                  <a:srgbClr val="ffffff"/>
+                </a:solidFill>
+              </a:uFill>
+              <a:latin typeface="Arial"/>
+            </a:endParaRPr>
+          </a:p>
+          <a:p>
+            <a:pPr marL="432000" indent="-323640">
+              <a:lnSpc>
+                <a:spcPct val="100000"/>
+              </a:lnSpc>
+              <a:spcBef>
+                <a:spcPts val="1417"/>
+              </a:spcBef>
+              <a:buClr>
+                <a:srgbClr val="000000"/>
+              </a:buClr>
+              <a:buSzPct val="45000"/>
+              <a:buFont typeface="Wingdings" charset="2"/>
+              <a:buChar char=""/>
+            </a:pPr>
+            <a:r>
+              <a:rPr b="0" lang="ru-RU" sz="3200" spc="-1" strike="noStrike">
+                <a:solidFill>
+                  <a:srgbClr val="000000"/>
+                </a:solidFill>
+                <a:uFill>
+                  <a:solidFill>
+                    <a:srgbClr val="ffffff"/>
+                  </a:solidFill>
+                </a:uFill>
+                <a:latin typeface="Arial"/>
+              </a:rPr>
+              <a:t>cmax</a:t>
+            </a:r>
+            <a:endParaRPr b="0" lang="ru-RU" sz="3200" spc="-1" strike="noStrike">
+              <a:solidFill>
+                <a:srgbClr val="000000"/>
+              </a:solidFill>
+              <a:uFill>
+                <a:solidFill>
+                  <a:srgbClr val="ffffff"/>
+                </a:solidFill>
+              </a:uFill>
+              <a:latin typeface="Arial"/>
+            </a:endParaRPr>
+          </a:p>
+          <a:p>
+            <a:pPr marL="432000" indent="-323640">
+              <a:lnSpc>
+                <a:spcPct val="100000"/>
+              </a:lnSpc>
+              <a:spcBef>
+                <a:spcPts val="1417"/>
+              </a:spcBef>
+              <a:buClr>
+                <a:srgbClr val="000000"/>
+              </a:buClr>
+              <a:buSzPct val="45000"/>
+              <a:buFont typeface="Wingdings" charset="2"/>
+              <a:buChar char=""/>
+            </a:pPr>
+            <a:r>
+              <a:rPr b="0" lang="ru-RU" sz="3200" spc="-1" strike="noStrike">
+                <a:solidFill>
+                  <a:srgbClr val="000000"/>
+                </a:solidFill>
+                <a:uFill>
+                  <a:solidFill>
+                    <a:srgbClr val="ffffff"/>
+                  </a:solidFill>
+                </a:uFill>
+                <a:latin typeface="Arial"/>
+              </a:rPr>
+              <a:t>ctid</a:t>
+            </a:r>
+            <a:endParaRPr b="0" lang="ru-RU" sz="3200" spc="-1" strike="noStrike">
+              <a:solidFill>
+                <a:srgbClr val="000000"/>
+              </a:solidFill>
+              <a:uFill>
+                <a:solidFill>
+                  <a:srgbClr val="ffffff"/>
+                </a:solidFill>
+              </a:uFill>
+              <a:latin typeface="Arial"/>
+            </a:endParaRPr>
+          </a:p>
+          <a:p>
+            <a:pPr>
+              <a:lnSpc>
+                <a:spcPct val="100000"/>
+              </a:lnSpc>
+              <a:spcBef>
+                <a:spcPts val="1417"/>
+              </a:spcBef>
+            </a:pPr>
             <a:endParaRPr b="0" lang="ru-RU" sz="3200" spc="-1" strike="noStrike">
               <a:solidFill>
                 <a:srgbClr val="000000"/>
@@ -2879,14 +4534,14 @@
       </p:grpSpPr>
       <p:sp>
         <p:nvSpPr>
-          <p:cNvPr id="61" name="TextShape 1"/>
-          <p:cNvSpPr txBox="1"/>
+          <p:cNvPr id="94" name="CustomShape 1"/>
+          <p:cNvSpPr/>
           <p:nvPr/>
         </p:nvSpPr>
         <p:spPr>
           <a:xfrm>
             <a:off x="504000" y="301320"/>
-            <a:ext cx="9071640" cy="1262160"/>
+            <a:ext cx="9071280" cy="1261800"/>
           </a:xfrm>
           <a:prstGeom prst="rect">
             <a:avLst/>
@@ -2896,10 +4551,20 @@
             <a:noFill/>
           </a:ln>
         </p:spPr>
+        <p:style>
+          <a:lnRef idx="0"/>
+          <a:fillRef idx="0"/>
+          <a:effectRef idx="0"/>
+          <a:fontRef idx="minor"/>
+        </p:style>
         <p:txBody>
           <a:bodyPr lIns="0" rIns="0" tIns="0" bIns="0" anchor="ctr"/>
           <a:p>
-            <a:pPr algn="ctr"/>
+            <a:pPr algn="ctr">
+              <a:lnSpc>
+                <a:spcPct val="100000"/>
+              </a:lnSpc>
+            </a:pPr>
             <a:r>
               <a:rPr b="0" lang="ru-RU" sz="4400" spc="-1" strike="noStrike">
                 <a:solidFill>
@@ -2912,7 +4577,7 @@
                 </a:uFill>
                 <a:latin typeface="Arial"/>
               </a:rPr>
-              <a:t>System names</a:t>
+              <a:t>Create Index</a:t>
             </a:r>
             <a:endParaRPr b="0" lang="ru-RU" sz="4400" spc="-1" strike="noStrike">
               <a:solidFill>
@@ -2930,14 +4595,14 @@
       </p:sp>
       <p:sp>
         <p:nvSpPr>
-          <p:cNvPr id="62" name="TextShape 2"/>
-          <p:cNvSpPr txBox="1"/>
+          <p:cNvPr id="95" name="CustomShape 2"/>
+          <p:cNvSpPr/>
           <p:nvPr/>
         </p:nvSpPr>
         <p:spPr>
           <a:xfrm>
             <a:off x="504000" y="1769040"/>
-            <a:ext cx="9071640" cy="4384080"/>
+            <a:ext cx="9071280" cy="4383720"/>
           </a:xfrm>
           <a:prstGeom prst="rect">
             <a:avLst/>
@@ -2947,12 +4612,21 @@
             <a:noFill/>
           </a:ln>
         </p:spPr>
+        <p:style>
+          <a:lnRef idx="0"/>
+          <a:fillRef idx="0"/>
+          <a:effectRef idx="0"/>
+          <a:fontRef idx="minor"/>
+        </p:style>
         <p:txBody>
           <a:bodyPr lIns="0" rIns="0" tIns="0" bIns="0">
             <a:normAutofit/>
           </a:bodyPr>
           <a:p>
-            <a:pPr marL="432000" indent="-324000">
+            <a:pPr marL="432000" indent="-323640">
+              <a:lnSpc>
+                <a:spcPct val="100000"/>
+              </a:lnSpc>
               <a:spcBef>
                 <a:spcPts val="1417"/>
               </a:spcBef>
@@ -2975,22 +4649,25 @@
                 </a:uFill>
                 <a:latin typeface="Arial"/>
               </a:rPr>
-              <a:t>oid</a:t>
-            </a:r>
-            <a:endParaRPr b="0" lang="ru-RU" sz="3200" spc="-1" strike="noStrike">
-              <a:solidFill>
-                <a:srgbClr val="000000"/>
-              </a:solidFill>
-              <a:uFill>
-                <a:solidFill>
-                  <a:srgbClr val="ffffff"/>
-                </a:solidFill>
-              </a:uFill>
-              <a:latin typeface="Arial"/>
-            </a:endParaRPr>
-          </a:p>
-          <a:p>
-            <a:pPr marL="432000" indent="-324000">
+              <a:t>CREATE [ UNIQUE ] INDEX [ CONCURRENTLY ] [ [ IF NOT EXISTS ] name ] ON table_name [ USING method ]</a:t>
+            </a:r>
+            <a:endParaRPr b="0" lang="ru-RU" sz="3200" spc="-1" strike="noStrike">
+              <a:solidFill>
+                <a:srgbClr val="000000"/>
+              </a:solidFill>
+              <a:uFill>
+                <a:solidFill>
+                  <a:srgbClr val="ffffff"/>
+                </a:solidFill>
+              </a:uFill>
+              <a:latin typeface="Arial"/>
+            </a:endParaRPr>
+          </a:p>
+          <a:p>
+            <a:pPr marL="432000" indent="-323640">
+              <a:lnSpc>
+                <a:spcPct val="100000"/>
+              </a:lnSpc>
               <a:spcBef>
                 <a:spcPts val="1417"/>
               </a:spcBef>
@@ -3013,22 +4690,39 @@
                 </a:uFill>
                 <a:latin typeface="Arial"/>
               </a:rPr>
-              <a:t>tableoid</a:t>
-            </a:r>
-            <a:endParaRPr b="0" lang="ru-RU" sz="3200" spc="-1" strike="noStrike">
-              <a:solidFill>
-                <a:srgbClr val="000000"/>
-              </a:solidFill>
-              <a:uFill>
-                <a:solidFill>
-                  <a:srgbClr val="ffffff"/>
-                </a:solidFill>
-              </a:uFill>
-              <a:latin typeface="Arial"/>
-            </a:endParaRPr>
-          </a:p>
-          <a:p>
-            <a:pPr marL="432000" indent="-324000">
+              <a:t>    </a:t>
+            </a:r>
+            <a:r>
+              <a:rPr b="0" lang="ru-RU" sz="3200" spc="-1" strike="noStrike">
+                <a:solidFill>
+                  <a:srgbClr val="000000"/>
+                </a:solidFill>
+                <a:uFill>
+                  <a:solidFill>
+                    <a:srgbClr val="ffffff"/>
+                  </a:solidFill>
+                </a:uFill>
+                <a:latin typeface="Arial"/>
+              </a:rPr>
+              <a:t>( { column_name | ( expression ) } [ COLLATE collation ] [ opclass ] [ ASC | DESC ] [ NULLS { FIRST | LAST } ] [, ...] )</a:t>
+            </a:r>
+            <a:endParaRPr b="0" lang="ru-RU" sz="3200" spc="-1" strike="noStrike">
+              <a:solidFill>
+                <a:srgbClr val="000000"/>
+              </a:solidFill>
+              <a:uFill>
+                <a:solidFill>
+                  <a:srgbClr val="ffffff"/>
+                </a:solidFill>
+              </a:uFill>
+              <a:latin typeface="Arial"/>
+            </a:endParaRPr>
+          </a:p>
+          <a:p>
+            <a:pPr marL="432000" indent="-323640">
+              <a:lnSpc>
+                <a:spcPct val="100000"/>
+              </a:lnSpc>
               <a:spcBef>
                 <a:spcPts val="1417"/>
               </a:spcBef>
@@ -3051,22 +4745,39 @@
                 </a:uFill>
                 <a:latin typeface="Arial"/>
               </a:rPr>
-              <a:t>xmin</a:t>
-            </a:r>
-            <a:endParaRPr b="0" lang="ru-RU" sz="3200" spc="-1" strike="noStrike">
-              <a:solidFill>
-                <a:srgbClr val="000000"/>
-              </a:solidFill>
-              <a:uFill>
-                <a:solidFill>
-                  <a:srgbClr val="ffffff"/>
-                </a:solidFill>
-              </a:uFill>
-              <a:latin typeface="Arial"/>
-            </a:endParaRPr>
-          </a:p>
-          <a:p>
-            <a:pPr marL="432000" indent="-324000">
+              <a:t>    </a:t>
+            </a:r>
+            <a:r>
+              <a:rPr b="0" lang="ru-RU" sz="3200" spc="-1" strike="noStrike">
+                <a:solidFill>
+                  <a:srgbClr val="000000"/>
+                </a:solidFill>
+                <a:uFill>
+                  <a:solidFill>
+                    <a:srgbClr val="ffffff"/>
+                  </a:solidFill>
+                </a:uFill>
+                <a:latin typeface="Arial"/>
+              </a:rPr>
+              <a:t>[ WITH ( storage_parameter = value [, ... ] ) ]</a:t>
+            </a:r>
+            <a:endParaRPr b="0" lang="ru-RU" sz="3200" spc="-1" strike="noStrike">
+              <a:solidFill>
+                <a:srgbClr val="000000"/>
+              </a:solidFill>
+              <a:uFill>
+                <a:solidFill>
+                  <a:srgbClr val="ffffff"/>
+                </a:solidFill>
+              </a:uFill>
+              <a:latin typeface="Arial"/>
+            </a:endParaRPr>
+          </a:p>
+          <a:p>
+            <a:pPr marL="432000" indent="-323640">
+              <a:lnSpc>
+                <a:spcPct val="100000"/>
+              </a:lnSpc>
               <a:spcBef>
                 <a:spcPts val="1417"/>
               </a:spcBef>
@@ -3089,22 +4800,39 @@
                 </a:uFill>
                 <a:latin typeface="Arial"/>
               </a:rPr>
-              <a:t>cmin</a:t>
-            </a:r>
-            <a:endParaRPr b="0" lang="ru-RU" sz="3200" spc="-1" strike="noStrike">
-              <a:solidFill>
-                <a:srgbClr val="000000"/>
-              </a:solidFill>
-              <a:uFill>
-                <a:solidFill>
-                  <a:srgbClr val="ffffff"/>
-                </a:solidFill>
-              </a:uFill>
-              <a:latin typeface="Arial"/>
-            </a:endParaRPr>
-          </a:p>
-          <a:p>
-            <a:pPr marL="432000" indent="-324000">
+              <a:t>    </a:t>
+            </a:r>
+            <a:r>
+              <a:rPr b="0" lang="ru-RU" sz="3200" spc="-1" strike="noStrike">
+                <a:solidFill>
+                  <a:srgbClr val="000000"/>
+                </a:solidFill>
+                <a:uFill>
+                  <a:solidFill>
+                    <a:srgbClr val="ffffff"/>
+                  </a:solidFill>
+                </a:uFill>
+                <a:latin typeface="Arial"/>
+              </a:rPr>
+              <a:t>[ TABLESPACE tablespace_name ]</a:t>
+            </a:r>
+            <a:endParaRPr b="0" lang="ru-RU" sz="3200" spc="-1" strike="noStrike">
+              <a:solidFill>
+                <a:srgbClr val="000000"/>
+              </a:solidFill>
+              <a:uFill>
+                <a:solidFill>
+                  <a:srgbClr val="ffffff"/>
+                </a:solidFill>
+              </a:uFill>
+              <a:latin typeface="Arial"/>
+            </a:endParaRPr>
+          </a:p>
+          <a:p>
+            <a:pPr marL="432000" indent="-323640">
+              <a:lnSpc>
+                <a:spcPct val="100000"/>
+              </a:lnSpc>
               <a:spcBef>
                 <a:spcPts val="1417"/>
               </a:spcBef>
@@ -3127,107 +4855,42 @@
                 </a:uFill>
                 <a:latin typeface="Arial"/>
               </a:rPr>
-              <a:t>xmax</a:t>
-            </a:r>
-            <a:endParaRPr b="0" lang="ru-RU" sz="3200" spc="-1" strike="noStrike">
-              <a:solidFill>
-                <a:srgbClr val="000000"/>
-              </a:solidFill>
-              <a:uFill>
-                <a:solidFill>
-                  <a:srgbClr val="ffffff"/>
-                </a:solidFill>
-              </a:uFill>
-              <a:latin typeface="Arial"/>
-            </a:endParaRPr>
-          </a:p>
-          <a:p>
-            <a:pPr marL="432000" indent="-324000">
+              <a:t>    </a:t>
+            </a:r>
+            <a:r>
+              <a:rPr b="0" lang="ru-RU" sz="3200" spc="-1" strike="noStrike">
+                <a:solidFill>
+                  <a:srgbClr val="000000"/>
+                </a:solidFill>
+                <a:uFill>
+                  <a:solidFill>
+                    <a:srgbClr val="ffffff"/>
+                  </a:solidFill>
+                </a:uFill>
+                <a:latin typeface="Arial"/>
+              </a:rPr>
+              <a:t>[ WHERE predicate ]</a:t>
+            </a:r>
+            <a:endParaRPr b="0" lang="ru-RU" sz="3200" spc="-1" strike="noStrike">
+              <a:solidFill>
+                <a:srgbClr val="000000"/>
+              </a:solidFill>
+              <a:uFill>
+                <a:solidFill>
+                  <a:srgbClr val="ffffff"/>
+                </a:solidFill>
+              </a:uFill>
+              <a:latin typeface="Arial"/>
+            </a:endParaRPr>
+          </a:p>
+          <a:p>
+            <a:pPr>
+              <a:lnSpc>
+                <a:spcPct val="100000"/>
+              </a:lnSpc>
               <a:spcBef>
                 <a:spcPts val="1417"/>
               </a:spcBef>
-              <a:buClr>
-                <a:srgbClr val="000000"/>
-              </a:buClr>
-              <a:buSzPct val="45000"/>
-              <a:buFont typeface="Wingdings" charset="2"/>
-              <a:buChar char=""/>
-            </a:pPr>
-            <a:r>
-              <a:rPr b="0" lang="ru-RU" sz="3200" spc="-1" strike="noStrike">
-                <a:solidFill>
-                  <a:srgbClr val="000000"/>
-                </a:solidFill>
-                <a:uFill>
-                  <a:solidFill>
-                    <a:srgbClr val="ffffff"/>
-                  </a:solidFill>
-                </a:uFill>
-                <a:latin typeface="Arial"/>
-              </a:rPr>
-              <a:t>cmax</a:t>
-            </a:r>
-            <a:endParaRPr b="0" lang="ru-RU" sz="3200" spc="-1" strike="noStrike">
-              <a:solidFill>
-                <a:srgbClr val="000000"/>
-              </a:solidFill>
-              <a:uFill>
-                <a:solidFill>
-                  <a:srgbClr val="ffffff"/>
-                </a:solidFill>
-              </a:uFill>
-              <a:latin typeface="Arial"/>
-            </a:endParaRPr>
-          </a:p>
-          <a:p>
-            <a:pPr marL="432000" indent="-324000">
-              <a:spcBef>
-                <a:spcPts val="1417"/>
-              </a:spcBef>
-              <a:buClr>
-                <a:srgbClr val="000000"/>
-              </a:buClr>
-              <a:buSzPct val="45000"/>
-              <a:buFont typeface="Wingdings" charset="2"/>
-              <a:buChar char=""/>
-            </a:pPr>
-            <a:r>
-              <a:rPr b="0" lang="ru-RU" sz="3200" spc="-1" strike="noStrike">
-                <a:solidFill>
-                  <a:srgbClr val="000000"/>
-                </a:solidFill>
-                <a:uFill>
-                  <a:solidFill>
-                    <a:srgbClr val="ffffff"/>
-                  </a:solidFill>
-                </a:uFill>
-                <a:latin typeface="Arial"/>
-              </a:rPr>
-              <a:t>ctid</a:t>
-            </a:r>
-            <a:endParaRPr b="0" lang="ru-RU" sz="3200" spc="-1" strike="noStrike">
-              <a:solidFill>
-                <a:srgbClr val="000000"/>
-              </a:solidFill>
-              <a:uFill>
-                <a:solidFill>
-                  <a:srgbClr val="ffffff"/>
-                </a:solidFill>
-              </a:uFill>
-              <a:latin typeface="Arial"/>
-            </a:endParaRPr>
-          </a:p>
-          <a:p>
-            <a:pPr marL="432000" indent="-324000">
-              <a:spcBef>
-                <a:spcPts val="1417"/>
-              </a:spcBef>
-              <a:buClr>
-                <a:srgbClr val="000000"/>
-              </a:buClr>
-              <a:buSzPct val="45000"/>
-              <a:buFont typeface="Wingdings" charset="2"/>
-              <a:buChar char=""/>
             </a:pPr>
             <a:endParaRPr b="0" lang="ru-RU" sz="3200" spc="-1" strike="noStrike">
               <a:solidFill>
@@ -3267,14 +4930,14 @@
       </p:grpSpPr>
       <p:sp>
         <p:nvSpPr>
-          <p:cNvPr id="63" name="TextShape 1"/>
-          <p:cNvSpPr txBox="1"/>
+          <p:cNvPr id="96" name="CustomShape 1"/>
+          <p:cNvSpPr/>
           <p:nvPr/>
         </p:nvSpPr>
         <p:spPr>
           <a:xfrm>
             <a:off x="504000" y="301320"/>
-            <a:ext cx="9071640" cy="1262160"/>
+            <a:ext cx="9071280" cy="1261800"/>
           </a:xfrm>
           <a:prstGeom prst="rect">
             <a:avLst/>
@@ -3284,10 +4947,20 @@
             <a:noFill/>
           </a:ln>
         </p:spPr>
+        <p:style>
+          <a:lnRef idx="0"/>
+          <a:fillRef idx="0"/>
+          <a:effectRef idx="0"/>
+          <a:fontRef idx="minor"/>
+        </p:style>
         <p:txBody>
           <a:bodyPr lIns="0" rIns="0" tIns="0" bIns="0" anchor="ctr"/>
           <a:p>
-            <a:pPr algn="ctr"/>
+            <a:pPr algn="ctr">
+              <a:lnSpc>
+                <a:spcPct val="100000"/>
+              </a:lnSpc>
+            </a:pPr>
             <a:r>
               <a:rPr b="0" lang="ru-RU" sz="4400" spc="-1" strike="noStrike">
                 <a:solidFill>
@@ -3300,7 +4973,7 @@
                 </a:uFill>
                 <a:latin typeface="Arial"/>
               </a:rPr>
-              <a:t>Create Index</a:t>
+              <a:t>Drop Index</a:t>
             </a:r>
             <a:endParaRPr b="0" lang="ru-RU" sz="4400" spc="-1" strike="noStrike">
               <a:solidFill>
@@ -3318,14 +4991,14 @@
       </p:sp>
       <p:sp>
         <p:nvSpPr>
-          <p:cNvPr id="64" name="TextShape 2"/>
-          <p:cNvSpPr txBox="1"/>
+          <p:cNvPr id="97" name="CustomShape 2"/>
+          <p:cNvSpPr/>
           <p:nvPr/>
         </p:nvSpPr>
         <p:spPr>
           <a:xfrm>
             <a:off x="504000" y="1769040"/>
-            <a:ext cx="9071640" cy="4384080"/>
+            <a:ext cx="9071280" cy="4383720"/>
           </a:xfrm>
           <a:prstGeom prst="rect">
             <a:avLst/>
@@ -3335,12 +5008,21 @@
             <a:noFill/>
           </a:ln>
         </p:spPr>
+        <p:style>
+          <a:lnRef idx="0"/>
+          <a:fillRef idx="0"/>
+          <a:effectRef idx="0"/>
+          <a:fontRef idx="minor"/>
+        </p:style>
         <p:txBody>
           <a:bodyPr lIns="0" rIns="0" tIns="0" bIns="0">
             <a:normAutofit/>
           </a:bodyPr>
           <a:p>
-            <a:pPr marL="432000" indent="-324000">
+            <a:pPr marL="432000" indent="-323640">
+              <a:lnSpc>
+                <a:spcPct val="100000"/>
+              </a:lnSpc>
               <a:spcBef>
                 <a:spcPts val="1417"/>
               </a:spcBef>
@@ -3363,240 +5045,8 @@
                 </a:uFill>
                 <a:latin typeface="Arial"/>
               </a:rPr>
-              <a:t>CREATE [ UNIQUE ] INDEX [ CONCURRENTLY ] [ [ IF NOT EXISTS ] name ] ON table_name [ USING method ]</a:t>
-            </a:r>
-            <a:endParaRPr b="0" lang="ru-RU" sz="3200" spc="-1" strike="noStrike">
-              <a:solidFill>
-                <a:srgbClr val="000000"/>
-              </a:solidFill>
-              <a:uFill>
-                <a:solidFill>
-                  <a:srgbClr val="ffffff"/>
-                </a:solidFill>
-              </a:uFill>
-              <a:latin typeface="Arial"/>
-            </a:endParaRPr>
-          </a:p>
-          <a:p>
-            <a:pPr marL="432000" indent="-324000">
-              <a:spcBef>
-                <a:spcPts val="1417"/>
-              </a:spcBef>
-              <a:buClr>
-                <a:srgbClr val="000000"/>
-              </a:buClr>
-              <a:buSzPct val="45000"/>
-              <a:buFont typeface="Wingdings" charset="2"/>
-              <a:buChar char=""/>
-            </a:pPr>
-            <a:r>
-              <a:rPr b="0" lang="ru-RU" sz="3200" spc="-1" strike="noStrike">
-                <a:solidFill>
-                  <a:srgbClr val="000000"/>
-                </a:solidFill>
-                <a:uFill>
-                  <a:solidFill>
-                    <a:srgbClr val="ffffff"/>
-                  </a:solidFill>
-                </a:uFill>
-                <a:latin typeface="Arial"/>
-              </a:rPr>
-              <a:t>    </a:t>
-            </a:r>
-            <a:r>
-              <a:rPr b="0" lang="ru-RU" sz="3200" spc="-1" strike="noStrike">
-                <a:solidFill>
-                  <a:srgbClr val="000000"/>
-                </a:solidFill>
-                <a:uFill>
-                  <a:solidFill>
-                    <a:srgbClr val="ffffff"/>
-                  </a:solidFill>
-                </a:uFill>
-                <a:latin typeface="Arial"/>
-              </a:rPr>
-              <a:t>( { column_name | ( expression ) } [ COLLATE collation ] [ opclass ] [ ASC | DESC ] [ NULLS { FIRST | LAST } ] [, ...] )</a:t>
-            </a:r>
-            <a:endParaRPr b="0" lang="ru-RU" sz="3200" spc="-1" strike="noStrike">
-              <a:solidFill>
-                <a:srgbClr val="000000"/>
-              </a:solidFill>
-              <a:uFill>
-                <a:solidFill>
-                  <a:srgbClr val="ffffff"/>
-                </a:solidFill>
-              </a:uFill>
-              <a:latin typeface="Arial"/>
-            </a:endParaRPr>
-          </a:p>
-          <a:p>
-            <a:pPr marL="432000" indent="-324000">
-              <a:spcBef>
-                <a:spcPts val="1417"/>
-              </a:spcBef>
-              <a:buClr>
-                <a:srgbClr val="000000"/>
-              </a:buClr>
-              <a:buSzPct val="45000"/>
-              <a:buFont typeface="Wingdings" charset="2"/>
-              <a:buChar char=""/>
-            </a:pPr>
-            <a:r>
-              <a:rPr b="0" lang="ru-RU" sz="3200" spc="-1" strike="noStrike">
-                <a:solidFill>
-                  <a:srgbClr val="000000"/>
-                </a:solidFill>
-                <a:uFill>
-                  <a:solidFill>
-                    <a:srgbClr val="ffffff"/>
-                  </a:solidFill>
-                </a:uFill>
-                <a:latin typeface="Arial"/>
-              </a:rPr>
-              <a:t>    </a:t>
-            </a:r>
-            <a:r>
-              <a:rPr b="0" lang="ru-RU" sz="3200" spc="-1" strike="noStrike">
-                <a:solidFill>
-                  <a:srgbClr val="000000"/>
-                </a:solidFill>
-                <a:uFill>
-                  <a:solidFill>
-                    <a:srgbClr val="ffffff"/>
-                  </a:solidFill>
-                </a:uFill>
-                <a:latin typeface="Arial"/>
-              </a:rPr>
-              <a:t>[ WITH ( storage_parameter = value [, ... ] ) ]</a:t>
-            </a:r>
-            <a:endParaRPr b="0" lang="ru-RU" sz="3200" spc="-1" strike="noStrike">
-              <a:solidFill>
-                <a:srgbClr val="000000"/>
-              </a:solidFill>
-              <a:uFill>
-                <a:solidFill>
-                  <a:srgbClr val="ffffff"/>
-                </a:solidFill>
-              </a:uFill>
-              <a:latin typeface="Arial"/>
-            </a:endParaRPr>
-          </a:p>
-          <a:p>
-            <a:pPr marL="432000" indent="-324000">
-              <a:spcBef>
-                <a:spcPts val="1417"/>
-              </a:spcBef>
-              <a:buClr>
-                <a:srgbClr val="000000"/>
-              </a:buClr>
-              <a:buSzPct val="45000"/>
-              <a:buFont typeface="Wingdings" charset="2"/>
-              <a:buChar char=""/>
-            </a:pPr>
-            <a:r>
-              <a:rPr b="0" lang="ru-RU" sz="3200" spc="-1" strike="noStrike">
-                <a:solidFill>
-                  <a:srgbClr val="000000"/>
-                </a:solidFill>
-                <a:uFill>
-                  <a:solidFill>
-                    <a:srgbClr val="ffffff"/>
-                  </a:solidFill>
-                </a:uFill>
-                <a:latin typeface="Arial"/>
-              </a:rPr>
-              <a:t>    </a:t>
-            </a:r>
-            <a:r>
-              <a:rPr b="0" lang="ru-RU" sz="3200" spc="-1" strike="noStrike">
-                <a:solidFill>
-                  <a:srgbClr val="000000"/>
-                </a:solidFill>
-                <a:uFill>
-                  <a:solidFill>
-                    <a:srgbClr val="ffffff"/>
-                  </a:solidFill>
-                </a:uFill>
-                <a:latin typeface="Arial"/>
-              </a:rPr>
-              <a:t>[ TABLESPACE tablespace_name ]</a:t>
-            </a:r>
-            <a:endParaRPr b="0" lang="ru-RU" sz="3200" spc="-1" strike="noStrike">
-              <a:solidFill>
-                <a:srgbClr val="000000"/>
-              </a:solidFill>
-              <a:uFill>
-                <a:solidFill>
-                  <a:srgbClr val="ffffff"/>
-                </a:solidFill>
-              </a:uFill>
-              <a:latin typeface="Arial"/>
-            </a:endParaRPr>
-          </a:p>
-          <a:p>
-            <a:pPr marL="432000" indent="-324000">
-              <a:spcBef>
-                <a:spcPts val="1417"/>
-              </a:spcBef>
-              <a:buClr>
-                <a:srgbClr val="000000"/>
-              </a:buClr>
-              <a:buSzPct val="45000"/>
-              <a:buFont typeface="Wingdings" charset="2"/>
-              <a:buChar char=""/>
-            </a:pPr>
-            <a:r>
-              <a:rPr b="0" lang="ru-RU" sz="3200" spc="-1" strike="noStrike">
-                <a:solidFill>
-                  <a:srgbClr val="000000"/>
-                </a:solidFill>
-                <a:uFill>
-                  <a:solidFill>
-                    <a:srgbClr val="ffffff"/>
-                  </a:solidFill>
-                </a:uFill>
-                <a:latin typeface="Arial"/>
-              </a:rPr>
-              <a:t>    </a:t>
-            </a:r>
-            <a:r>
-              <a:rPr b="0" lang="ru-RU" sz="3200" spc="-1" strike="noStrike">
-                <a:solidFill>
-                  <a:srgbClr val="000000"/>
-                </a:solidFill>
-                <a:uFill>
-                  <a:solidFill>
-                    <a:srgbClr val="ffffff"/>
-                  </a:solidFill>
-                </a:uFill>
-                <a:latin typeface="Arial"/>
-              </a:rPr>
-              <a:t>[ WHERE predicate ]</a:t>
-            </a:r>
-            <a:endParaRPr b="0" lang="ru-RU" sz="3200" spc="-1" strike="noStrike">
-              <a:solidFill>
-                <a:srgbClr val="000000"/>
-              </a:solidFill>
-              <a:uFill>
-                <a:solidFill>
-                  <a:srgbClr val="ffffff"/>
-                </a:solidFill>
-              </a:uFill>
-              <a:latin typeface="Arial"/>
-            </a:endParaRPr>
-          </a:p>
-          <a:p>
-            <a:pPr marL="432000" indent="-324000">
-              <a:spcBef>
-                <a:spcPts val="1417"/>
-              </a:spcBef>
-              <a:buClr>
-                <a:srgbClr val="000000"/>
-              </a:buClr>
-              <a:buSzPct val="45000"/>
-              <a:buFont typeface="Wingdings" charset="2"/>
-              <a:buChar char=""/>
-            </a:pPr>
+              <a:t>DROP INDEX [ CONCURRENTLY ] [ IF EXISTS ] имя [, ...] [ CASCADE | RESTRICT ]</a:t>
+            </a:r>
             <a:endParaRPr b="0" lang="ru-RU" sz="3200" spc="-1" strike="noStrike">
               <a:solidFill>
                 <a:srgbClr val="000000"/>
@@ -3635,14 +5085,14 @@
       </p:grpSpPr>
       <p:sp>
         <p:nvSpPr>
-          <p:cNvPr id="65" name="TextShape 1"/>
-          <p:cNvSpPr txBox="1"/>
+          <p:cNvPr id="98" name="CustomShape 1"/>
+          <p:cNvSpPr/>
           <p:nvPr/>
         </p:nvSpPr>
         <p:spPr>
           <a:xfrm>
             <a:off x="504000" y="301320"/>
-            <a:ext cx="9071640" cy="1262160"/>
+            <a:ext cx="9071280" cy="1261800"/>
           </a:xfrm>
           <a:prstGeom prst="rect">
             <a:avLst/>
@@ -3652,10 +5102,20 @@
             <a:noFill/>
           </a:ln>
         </p:spPr>
+        <p:style>
+          <a:lnRef idx="0"/>
+          <a:fillRef idx="0"/>
+          <a:effectRef idx="0"/>
+          <a:fontRef idx="minor"/>
+        </p:style>
         <p:txBody>
           <a:bodyPr lIns="0" rIns="0" tIns="0" bIns="0" anchor="ctr"/>
           <a:p>
-            <a:pPr algn="ctr"/>
+            <a:pPr algn="ctr">
+              <a:lnSpc>
+                <a:spcPct val="100000"/>
+              </a:lnSpc>
+            </a:pPr>
             <a:r>
               <a:rPr b="0" lang="ru-RU" sz="4400" spc="-1" strike="noStrike">
                 <a:solidFill>
@@ -3668,7 +5128,7 @@
                 </a:uFill>
                 <a:latin typeface="Arial"/>
               </a:rPr>
-              <a:t>Drop Index</a:t>
+              <a:t>UPDATE</a:t>
             </a:r>
             <a:endParaRPr b="0" lang="ru-RU" sz="4400" spc="-1" strike="noStrike">
               <a:solidFill>
@@ -3686,14 +5146,14 @@
       </p:sp>
       <p:sp>
         <p:nvSpPr>
-          <p:cNvPr id="66" name="TextShape 2"/>
-          <p:cNvSpPr txBox="1"/>
+          <p:cNvPr id="99" name="CustomShape 2"/>
+          <p:cNvSpPr/>
           <p:nvPr/>
         </p:nvSpPr>
         <p:spPr>
           <a:xfrm>
             <a:off x="504000" y="1769040"/>
-            <a:ext cx="9071640" cy="4384080"/>
+            <a:ext cx="9071280" cy="4383720"/>
           </a:xfrm>
           <a:prstGeom prst="rect">
             <a:avLst/>
@@ -3703,12 +5163,21 @@
             <a:noFill/>
           </a:ln>
         </p:spPr>
+        <p:style>
+          <a:lnRef idx="0"/>
+          <a:fillRef idx="0"/>
+          <a:effectRef idx="0"/>
+          <a:fontRef idx="minor"/>
+        </p:style>
         <p:txBody>
           <a:bodyPr lIns="0" rIns="0" tIns="0" bIns="0">
             <a:normAutofit/>
           </a:bodyPr>
           <a:p>
-            <a:pPr marL="432000" indent="-324000">
+            <a:pPr marL="432000" indent="-323640">
+              <a:lnSpc>
+                <a:spcPct val="100000"/>
+              </a:lnSpc>
               <a:spcBef>
                 <a:spcPts val="1417"/>
               </a:spcBef>
@@ -3731,7 +5200,392 @@
                 </a:uFill>
                 <a:latin typeface="Arial"/>
               </a:rPr>
-              <a:t>DROP INDEX [ CONCURRENTLY ] [ IF EXISTS ] имя [, ...] [ CASCADE | RESTRICT ]</a:t>
+              <a:t>UPDATE [ ONLY ] table_name [ * ] [ [ AS ] alias ]</a:t>
+            </a:r>
+            <a:endParaRPr b="0" lang="ru-RU" sz="3200" spc="-1" strike="noStrike">
+              <a:solidFill>
+                <a:srgbClr val="000000"/>
+              </a:solidFill>
+              <a:uFill>
+                <a:solidFill>
+                  <a:srgbClr val="ffffff"/>
+                </a:solidFill>
+              </a:uFill>
+              <a:latin typeface="Arial"/>
+            </a:endParaRPr>
+          </a:p>
+          <a:p>
+            <a:pPr marL="432000" indent="-323640">
+              <a:lnSpc>
+                <a:spcPct val="100000"/>
+              </a:lnSpc>
+              <a:spcBef>
+                <a:spcPts val="1417"/>
+              </a:spcBef>
+              <a:buClr>
+                <a:srgbClr val="000000"/>
+              </a:buClr>
+              <a:buSzPct val="45000"/>
+              <a:buFont typeface="Wingdings" charset="2"/>
+              <a:buChar char=""/>
+            </a:pPr>
+            <a:r>
+              <a:rPr b="0" lang="ru-RU" sz="3200" spc="-1" strike="noStrike">
+                <a:solidFill>
+                  <a:srgbClr val="000000"/>
+                </a:solidFill>
+                <a:uFill>
+                  <a:solidFill>
+                    <a:srgbClr val="ffffff"/>
+                  </a:solidFill>
+                </a:uFill>
+                <a:latin typeface="Arial"/>
+              </a:rPr>
+              <a:t>    </a:t>
+            </a:r>
+            <a:r>
+              <a:rPr b="0" lang="ru-RU" sz="3200" spc="-1" strike="noStrike">
+                <a:solidFill>
+                  <a:srgbClr val="000000"/>
+                </a:solidFill>
+                <a:uFill>
+                  <a:solidFill>
+                    <a:srgbClr val="ffffff"/>
+                  </a:solidFill>
+                </a:uFill>
+                <a:latin typeface="Arial"/>
+              </a:rPr>
+              <a:t>SET { column_name = { expression | DEFAULT } |</a:t>
+            </a:r>
+            <a:endParaRPr b="0" lang="ru-RU" sz="3200" spc="-1" strike="noStrike">
+              <a:solidFill>
+                <a:srgbClr val="000000"/>
+              </a:solidFill>
+              <a:uFill>
+                <a:solidFill>
+                  <a:srgbClr val="ffffff"/>
+                </a:solidFill>
+              </a:uFill>
+              <a:latin typeface="Arial"/>
+            </a:endParaRPr>
+          </a:p>
+          <a:p>
+            <a:pPr marL="432000" indent="-323640">
+              <a:lnSpc>
+                <a:spcPct val="100000"/>
+              </a:lnSpc>
+              <a:spcBef>
+                <a:spcPts val="1417"/>
+              </a:spcBef>
+              <a:buClr>
+                <a:srgbClr val="000000"/>
+              </a:buClr>
+              <a:buSzPct val="45000"/>
+              <a:buFont typeface="Wingdings" charset="2"/>
+              <a:buChar char=""/>
+            </a:pPr>
+            <a:r>
+              <a:rPr b="0" lang="ru-RU" sz="3200" spc="-1" strike="noStrike">
+                <a:solidFill>
+                  <a:srgbClr val="000000"/>
+                </a:solidFill>
+                <a:uFill>
+                  <a:solidFill>
+                    <a:srgbClr val="ffffff"/>
+                  </a:solidFill>
+                </a:uFill>
+                <a:latin typeface="Arial"/>
+              </a:rPr>
+              <a:t>        </a:t>
+            </a:r>
+            <a:r>
+              <a:rPr b="0" lang="ru-RU" sz="3200" spc="-1" strike="noStrike">
+                <a:solidFill>
+                  <a:srgbClr val="000000"/>
+                </a:solidFill>
+                <a:uFill>
+                  <a:solidFill>
+                    <a:srgbClr val="ffffff"/>
+                  </a:solidFill>
+                </a:uFill>
+                <a:latin typeface="Arial"/>
+              </a:rPr>
+              <a:t>( column_name [, ...] ) = ( { expression | DEFAULT } [, ...] ) |</a:t>
+            </a:r>
+            <a:endParaRPr b="0" lang="ru-RU" sz="3200" spc="-1" strike="noStrike">
+              <a:solidFill>
+                <a:srgbClr val="000000"/>
+              </a:solidFill>
+              <a:uFill>
+                <a:solidFill>
+                  <a:srgbClr val="ffffff"/>
+                </a:solidFill>
+              </a:uFill>
+              <a:latin typeface="Arial"/>
+            </a:endParaRPr>
+          </a:p>
+          <a:p>
+            <a:pPr marL="432000" indent="-323640">
+              <a:lnSpc>
+                <a:spcPct val="100000"/>
+              </a:lnSpc>
+              <a:spcBef>
+                <a:spcPts val="1417"/>
+              </a:spcBef>
+              <a:buClr>
+                <a:srgbClr val="000000"/>
+              </a:buClr>
+              <a:buSzPct val="45000"/>
+              <a:buFont typeface="Wingdings" charset="2"/>
+              <a:buChar char=""/>
+            </a:pPr>
+            <a:r>
+              <a:rPr b="0" lang="ru-RU" sz="3200" spc="-1" strike="noStrike">
+                <a:solidFill>
+                  <a:srgbClr val="000000"/>
+                </a:solidFill>
+                <a:uFill>
+                  <a:solidFill>
+                    <a:srgbClr val="ffffff"/>
+                  </a:solidFill>
+                </a:uFill>
+                <a:latin typeface="Arial"/>
+              </a:rPr>
+              <a:t>          </a:t>
+            </a:r>
+            <a:r>
+              <a:rPr b="0" lang="ru-RU" sz="3200" spc="-1" strike="noStrike">
+                <a:solidFill>
+                  <a:srgbClr val="000000"/>
+                </a:solidFill>
+                <a:uFill>
+                  <a:solidFill>
+                    <a:srgbClr val="ffffff"/>
+                  </a:solidFill>
+                </a:uFill>
+                <a:latin typeface="Arial"/>
+              </a:rPr>
+              <a:t>( column_name [, ...] ) = ( sub-SELECT )</a:t>
+            </a:r>
+            <a:endParaRPr b="0" lang="ru-RU" sz="3200" spc="-1" strike="noStrike">
+              <a:solidFill>
+                <a:srgbClr val="000000"/>
+              </a:solidFill>
+              <a:uFill>
+                <a:solidFill>
+                  <a:srgbClr val="ffffff"/>
+                </a:solidFill>
+              </a:uFill>
+              <a:latin typeface="Arial"/>
+            </a:endParaRPr>
+          </a:p>
+          <a:p>
+            <a:pPr marL="432000" indent="-323640">
+              <a:lnSpc>
+                <a:spcPct val="100000"/>
+              </a:lnSpc>
+              <a:spcBef>
+                <a:spcPts val="1417"/>
+              </a:spcBef>
+              <a:buClr>
+                <a:srgbClr val="000000"/>
+              </a:buClr>
+              <a:buSzPct val="45000"/>
+              <a:buFont typeface="Wingdings" charset="2"/>
+              <a:buChar char=""/>
+            </a:pPr>
+            <a:r>
+              <a:rPr b="0" lang="ru-RU" sz="3200" spc="-1" strike="noStrike">
+                <a:solidFill>
+                  <a:srgbClr val="000000"/>
+                </a:solidFill>
+                <a:uFill>
+                  <a:solidFill>
+                    <a:srgbClr val="ffffff"/>
+                  </a:solidFill>
+                </a:uFill>
+                <a:latin typeface="Arial"/>
+              </a:rPr>
+              <a:t>        </a:t>
+            </a:r>
+            <a:r>
+              <a:rPr b="0" lang="ru-RU" sz="3200" spc="-1" strike="noStrike">
+                <a:solidFill>
+                  <a:srgbClr val="000000"/>
+                </a:solidFill>
+                <a:uFill>
+                  <a:solidFill>
+                    <a:srgbClr val="ffffff"/>
+                  </a:solidFill>
+                </a:uFill>
+                <a:latin typeface="Arial"/>
+              </a:rPr>
+              <a:t>} [, ...]</a:t>
+            </a:r>
+            <a:endParaRPr b="0" lang="ru-RU" sz="3200" spc="-1" strike="noStrike">
+              <a:solidFill>
+                <a:srgbClr val="000000"/>
+              </a:solidFill>
+              <a:uFill>
+                <a:solidFill>
+                  <a:srgbClr val="ffffff"/>
+                </a:solidFill>
+              </a:uFill>
+              <a:latin typeface="Arial"/>
+            </a:endParaRPr>
+          </a:p>
+          <a:p>
+            <a:pPr marL="432000" indent="-323640">
+              <a:lnSpc>
+                <a:spcPct val="100000"/>
+              </a:lnSpc>
+              <a:spcBef>
+                <a:spcPts val="1417"/>
+              </a:spcBef>
+              <a:buClr>
+                <a:srgbClr val="000000"/>
+              </a:buClr>
+              <a:buSzPct val="45000"/>
+              <a:buFont typeface="Wingdings" charset="2"/>
+              <a:buChar char=""/>
+            </a:pPr>
+            <a:r>
+              <a:rPr b="0" lang="ru-RU" sz="3200" spc="-1" strike="noStrike">
+                <a:solidFill>
+                  <a:srgbClr val="000000"/>
+                </a:solidFill>
+                <a:uFill>
+                  <a:solidFill>
+                    <a:srgbClr val="ffffff"/>
+                  </a:solidFill>
+                </a:uFill>
+                <a:latin typeface="Arial"/>
+              </a:rPr>
+              <a:t>    </a:t>
+            </a:r>
+            <a:r>
+              <a:rPr b="0" lang="ru-RU" sz="3200" spc="-1" strike="noStrike">
+                <a:solidFill>
+                  <a:srgbClr val="000000"/>
+                </a:solidFill>
+                <a:uFill>
+                  <a:solidFill>
+                    <a:srgbClr val="ffffff"/>
+                  </a:solidFill>
+                </a:uFill>
+                <a:latin typeface="Arial"/>
+              </a:rPr>
+              <a:t>[ FROM from_list ]</a:t>
+            </a:r>
+            <a:endParaRPr b="0" lang="ru-RU" sz="3200" spc="-1" strike="noStrike">
+              <a:solidFill>
+                <a:srgbClr val="000000"/>
+              </a:solidFill>
+              <a:uFill>
+                <a:solidFill>
+                  <a:srgbClr val="ffffff"/>
+                </a:solidFill>
+              </a:uFill>
+              <a:latin typeface="Arial"/>
+            </a:endParaRPr>
+          </a:p>
+          <a:p>
+            <a:pPr marL="432000" indent="-323640">
+              <a:lnSpc>
+                <a:spcPct val="100000"/>
+              </a:lnSpc>
+              <a:spcBef>
+                <a:spcPts val="1417"/>
+              </a:spcBef>
+              <a:buClr>
+                <a:srgbClr val="000000"/>
+              </a:buClr>
+              <a:buSzPct val="45000"/>
+              <a:buFont typeface="Wingdings" charset="2"/>
+              <a:buChar char=""/>
+            </a:pPr>
+            <a:r>
+              <a:rPr b="0" lang="ru-RU" sz="3200" spc="-1" strike="noStrike">
+                <a:solidFill>
+                  <a:srgbClr val="000000"/>
+                </a:solidFill>
+                <a:uFill>
+                  <a:solidFill>
+                    <a:srgbClr val="ffffff"/>
+                  </a:solidFill>
+                </a:uFill>
+                <a:latin typeface="Arial"/>
+              </a:rPr>
+              <a:t>    </a:t>
+            </a:r>
+            <a:r>
+              <a:rPr b="0" lang="ru-RU" sz="3200" spc="-1" strike="noStrike">
+                <a:solidFill>
+                  <a:srgbClr val="000000"/>
+                </a:solidFill>
+                <a:uFill>
+                  <a:solidFill>
+                    <a:srgbClr val="ffffff"/>
+                  </a:solidFill>
+                </a:uFill>
+                <a:latin typeface="Arial"/>
+              </a:rPr>
+              <a:t>[ WHERE condition | WHERE CURRENT OF cursor_name ]</a:t>
+            </a:r>
+            <a:endParaRPr b="0" lang="ru-RU" sz="3200" spc="-1" strike="noStrike">
+              <a:solidFill>
+                <a:srgbClr val="000000"/>
+              </a:solidFill>
+              <a:uFill>
+                <a:solidFill>
+                  <a:srgbClr val="ffffff"/>
+                </a:solidFill>
+              </a:uFill>
+              <a:latin typeface="Arial"/>
+            </a:endParaRPr>
+          </a:p>
+          <a:p>
+            <a:pPr marL="432000" indent="-323640">
+              <a:lnSpc>
+                <a:spcPct val="100000"/>
+              </a:lnSpc>
+              <a:spcBef>
+                <a:spcPts val="1417"/>
+              </a:spcBef>
+              <a:buClr>
+                <a:srgbClr val="000000"/>
+              </a:buClr>
+              <a:buSzPct val="45000"/>
+              <a:buFont typeface="Wingdings" charset="2"/>
+              <a:buChar char=""/>
+            </a:pPr>
+            <a:r>
+              <a:rPr b="0" lang="ru-RU" sz="3200" spc="-1" strike="noStrike">
+                <a:solidFill>
+                  <a:srgbClr val="000000"/>
+                </a:solidFill>
+                <a:uFill>
+                  <a:solidFill>
+                    <a:srgbClr val="ffffff"/>
+                  </a:solidFill>
+                </a:uFill>
+                <a:latin typeface="Arial"/>
+              </a:rPr>
+              <a:t>    </a:t>
+            </a:r>
+            <a:r>
+              <a:rPr b="0" lang="ru-RU" sz="3200" spc="-1" strike="noStrike">
+                <a:solidFill>
+                  <a:srgbClr val="000000"/>
+                </a:solidFill>
+                <a:uFill>
+                  <a:solidFill>
+                    <a:srgbClr val="ffffff"/>
+                  </a:solidFill>
+                </a:uFill>
+                <a:latin typeface="Arial"/>
+              </a:rPr>
+              <a:t>[ RETURNING * | output_expression [ [ AS ] output_name ] [, ...] ]</a:t>
             </a:r>
             <a:endParaRPr b="0" lang="ru-RU" sz="3200" spc="-1" strike="noStrike">
               <a:solidFill>
@@ -3771,14 +5625,14 @@
       </p:grpSpPr>
       <p:sp>
         <p:nvSpPr>
-          <p:cNvPr id="67" name="TextShape 1"/>
-          <p:cNvSpPr txBox="1"/>
+          <p:cNvPr id="100" name="CustomShape 1"/>
+          <p:cNvSpPr/>
           <p:nvPr/>
         </p:nvSpPr>
         <p:spPr>
           <a:xfrm>
             <a:off x="504000" y="301320"/>
-            <a:ext cx="9071640" cy="1262160"/>
+            <a:ext cx="9071280" cy="1261800"/>
           </a:xfrm>
           <a:prstGeom prst="rect">
             <a:avLst/>
@@ -3788,10 +5642,20 @@
             <a:noFill/>
           </a:ln>
         </p:spPr>
+        <p:style>
+          <a:lnRef idx="0"/>
+          <a:fillRef idx="0"/>
+          <a:effectRef idx="0"/>
+          <a:fontRef idx="minor"/>
+        </p:style>
         <p:txBody>
           <a:bodyPr lIns="0" rIns="0" tIns="0" bIns="0" anchor="ctr"/>
           <a:p>
-            <a:pPr algn="ctr"/>
+            <a:pPr algn="ctr">
+              <a:lnSpc>
+                <a:spcPct val="100000"/>
+              </a:lnSpc>
+            </a:pPr>
             <a:r>
               <a:rPr b="0" lang="ru-RU" sz="4400" spc="-1" strike="noStrike">
                 <a:solidFill>
@@ -3804,7 +5668,7 @@
                 </a:uFill>
                 <a:latin typeface="Arial"/>
               </a:rPr>
-              <a:t>UPDATE</a:t>
+              <a:t>DELETE</a:t>
             </a:r>
             <a:endParaRPr b="0" lang="ru-RU" sz="4400" spc="-1" strike="noStrike">
               <a:solidFill>
@@ -3822,14 +5686,14 @@
       </p:sp>
       <p:sp>
         <p:nvSpPr>
-          <p:cNvPr id="68" name="TextShape 2"/>
-          <p:cNvSpPr txBox="1"/>
+          <p:cNvPr id="101" name="CustomShape 2"/>
+          <p:cNvSpPr/>
           <p:nvPr/>
         </p:nvSpPr>
         <p:spPr>
           <a:xfrm>
             <a:off x="504000" y="1769040"/>
-            <a:ext cx="9071640" cy="4384080"/>
+            <a:ext cx="9071280" cy="4383720"/>
           </a:xfrm>
           <a:prstGeom prst="rect">
             <a:avLst/>
@@ -3839,12 +5703,21 @@
             <a:noFill/>
           </a:ln>
         </p:spPr>
+        <p:style>
+          <a:lnRef idx="0"/>
+          <a:fillRef idx="0"/>
+          <a:effectRef idx="0"/>
+          <a:fontRef idx="minor"/>
+        </p:style>
         <p:txBody>
           <a:bodyPr lIns="0" rIns="0" tIns="0" bIns="0">
             <a:normAutofit/>
           </a:bodyPr>
           <a:p>
-            <a:pPr marL="432000" indent="-324000">
+            <a:pPr marL="432000" indent="-323640">
+              <a:lnSpc>
+                <a:spcPct val="100000"/>
+              </a:lnSpc>
               <a:spcBef>
                 <a:spcPts val="1417"/>
               </a:spcBef>
@@ -3867,22 +5740,25 @@
                 </a:uFill>
                 <a:latin typeface="Arial"/>
               </a:rPr>
-              <a:t>UPDATE [ ONLY ] table_name [ * ] [ [ AS ] alias ]</a:t>
-            </a:r>
-            <a:endParaRPr b="0" lang="ru-RU" sz="3200" spc="-1" strike="noStrike">
-              <a:solidFill>
-                <a:srgbClr val="000000"/>
-              </a:solidFill>
-              <a:uFill>
-                <a:solidFill>
-                  <a:srgbClr val="ffffff"/>
-                </a:solidFill>
-              </a:uFill>
-              <a:latin typeface="Arial"/>
-            </a:endParaRPr>
-          </a:p>
-          <a:p>
-            <a:pPr marL="432000" indent="-324000">
+              <a:t>DELETE FROM [ ONLY ] table_name [ * ] [ [ AS ] alias ]</a:t>
+            </a:r>
+            <a:endParaRPr b="0" lang="ru-RU" sz="3200" spc="-1" strike="noStrike">
+              <a:solidFill>
+                <a:srgbClr val="000000"/>
+              </a:solidFill>
+              <a:uFill>
+                <a:solidFill>
+                  <a:srgbClr val="ffffff"/>
+                </a:solidFill>
+              </a:uFill>
+              <a:latin typeface="Arial"/>
+            </a:endParaRPr>
+          </a:p>
+          <a:p>
+            <a:pPr marL="432000" indent="-323640">
+              <a:lnSpc>
+                <a:spcPct val="100000"/>
+              </a:lnSpc>
               <a:spcBef>
                 <a:spcPts val="1417"/>
               </a:spcBef>
@@ -3919,22 +5795,25 @@
                 </a:uFill>
                 <a:latin typeface="Arial"/>
               </a:rPr>
-              <a:t>SET { column_name = { expression | DEFAULT } |</a:t>
-            </a:r>
-            <a:endParaRPr b="0" lang="ru-RU" sz="3200" spc="-1" strike="noStrike">
-              <a:solidFill>
-                <a:srgbClr val="000000"/>
-              </a:solidFill>
-              <a:uFill>
-                <a:solidFill>
-                  <a:srgbClr val="ffffff"/>
-                </a:solidFill>
-              </a:uFill>
-              <a:latin typeface="Arial"/>
-            </a:endParaRPr>
-          </a:p>
-          <a:p>
-            <a:pPr marL="432000" indent="-324000">
+              <a:t>[ USING using_list ]</a:t>
+            </a:r>
+            <a:endParaRPr b="0" lang="ru-RU" sz="3200" spc="-1" strike="noStrike">
+              <a:solidFill>
+                <a:srgbClr val="000000"/>
+              </a:solidFill>
+              <a:uFill>
+                <a:solidFill>
+                  <a:srgbClr val="ffffff"/>
+                </a:solidFill>
+              </a:uFill>
+              <a:latin typeface="Arial"/>
+            </a:endParaRPr>
+          </a:p>
+          <a:p>
+            <a:pPr marL="432000" indent="-323640">
+              <a:lnSpc>
+                <a:spcPct val="100000"/>
+              </a:lnSpc>
               <a:spcBef>
                 <a:spcPts val="1417"/>
               </a:spcBef>
@@ -3957,162 +5836,6 @@
                 </a:uFill>
                 <a:latin typeface="Arial"/>
               </a:rPr>
-              <a:t>        </a:t>
-            </a:r>
-            <a:r>
-              <a:rPr b="0" lang="ru-RU" sz="3200" spc="-1" strike="noStrike">
-                <a:solidFill>
-                  <a:srgbClr val="000000"/>
-                </a:solidFill>
-                <a:uFill>
-                  <a:solidFill>
-                    <a:srgbClr val="ffffff"/>
-                  </a:solidFill>
-                </a:uFill>
-                <a:latin typeface="Arial"/>
-              </a:rPr>
-              <a:t>( column_name [, ...] ) = ( { expression | DEFAULT } [, ...] ) |</a:t>
-            </a:r>
-            <a:endParaRPr b="0" lang="ru-RU" sz="3200" spc="-1" strike="noStrike">
-              <a:solidFill>
-                <a:srgbClr val="000000"/>
-              </a:solidFill>
-              <a:uFill>
-                <a:solidFill>
-                  <a:srgbClr val="ffffff"/>
-                </a:solidFill>
-              </a:uFill>
-              <a:latin typeface="Arial"/>
-            </a:endParaRPr>
-          </a:p>
-          <a:p>
-            <a:pPr marL="432000" indent="-324000">
-              <a:spcBef>
-                <a:spcPts val="1417"/>
-              </a:spcBef>
-              <a:buClr>
-                <a:srgbClr val="000000"/>
-              </a:buClr>
-              <a:buSzPct val="45000"/>
-              <a:buFont typeface="Wingdings" charset="2"/>
-              <a:buChar char=""/>
-            </a:pPr>
-            <a:r>
-              <a:rPr b="0" lang="ru-RU" sz="3200" spc="-1" strike="noStrike">
-                <a:solidFill>
-                  <a:srgbClr val="000000"/>
-                </a:solidFill>
-                <a:uFill>
-                  <a:solidFill>
-                    <a:srgbClr val="ffffff"/>
-                  </a:solidFill>
-                </a:uFill>
-                <a:latin typeface="Arial"/>
-              </a:rPr>
-              <a:t>          </a:t>
-            </a:r>
-            <a:r>
-              <a:rPr b="0" lang="ru-RU" sz="3200" spc="-1" strike="noStrike">
-                <a:solidFill>
-                  <a:srgbClr val="000000"/>
-                </a:solidFill>
-                <a:uFill>
-                  <a:solidFill>
-                    <a:srgbClr val="ffffff"/>
-                  </a:solidFill>
-                </a:uFill>
-                <a:latin typeface="Arial"/>
-              </a:rPr>
-              <a:t>( column_name [, ...] ) = ( sub-SELECT )</a:t>
-            </a:r>
-            <a:endParaRPr b="0" lang="ru-RU" sz="3200" spc="-1" strike="noStrike">
-              <a:solidFill>
-                <a:srgbClr val="000000"/>
-              </a:solidFill>
-              <a:uFill>
-                <a:solidFill>
-                  <a:srgbClr val="ffffff"/>
-                </a:solidFill>
-              </a:uFill>
-              <a:latin typeface="Arial"/>
-            </a:endParaRPr>
-          </a:p>
-          <a:p>
-            <a:pPr marL="432000" indent="-324000">
-              <a:spcBef>
-                <a:spcPts val="1417"/>
-              </a:spcBef>
-              <a:buClr>
-                <a:srgbClr val="000000"/>
-              </a:buClr>
-              <a:buSzPct val="45000"/>
-              <a:buFont typeface="Wingdings" charset="2"/>
-              <a:buChar char=""/>
-            </a:pPr>
-            <a:r>
-              <a:rPr b="0" lang="ru-RU" sz="3200" spc="-1" strike="noStrike">
-                <a:solidFill>
-                  <a:srgbClr val="000000"/>
-                </a:solidFill>
-                <a:uFill>
-                  <a:solidFill>
-                    <a:srgbClr val="ffffff"/>
-                  </a:solidFill>
-                </a:uFill>
-                <a:latin typeface="Arial"/>
-              </a:rPr>
-              <a:t>        </a:t>
-            </a:r>
-            <a:r>
-              <a:rPr b="0" lang="ru-RU" sz="3200" spc="-1" strike="noStrike">
-                <a:solidFill>
-                  <a:srgbClr val="000000"/>
-                </a:solidFill>
-                <a:uFill>
-                  <a:solidFill>
-                    <a:srgbClr val="ffffff"/>
-                  </a:solidFill>
-                </a:uFill>
-                <a:latin typeface="Arial"/>
-              </a:rPr>
-              <a:t>} [, ...]</a:t>
-            </a:r>
-            <a:endParaRPr b="0" lang="ru-RU" sz="3200" spc="-1" strike="noStrike">
-              <a:solidFill>
-                <a:srgbClr val="000000"/>
-              </a:solidFill>
-              <a:uFill>
-                <a:solidFill>
-                  <a:srgbClr val="ffffff"/>
-                </a:solidFill>
-              </a:uFill>
-              <a:latin typeface="Arial"/>
-            </a:endParaRPr>
-          </a:p>
-          <a:p>
-            <a:pPr marL="432000" indent="-324000">
-              <a:spcBef>
-                <a:spcPts val="1417"/>
-              </a:spcBef>
-              <a:buClr>
-                <a:srgbClr val="000000"/>
-              </a:buClr>
-              <a:buSzPct val="45000"/>
-              <a:buFont typeface="Wingdings" charset="2"/>
-              <a:buChar char=""/>
-            </a:pPr>
-            <a:r>
-              <a:rPr b="0" lang="ru-RU" sz="3200" spc="-1" strike="noStrike">
-                <a:solidFill>
-                  <a:srgbClr val="000000"/>
-                </a:solidFill>
-                <a:uFill>
-                  <a:solidFill>
-                    <a:srgbClr val="ffffff"/>
-                  </a:solidFill>
-                </a:uFill>
-                <a:latin typeface="Arial"/>
-              </a:rPr>
               <a:t>    </a:t>
             </a:r>
             <a:r>
@@ -4127,58 +5850,6 @@
                 </a:uFill>
                 <a:latin typeface="Arial"/>
               </a:rPr>
-              <a:t>[ FROM from_list ]</a:t>
-            </a:r>
-            <a:endParaRPr b="0" lang="ru-RU" sz="3200" spc="-1" strike="noStrike">
-              <a:solidFill>
-                <a:srgbClr val="000000"/>
-              </a:solidFill>
-              <a:uFill>
-                <a:solidFill>
-                  <a:srgbClr val="ffffff"/>
-                </a:solidFill>
-              </a:uFill>
-              <a:latin typeface="Arial"/>
-            </a:endParaRPr>
-          </a:p>
-          <a:p>
-            <a:pPr marL="432000" indent="-324000">
-              <a:spcBef>
-                <a:spcPts val="1417"/>
-              </a:spcBef>
-              <a:buClr>
-                <a:srgbClr val="000000"/>
-              </a:buClr>
-              <a:buSzPct val="45000"/>
-              <a:buFont typeface="Wingdings" charset="2"/>
-              <a:buChar char=""/>
-            </a:pPr>
-            <a:r>
-              <a:rPr b="0" lang="ru-RU" sz="3200" spc="-1" strike="noStrike">
-                <a:solidFill>
-                  <a:srgbClr val="000000"/>
-                </a:solidFill>
-                <a:uFill>
-                  <a:solidFill>
-                    <a:srgbClr val="ffffff"/>
-                  </a:solidFill>
-                </a:uFill>
-                <a:latin typeface="Arial"/>
-              </a:rPr>
-              <a:t>    </a:t>
-            </a:r>
-            <a:r>
-              <a:rPr b="0" lang="ru-RU" sz="3200" spc="-1" strike="noStrike">
-                <a:solidFill>
-                  <a:srgbClr val="000000"/>
-                </a:solidFill>
-                <a:uFill>
-                  <a:solidFill>
-                    <a:srgbClr val="ffffff"/>
-                  </a:solidFill>
-                </a:uFill>
-                <a:latin typeface="Arial"/>
-              </a:rPr>
               <a:t>[ WHERE condition | WHERE CURRENT OF cursor_name ]</a:t>
             </a:r>
             <a:endParaRPr b="0" lang="ru-RU" sz="3200" spc="-1" strike="noStrike">
@@ -4194,7 +5865,10 @@
             </a:endParaRPr>
           </a:p>
           <a:p>
-            <a:pPr marL="432000" indent="-324000">
+            <a:pPr marL="432000" indent="-323640">
+              <a:lnSpc>
+                <a:spcPct val="100000"/>
+              </a:lnSpc>
               <a:spcBef>
                 <a:spcPts val="1417"/>
               </a:spcBef>
@@ -4271,14 +5945,14 @@
       </p:grpSpPr>
       <p:sp>
         <p:nvSpPr>
-          <p:cNvPr id="69" name="TextShape 1"/>
-          <p:cNvSpPr txBox="1"/>
+          <p:cNvPr id="102" name="CustomShape 1"/>
+          <p:cNvSpPr/>
           <p:nvPr/>
         </p:nvSpPr>
         <p:spPr>
           <a:xfrm>
             <a:off x="504000" y="301320"/>
-            <a:ext cx="9071640" cy="1262160"/>
+            <a:ext cx="9071280" cy="1261800"/>
           </a:xfrm>
           <a:prstGeom prst="rect">
             <a:avLst/>
@@ -4288,10 +5962,20 @@
             <a:noFill/>
           </a:ln>
         </p:spPr>
+        <p:style>
+          <a:lnRef idx="0"/>
+          <a:fillRef idx="0"/>
+          <a:effectRef idx="0"/>
+          <a:fontRef idx="minor"/>
+        </p:style>
         <p:txBody>
           <a:bodyPr lIns="0" rIns="0" tIns="0" bIns="0" anchor="ctr"/>
           <a:p>
-            <a:pPr algn="ctr"/>
+            <a:pPr algn="ctr">
+              <a:lnSpc>
+                <a:spcPct val="100000"/>
+              </a:lnSpc>
+            </a:pPr>
             <a:r>
               <a:rPr b="0" lang="ru-RU" sz="4400" spc="-1" strike="noStrike">
                 <a:solidFill>
@@ -4304,7 +5988,7 @@
                 </a:uFill>
                 <a:latin typeface="Arial"/>
               </a:rPr>
-              <a:t>DELETE</a:t>
+              <a:t>TRUNCATE</a:t>
             </a:r>
             <a:endParaRPr b="0" lang="ru-RU" sz="4400" spc="-1" strike="noStrike">
               <a:solidFill>
@@ -4322,14 +6006,14 @@
       </p:sp>
       <p:sp>
         <p:nvSpPr>
-          <p:cNvPr id="70" name="TextShape 2"/>
-          <p:cNvSpPr txBox="1"/>
+          <p:cNvPr id="103" name="CustomShape 2"/>
+          <p:cNvSpPr/>
           <p:nvPr/>
         </p:nvSpPr>
         <p:spPr>
           <a:xfrm>
             <a:off x="504000" y="1769040"/>
-            <a:ext cx="9071640" cy="4384080"/>
+            <a:ext cx="9071280" cy="4383720"/>
           </a:xfrm>
           <a:prstGeom prst="rect">
             <a:avLst/>
@@ -4339,12 +6023,21 @@
             <a:noFill/>
           </a:ln>
         </p:spPr>
+        <p:style>
+          <a:lnRef idx="0"/>
+          <a:fillRef idx="0"/>
+          <a:effectRef idx="0"/>
+          <a:fontRef idx="minor"/>
+        </p:style>
         <p:txBody>
           <a:bodyPr lIns="0" rIns="0" tIns="0" bIns="0">
             <a:normAutofit/>
           </a:bodyPr>
           <a:p>
-            <a:pPr marL="432000" indent="-324000">
+            <a:pPr marL="432000" indent="-323640">
+              <a:lnSpc>
+                <a:spcPct val="100000"/>
+              </a:lnSpc>
               <a:spcBef>
                 <a:spcPts val="1417"/>
               </a:spcBef>
@@ -4367,22 +6060,25 @@
                 </a:uFill>
                 <a:latin typeface="Arial"/>
               </a:rPr>
-              <a:t>DELETE FROM [ ONLY ] table_name [ * ] [ [ AS ] alias ]</a:t>
-            </a:r>
-            <a:endParaRPr b="0" lang="ru-RU" sz="3200" spc="-1" strike="noStrike">
-              <a:solidFill>
-                <a:srgbClr val="000000"/>
-              </a:solidFill>
-              <a:uFill>
-                <a:solidFill>
-                  <a:srgbClr val="ffffff"/>
-                </a:solidFill>
-              </a:uFill>
-              <a:latin typeface="Arial"/>
-            </a:endParaRPr>
-          </a:p>
-          <a:p>
-            <a:pPr marL="432000" indent="-324000">
+              <a:t>TRUNCATE [ TABLE ] [ ONLY ] name [ * ] [, ... ]</a:t>
+            </a:r>
+            <a:endParaRPr b="0" lang="ru-RU" sz="3200" spc="-1" strike="noStrike">
+              <a:solidFill>
+                <a:srgbClr val="000000"/>
+              </a:solidFill>
+              <a:uFill>
+                <a:solidFill>
+                  <a:srgbClr val="ffffff"/>
+                </a:solidFill>
+              </a:uFill>
+              <a:latin typeface="Arial"/>
+            </a:endParaRPr>
+          </a:p>
+          <a:p>
+            <a:pPr marL="432000" indent="-323640">
+              <a:lnSpc>
+                <a:spcPct val="100000"/>
+              </a:lnSpc>
               <a:spcBef>
                 <a:spcPts val="1417"/>
               </a:spcBef>
@@ -4419,111 +6115,7 @@
                 </a:uFill>
                 <a:latin typeface="Arial"/>
               </a:rPr>
-              <a:t>[ USING using_list ]</a:t>
-            </a:r>
-            <a:endParaRPr b="0" lang="ru-RU" sz="3200" spc="-1" strike="noStrike">
-              <a:solidFill>
-                <a:srgbClr val="000000"/>
-              </a:solidFill>
-              <a:uFill>
-                <a:solidFill>
-                  <a:srgbClr val="ffffff"/>
-                </a:solidFill>
-              </a:uFill>
-              <a:latin typeface="Arial"/>
-            </a:endParaRPr>
-          </a:p>
-          <a:p>
-            <a:pPr marL="432000" indent="-324000">
-              <a:spcBef>
-                <a:spcPts val="1417"/>
-              </a:spcBef>
-              <a:buClr>
-                <a:srgbClr val="000000"/>
-              </a:buClr>
-              <a:buSzPct val="45000"/>
-              <a:buFont typeface="Wingdings" charset="2"/>
-              <a:buChar char=""/>
-            </a:pPr>
-            <a:r>
-              <a:rPr b="0" lang="ru-RU" sz="3200" spc="-1" strike="noStrike">
-                <a:solidFill>
-                  <a:srgbClr val="000000"/>
-                </a:solidFill>
-                <a:uFill>
-                  <a:solidFill>
-                    <a:srgbClr val="ffffff"/>
-                  </a:solidFill>
-                </a:uFill>
-                <a:latin typeface="Arial"/>
-              </a:rPr>
-              <a:t>    </a:t>
-            </a:r>
-            <a:r>
-              <a:rPr b="0" lang="ru-RU" sz="3200" spc="-1" strike="noStrike">
-                <a:solidFill>
-                  <a:srgbClr val="000000"/>
-                </a:solidFill>
-                <a:uFill>
-                  <a:solidFill>
-                    <a:srgbClr val="ffffff"/>
-                  </a:solidFill>
-                </a:uFill>
-                <a:latin typeface="Arial"/>
-              </a:rPr>
-              <a:t>[ WHERE condition | WHERE CURRENT OF cursor_name ]</a:t>
-            </a:r>
-            <a:endParaRPr b="0" lang="ru-RU" sz="3200" spc="-1" strike="noStrike">
-              <a:solidFill>
-                <a:srgbClr val="000000"/>
-              </a:solidFill>
-              <a:uFill>
-                <a:solidFill>
-                  <a:srgbClr val="ffffff"/>
-                </a:solidFill>
-              </a:uFill>
-              <a:latin typeface="Arial"/>
-            </a:endParaRPr>
-          </a:p>
-          <a:p>
-            <a:pPr marL="432000" indent="-324000">
-              <a:spcBef>
-                <a:spcPts val="1417"/>
-              </a:spcBef>
-              <a:buClr>
-                <a:srgbClr val="000000"/>
-              </a:buClr>
-              <a:buSzPct val="45000"/>
-              <a:buFont typeface="Wingdings" charset="2"/>
-              <a:buChar char=""/>
-            </a:pPr>
-            <a:r>
-              <a:rPr b="0" lang="ru-RU" sz="3200" spc="-1" strike="noStrike">
-                <a:solidFill>
-                  <a:srgbClr val="000000"/>
-                </a:solidFill>
-                <a:uFill>
-                  <a:solidFill>
-                    <a:srgbClr val="ffffff"/>
-                  </a:solidFill>
-                </a:uFill>
-                <a:latin typeface="Arial"/>
-              </a:rPr>
-              <a:t>    </a:t>
-            </a:r>
-            <a:r>
-              <a:rPr b="0" lang="ru-RU" sz="3200" spc="-1" strike="noStrike">
-                <a:solidFill>
-                  <a:srgbClr val="000000"/>
-                </a:solidFill>
-                <a:uFill>
-                  <a:solidFill>
-                    <a:srgbClr val="ffffff"/>
-                  </a:solidFill>
-                </a:uFill>
-                <a:latin typeface="Arial"/>
-              </a:rPr>
-              <a:t>[ RETURNING * | output_expression [ [ AS ] output_name ] [, ...] ]</a:t>
+              <a:t>[ RESTART IDENTITY | CONTINUE IDENTITY ] [ CASCADE | RESTRICT ]</a:t>
             </a:r>
             <a:endParaRPr b="0" lang="ru-RU" sz="3200" spc="-1" strike="noStrike">
               <a:solidFill>
@@ -4563,14 +6155,14 @@
       </p:grpSpPr>
       <p:sp>
         <p:nvSpPr>
-          <p:cNvPr id="71" name="TextShape 1"/>
-          <p:cNvSpPr txBox="1"/>
+          <p:cNvPr id="104" name="CustomShape 1"/>
+          <p:cNvSpPr/>
           <p:nvPr/>
         </p:nvSpPr>
         <p:spPr>
           <a:xfrm>
             <a:off x="504000" y="301320"/>
-            <a:ext cx="9071640" cy="1262160"/>
+            <a:ext cx="9071280" cy="1261800"/>
           </a:xfrm>
           <a:prstGeom prst="rect">
             <a:avLst/>
@@ -4580,10 +6172,20 @@
             <a:noFill/>
           </a:ln>
         </p:spPr>
+        <p:style>
+          <a:lnRef idx="0"/>
+          <a:fillRef idx="0"/>
+          <a:effectRef idx="0"/>
+          <a:fontRef idx="minor"/>
+        </p:style>
         <p:txBody>
           <a:bodyPr lIns="0" rIns="0" tIns="0" bIns="0" anchor="ctr"/>
           <a:p>
-            <a:pPr algn="ctr"/>
+            <a:pPr algn="ctr">
+              <a:lnSpc>
+                <a:spcPct val="100000"/>
+              </a:lnSpc>
+            </a:pPr>
             <a:r>
               <a:rPr b="0" lang="ru-RU" sz="4400" spc="-1" strike="noStrike">
                 <a:solidFill>
@@ -4596,7 +6198,7 @@
                 </a:uFill>
                 <a:latin typeface="Arial"/>
               </a:rPr>
-              <a:t>TRUNCATE</a:t>
+              <a:t>VACUUM</a:t>
             </a:r>
             <a:endParaRPr b="0" lang="ru-RU" sz="4400" spc="-1" strike="noStrike">
               <a:solidFill>
@@ -4614,14 +6216,14 @@
       </p:sp>
       <p:sp>
         <p:nvSpPr>
-          <p:cNvPr id="72" name="TextShape 2"/>
-          <p:cNvSpPr txBox="1"/>
+          <p:cNvPr id="105" name="CustomShape 2"/>
+          <p:cNvSpPr/>
           <p:nvPr/>
         </p:nvSpPr>
         <p:spPr>
           <a:xfrm>
             <a:off x="504000" y="1769040"/>
-            <a:ext cx="9071640" cy="4384080"/>
+            <a:ext cx="9071280" cy="4383720"/>
           </a:xfrm>
           <a:prstGeom prst="rect">
             <a:avLst/>
@@ -4631,12 +6233,21 @@
             <a:noFill/>
           </a:ln>
         </p:spPr>
+        <p:style>
+          <a:lnRef idx="0"/>
+          <a:fillRef idx="0"/>
+          <a:effectRef idx="0"/>
+          <a:fontRef idx="minor"/>
+        </p:style>
         <p:txBody>
           <a:bodyPr lIns="0" rIns="0" tIns="0" bIns="0">
             <a:normAutofit/>
           </a:bodyPr>
           <a:p>
-            <a:pPr marL="432000" indent="-324000">
+            <a:pPr marL="432000" indent="-323640">
+              <a:lnSpc>
+                <a:spcPct val="100000"/>
+              </a:lnSpc>
               <a:spcBef>
                 <a:spcPts val="1417"/>
               </a:spcBef>
@@ -4659,22 +6270,25 @@
                 </a:uFill>
                 <a:latin typeface="Arial"/>
               </a:rPr>
-              <a:t>TRUNCATE [ TABLE ] [ ONLY ] name [ * ] [, ... ]</a:t>
-            </a:r>
-            <a:endParaRPr b="0" lang="ru-RU" sz="3200" spc="-1" strike="noStrike">
-              <a:solidFill>
-                <a:srgbClr val="000000"/>
-              </a:solidFill>
-              <a:uFill>
-                <a:solidFill>
-                  <a:srgbClr val="ffffff"/>
-                </a:solidFill>
-              </a:uFill>
-              <a:latin typeface="Arial"/>
-            </a:endParaRPr>
-          </a:p>
-          <a:p>
-            <a:pPr marL="432000" indent="-324000">
+              <a:t>VACUUM [ ( { FULL | FREEZE | VERBOSE | ANALYZE | DISABLE_PAGE_SKIPPING } [, ...] ) ] [ table_name [ (column_name [, ...] ) ] ]</a:t>
+            </a:r>
+            <a:endParaRPr b="0" lang="ru-RU" sz="3200" spc="-1" strike="noStrike">
+              <a:solidFill>
+                <a:srgbClr val="000000"/>
+              </a:solidFill>
+              <a:uFill>
+                <a:solidFill>
+                  <a:srgbClr val="ffffff"/>
+                </a:solidFill>
+              </a:uFill>
+              <a:latin typeface="Arial"/>
+            </a:endParaRPr>
+          </a:p>
+          <a:p>
+            <a:pPr marL="432000" indent="-323640">
+              <a:lnSpc>
+                <a:spcPct val="100000"/>
+              </a:lnSpc>
               <a:spcBef>
                 <a:spcPts val="1417"/>
               </a:spcBef>
@@ -4697,194 +6311,6 @@
                 </a:uFill>
                 <a:latin typeface="Arial"/>
               </a:rPr>
-              <a:t>    </a:t>
-            </a:r>
-            <a:r>
-              <a:rPr b="0" lang="ru-RU" sz="3200" spc="-1" strike="noStrike">
-                <a:solidFill>
-                  <a:srgbClr val="000000"/>
-                </a:solidFill>
-                <a:uFill>
-                  <a:solidFill>
-                    <a:srgbClr val="ffffff"/>
-                  </a:solidFill>
-                </a:uFill>
-                <a:latin typeface="Arial"/>
-              </a:rPr>
-              <a:t>[ RESTART IDENTITY | CONTINUE IDENTITY ] [ CASCADE | RESTRICT ]</a:t>
-            </a:r>
-            <a:endParaRPr b="0" lang="ru-RU" sz="3200" spc="-1" strike="noStrike">
-              <a:solidFill>
-                <a:srgbClr val="000000"/>
-              </a:solidFill>
-              <a:uFill>
-                <a:solidFill>
-                  <a:srgbClr val="ffffff"/>
-                </a:solidFill>
-              </a:uFill>
-              <a:latin typeface="Arial"/>
-            </a:endParaRPr>
-          </a:p>
-        </p:txBody>
-      </p:sp>
-    </p:spTree>
-  </p:cSld>
-</p:sld>
-</file>
-
-<file path=ppt/slides/slide18.xml><?xml version="1.0" encoding="utf-8"?>
-<p:sld xmlns:a="http://schemas.openxmlformats.org/drawingml/2006/main" xmlns:p="http://schemas.openxmlformats.org/presentationml/2006/main" xmlns:r="http://schemas.openxmlformats.org/officeDocument/2006/relationships" xmlns:p14="http://schemas.microsoft.com/office/powerpoint/2010/main" xmlns:p15="http://schemas.microsoft.com/office/powerpoint/2012/main" xmlns:mc="http://schemas.openxmlformats.org/markup-compatibility/2006">
-  <p:cSld>
-    <p:spTree>
-      <p:nvGrpSpPr>
-        <p:cNvPr id="1" name=""/>
-        <p:cNvGrpSpPr/>
-        <p:nvPr/>
-      </p:nvGrpSpPr>
-      <p:grpSpPr>
-        <a:xfrm>
-          <a:off x="0" y="0"/>
-          <a:ext cx="0" cy="0"/>
-          <a:chOff x="0" y="0"/>
-          <a:chExt cx="0" cy="0"/>
-        </a:xfrm>
-      </p:grpSpPr>
-      <p:sp>
-        <p:nvSpPr>
-          <p:cNvPr id="73" name="TextShape 1"/>
-          <p:cNvSpPr txBox="1"/>
-          <p:nvPr/>
-        </p:nvSpPr>
-        <p:spPr>
-          <a:xfrm>
-            <a:off x="504000" y="301320"/>
-            <a:ext cx="9071640" cy="1262160"/>
-          </a:xfrm>
-          <a:prstGeom prst="rect">
-            <a:avLst/>
-          </a:prstGeom>
-          <a:noFill/>
-          <a:ln>
-            <a:noFill/>
-          </a:ln>
-        </p:spPr>
-        <p:txBody>
-          <a:bodyPr lIns="0" rIns="0" tIns="0" bIns="0" anchor="ctr"/>
-          <a:p>
-            <a:pPr algn="ctr"/>
-            <a:r>
-              <a:rPr b="0" lang="ru-RU" sz="4400" spc="-1" strike="noStrike">
-                <a:solidFill>
-                  <a:srgbClr val="000000"/>
-                </a:solidFill>
-                <a:uFill>
-                  <a:solidFill>
-                    <a:srgbClr val="ffffff"/>
-                  </a:solidFill>
-                </a:uFill>
-                <a:latin typeface="Arial"/>
-              </a:rPr>
-              <a:t>VACUUM</a:t>
-            </a:r>
-            <a:endParaRPr b="0" lang="ru-RU" sz="4400" spc="-1" strike="noStrike">
-              <a:solidFill>
-                <a:srgbClr val="000000"/>
-              </a:solidFill>
-              <a:uFill>
-                <a:solidFill>
-                  <a:srgbClr val="ffffff"/>
-                </a:solidFill>
-              </a:uFill>
-              <a:latin typeface="Arial"/>
-            </a:endParaRPr>
-          </a:p>
-        </p:txBody>
-      </p:sp>
-      <p:sp>
-        <p:nvSpPr>
-          <p:cNvPr id="74" name="TextShape 2"/>
-          <p:cNvSpPr txBox="1"/>
-          <p:nvPr/>
-        </p:nvSpPr>
-        <p:spPr>
-          <a:xfrm>
-            <a:off x="504000" y="1769040"/>
-            <a:ext cx="9071640" cy="4384080"/>
-          </a:xfrm>
-          <a:prstGeom prst="rect">
-            <a:avLst/>
-          </a:prstGeom>
-          <a:noFill/>
-          <a:ln>
-            <a:noFill/>
-          </a:ln>
-        </p:spPr>
-        <p:txBody>
-          <a:bodyPr lIns="0" rIns="0" tIns="0" bIns="0">
-            <a:normAutofit/>
-          </a:bodyPr>
-          <a:p>
-            <a:pPr marL="432000" indent="-324000">
-              <a:spcBef>
-                <a:spcPts val="1417"/>
-              </a:spcBef>
-              <a:buClr>
-                <a:srgbClr val="000000"/>
-              </a:buClr>
-              <a:buSzPct val="45000"/>
-              <a:buFont typeface="Wingdings" charset="2"/>
-              <a:buChar char=""/>
-            </a:pPr>
-            <a:r>
-              <a:rPr b="0" lang="ru-RU" sz="3200" spc="-1" strike="noStrike">
-                <a:solidFill>
-                  <a:srgbClr val="000000"/>
-                </a:solidFill>
-                <a:uFill>
-                  <a:solidFill>
-                    <a:srgbClr val="ffffff"/>
-                  </a:solidFill>
-                </a:uFill>
-                <a:latin typeface="Arial"/>
-              </a:rPr>
-              <a:t>VACUUM [ ( { FULL | FREEZE | VERBOSE | ANALYZE | DISABLE_PAGE_SKIPPING } [, ...] ) ] [ table_name [ (column_name [, ...] ) ] ]</a:t>
-            </a:r>
-            <a:endParaRPr b="0" lang="ru-RU" sz="3200" spc="-1" strike="noStrike">
-              <a:solidFill>
-                <a:srgbClr val="000000"/>
-              </a:solidFill>
-              <a:uFill>
-                <a:solidFill>
-                  <a:srgbClr val="ffffff"/>
-                </a:solidFill>
-              </a:uFill>
-              <a:latin typeface="Arial"/>
-            </a:endParaRPr>
-          </a:p>
-          <a:p>
-            <a:pPr marL="432000" indent="-324000">
-              <a:spcBef>
-                <a:spcPts val="1417"/>
-              </a:spcBef>
-              <a:buClr>
-                <a:srgbClr val="000000"/>
-              </a:buClr>
-              <a:buSzPct val="45000"/>
-              <a:buFont typeface="Wingdings" charset="2"/>
-              <a:buChar char=""/>
-            </a:pPr>
-            <a:r>
-              <a:rPr b="0" lang="ru-RU" sz="3200" spc="-1" strike="noStrike">
-                <a:solidFill>
-                  <a:srgbClr val="000000"/>
-                </a:solidFill>
-                <a:uFill>
-                  <a:solidFill>
-                    <a:srgbClr val="ffffff"/>
-                  </a:solidFill>
-                </a:uFill>
-                <a:latin typeface="Arial"/>
-              </a:rPr>
               <a:t>VACUUM [ FULL ] [ FREEZE ] [ VERBOSE ] [ table_name ]</a:t>
             </a:r>
             <a:endParaRPr b="0" lang="ru-RU" sz="3200" spc="-1" strike="noStrike">
@@ -4900,7 +6326,10 @@
             </a:endParaRPr>
           </a:p>
           <a:p>
-            <a:pPr marL="432000" indent="-324000">
+            <a:pPr marL="432000" indent="-323640">
+              <a:lnSpc>
+                <a:spcPct val="100000"/>
+              </a:lnSpc>
               <a:spcBef>
                 <a:spcPts val="1417"/>
               </a:spcBef>
@@ -4963,14 +6392,14 @@
       </p:grpSpPr>
       <p:sp>
         <p:nvSpPr>
-          <p:cNvPr id="41" name="TextShape 1"/>
-          <p:cNvSpPr txBox="1"/>
+          <p:cNvPr id="74" name="CustomShape 1"/>
+          <p:cNvSpPr/>
           <p:nvPr/>
         </p:nvSpPr>
         <p:spPr>
           <a:xfrm>
             <a:off x="504000" y="301320"/>
-            <a:ext cx="9071640" cy="1262160"/>
+            <a:ext cx="9071280" cy="1261800"/>
           </a:xfrm>
           <a:prstGeom prst="rect">
             <a:avLst/>
@@ -4980,10 +6409,20 @@
             <a:noFill/>
           </a:ln>
         </p:spPr>
+        <p:style>
+          <a:lnRef idx="0"/>
+          <a:fillRef idx="0"/>
+          <a:effectRef idx="0"/>
+          <a:fontRef idx="minor"/>
+        </p:style>
         <p:txBody>
           <a:bodyPr lIns="0" rIns="0" tIns="0" bIns="0" anchor="ctr"/>
           <a:p>
-            <a:pPr algn="ctr"/>
+            <a:pPr algn="ctr">
+              <a:lnSpc>
+                <a:spcPct val="100000"/>
+              </a:lnSpc>
+            </a:pPr>
             <a:r>
               <a:rPr b="0" lang="ru-RU" sz="4400" spc="-1" strike="noStrike">
                 <a:solidFill>
@@ -5014,14 +6453,14 @@
       </p:sp>
       <p:sp>
         <p:nvSpPr>
-          <p:cNvPr id="42" name="TextShape 2"/>
-          <p:cNvSpPr txBox="1"/>
+          <p:cNvPr id="75" name="CustomShape 2"/>
+          <p:cNvSpPr/>
           <p:nvPr/>
         </p:nvSpPr>
         <p:spPr>
           <a:xfrm>
             <a:off x="504000" y="1769040"/>
-            <a:ext cx="9071640" cy="4384080"/>
+            <a:ext cx="9071280" cy="4383720"/>
           </a:xfrm>
           <a:prstGeom prst="rect">
             <a:avLst/>
@@ -5031,12 +6470,42 @@
             <a:noFill/>
           </a:ln>
         </p:spPr>
+        <p:style>
+          <a:lnRef idx="0"/>
+          <a:fillRef idx="0"/>
+          <a:effectRef idx="0"/>
+          <a:fontRef idx="minor"/>
+        </p:style>
         <p:txBody>
           <a:bodyPr lIns="0" rIns="0" tIns="0" bIns="0">
             <a:normAutofit/>
           </a:bodyPr>
           <a:p>
-            <a:pPr marL="432000" indent="-324000">
+            <a:pPr>
+              <a:lnSpc>
+                <a:spcPct val="100000"/>
+              </a:lnSpc>
+              <a:spcBef>
+                <a:spcPts val="1417"/>
+              </a:spcBef>
+            </a:pPr>
+            <a:endParaRPr b="0" lang="ru-RU" sz="1800" spc="-1" strike="noStrike">
+              <a:solidFill>
+                <a:srgbClr val="000000"/>
+              </a:solidFill>
+              <a:uFill>
+                <a:solidFill>
+                  <a:srgbClr val="ffffff"/>
+                </a:solidFill>
+              </a:uFill>
+              <a:latin typeface="Arial"/>
+            </a:endParaRPr>
+          </a:p>
+          <a:p>
+            <a:pPr marL="432000" indent="-323640">
+              <a:lnSpc>
+                <a:spcPct val="100000"/>
+              </a:lnSpc>
               <a:spcBef>
                 <a:spcPts val="1417"/>
               </a:spcBef>
@@ -5047,20 +6516,37 @@
               <a:buFont typeface="Wingdings" charset="2"/>
               <a:buChar char=""/>
             </a:pPr>
-            <a:endParaRPr b="0" lang="ru-RU" sz="3200" spc="-1" strike="noStrike">
-              <a:solidFill>
-                <a:srgbClr val="000000"/>
-              </a:solidFill>
-              <a:uFill>
-                <a:solidFill>
-                  <a:srgbClr val="ffffff"/>
-                </a:solidFill>
-              </a:uFill>
-              <a:latin typeface="Arial"/>
-            </a:endParaRPr>
-          </a:p>
-          <a:p>
-            <a:pPr marL="432000" indent="-324000">
+            <a:r>
+              <a:rPr b="0" lang="ru-RU" sz="3200" spc="-1" strike="noStrike">
+                <a:solidFill>
+                  <a:srgbClr val="000000"/>
+                </a:solidFill>
+                <a:uFill>
+                  <a:solidFill>
+                    <a:srgbClr val="ffffff"/>
+                  </a:solidFill>
+                </a:uFill>
+                <a:latin typeface="Arial"/>
+              </a:rPr>
+              <a:t>CHECK CONSTRAINTS</a:t>
+            </a:r>
+            <a:endParaRPr b="0" lang="ru-RU" sz="3200" spc="-1" strike="noStrike">
+              <a:solidFill>
+                <a:srgbClr val="000000"/>
+              </a:solidFill>
+              <a:uFill>
+                <a:solidFill>
+                  <a:srgbClr val="ffffff"/>
+                </a:solidFill>
+              </a:uFill>
+              <a:latin typeface="Arial"/>
+            </a:endParaRPr>
+          </a:p>
+          <a:p>
+            <a:pPr marL="432000" indent="-323640">
+              <a:lnSpc>
+                <a:spcPct val="100000"/>
+              </a:lnSpc>
               <a:spcBef>
                 <a:spcPts val="1417"/>
               </a:spcBef>
@@ -5083,22 +6569,25 @@
                 </a:uFill>
                 <a:latin typeface="Arial"/>
               </a:rPr>
-              <a:t>CHECK CONSTRAINTS</a:t>
-            </a:r>
-            <a:endParaRPr b="0" lang="ru-RU" sz="3200" spc="-1" strike="noStrike">
-              <a:solidFill>
-                <a:srgbClr val="000000"/>
-              </a:solidFill>
-              <a:uFill>
-                <a:solidFill>
-                  <a:srgbClr val="ffffff"/>
-                </a:solidFill>
-              </a:uFill>
-              <a:latin typeface="Arial"/>
-            </a:endParaRPr>
-          </a:p>
-          <a:p>
-            <a:pPr marL="432000" indent="-324000">
+              <a:t>NOT NULL</a:t>
+            </a:r>
+            <a:endParaRPr b="0" lang="ru-RU" sz="3200" spc="-1" strike="noStrike">
+              <a:solidFill>
+                <a:srgbClr val="000000"/>
+              </a:solidFill>
+              <a:uFill>
+                <a:solidFill>
+                  <a:srgbClr val="ffffff"/>
+                </a:solidFill>
+              </a:uFill>
+              <a:latin typeface="Arial"/>
+            </a:endParaRPr>
+          </a:p>
+          <a:p>
+            <a:pPr marL="432000" indent="-323640">
+              <a:lnSpc>
+                <a:spcPct val="100000"/>
+              </a:lnSpc>
               <a:spcBef>
                 <a:spcPts val="1417"/>
               </a:spcBef>
@@ -5110,33 +6599,36 @@
               <a:buChar char=""/>
             </a:pPr>
             <a:r>
-              <a:rPr b="0" lang="ru-RU" sz="3200" spc="-1" strike="noStrike">
-                <a:solidFill>
-                  <a:srgbClr val="000000"/>
-                </a:solidFill>
-                <a:uFill>
-                  <a:solidFill>
-                    <a:srgbClr val="ffffff"/>
-                  </a:solidFill>
-                </a:uFill>
-                <a:latin typeface="Arial"/>
-              </a:rPr>
-              <a:t>NOT NULL</a:t>
-            </a:r>
-            <a:endParaRPr b="0" lang="ru-RU" sz="3200" spc="-1" strike="noStrike">
-              <a:solidFill>
-                <a:srgbClr val="000000"/>
-              </a:solidFill>
-              <a:uFill>
-                <a:solidFill>
-                  <a:srgbClr val="ffffff"/>
-                </a:solidFill>
-              </a:uFill>
-              <a:latin typeface="Arial"/>
-            </a:endParaRPr>
-          </a:p>
-          <a:p>
-            <a:pPr marL="432000" indent="-324000">
+              <a:rPr b="1" lang="ru-RU" sz="3200" spc="-1" strike="noStrike">
+                <a:solidFill>
+                  <a:srgbClr val="000000"/>
+                </a:solidFill>
+                <a:uFill>
+                  <a:solidFill>
+                    <a:srgbClr val="ffffff"/>
+                  </a:solidFill>
+                </a:uFill>
+                <a:latin typeface="Arial"/>
+              </a:rPr>
+              <a:t>UNIQUE</a:t>
+            </a:r>
+            <a:endParaRPr b="0" lang="ru-RU" sz="3200" spc="-1" strike="noStrike">
+              <a:solidFill>
+                <a:srgbClr val="000000"/>
+              </a:solidFill>
+              <a:uFill>
+                <a:solidFill>
+                  <a:srgbClr val="ffffff"/>
+                </a:solidFill>
+              </a:uFill>
+              <a:latin typeface="Arial"/>
+            </a:endParaRPr>
+          </a:p>
+          <a:p>
+            <a:pPr marL="432000" indent="-323640">
+              <a:lnSpc>
+                <a:spcPct val="100000"/>
+              </a:lnSpc>
               <a:spcBef>
                 <a:spcPts val="1417"/>
               </a:spcBef>
@@ -5148,33 +6640,36 @@
               <a:buChar char=""/>
             </a:pPr>
             <a:r>
-              <a:rPr b="1" lang="ru-RU" sz="3200" spc="-1" strike="noStrike">
-                <a:solidFill>
-                  <a:srgbClr val="000000"/>
-                </a:solidFill>
-                <a:uFill>
-                  <a:solidFill>
-                    <a:srgbClr val="ffffff"/>
-                  </a:solidFill>
-                </a:uFill>
-                <a:latin typeface="Arial"/>
-              </a:rPr>
-              <a:t>UNIQUE</a:t>
-            </a:r>
-            <a:endParaRPr b="0" lang="ru-RU" sz="3200" spc="-1" strike="noStrike">
-              <a:solidFill>
-                <a:srgbClr val="000000"/>
-              </a:solidFill>
-              <a:uFill>
-                <a:solidFill>
-                  <a:srgbClr val="ffffff"/>
-                </a:solidFill>
-              </a:uFill>
-              <a:latin typeface="Arial"/>
-            </a:endParaRPr>
-          </a:p>
-          <a:p>
-            <a:pPr marL="432000" indent="-324000">
+              <a:rPr b="0" lang="ru-RU" sz="3200" spc="-1" strike="noStrike">
+                <a:solidFill>
+                  <a:srgbClr val="000000"/>
+                </a:solidFill>
+                <a:uFill>
+                  <a:solidFill>
+                    <a:srgbClr val="ffffff"/>
+                  </a:solidFill>
+                </a:uFill>
+                <a:latin typeface="Arial"/>
+              </a:rPr>
+              <a:t>PRIMARY KEY</a:t>
+            </a:r>
+            <a:endParaRPr b="0" lang="ru-RU" sz="3200" spc="-1" strike="noStrike">
+              <a:solidFill>
+                <a:srgbClr val="000000"/>
+              </a:solidFill>
+              <a:uFill>
+                <a:solidFill>
+                  <a:srgbClr val="ffffff"/>
+                </a:solidFill>
+              </a:uFill>
+              <a:latin typeface="Arial"/>
+            </a:endParaRPr>
+          </a:p>
+          <a:p>
+            <a:pPr marL="432000" indent="-323640">
+              <a:lnSpc>
+                <a:spcPct val="100000"/>
+              </a:lnSpc>
               <a:spcBef>
                 <a:spcPts val="1417"/>
               </a:spcBef>
@@ -5186,33 +6681,36 @@
               <a:buChar char=""/>
             </a:pPr>
             <a:r>
-              <a:rPr b="0" lang="ru-RU" sz="3200" spc="-1" strike="noStrike">
-                <a:solidFill>
-                  <a:srgbClr val="000000"/>
-                </a:solidFill>
-                <a:uFill>
-                  <a:solidFill>
-                    <a:srgbClr val="ffffff"/>
-                  </a:solidFill>
-                </a:uFill>
-                <a:latin typeface="Arial"/>
-              </a:rPr>
-              <a:t>PRIMARY KEY</a:t>
-            </a:r>
-            <a:endParaRPr b="0" lang="ru-RU" sz="3200" spc="-1" strike="noStrike">
-              <a:solidFill>
-                <a:srgbClr val="000000"/>
-              </a:solidFill>
-              <a:uFill>
-                <a:solidFill>
-                  <a:srgbClr val="ffffff"/>
-                </a:solidFill>
-              </a:uFill>
-              <a:latin typeface="Arial"/>
-            </a:endParaRPr>
-          </a:p>
-          <a:p>
-            <a:pPr marL="432000" indent="-324000">
+              <a:rPr b="1" lang="ru-RU" sz="3200" spc="-1" strike="noStrike">
+                <a:solidFill>
+                  <a:srgbClr val="000000"/>
+                </a:solidFill>
+                <a:uFill>
+                  <a:solidFill>
+                    <a:srgbClr val="ffffff"/>
+                  </a:solidFill>
+                </a:uFill>
+                <a:latin typeface="Arial"/>
+              </a:rPr>
+              <a:t>FOREIGN KEYS</a:t>
+            </a:r>
+            <a:endParaRPr b="0" lang="ru-RU" sz="3200" spc="-1" strike="noStrike">
+              <a:solidFill>
+                <a:srgbClr val="000000"/>
+              </a:solidFill>
+              <a:uFill>
+                <a:solidFill>
+                  <a:srgbClr val="ffffff"/>
+                </a:solidFill>
+              </a:uFill>
+              <a:latin typeface="Arial"/>
+            </a:endParaRPr>
+          </a:p>
+          <a:p>
+            <a:pPr marL="432000" indent="-323640">
+              <a:lnSpc>
+                <a:spcPct val="100000"/>
+              </a:lnSpc>
               <a:spcBef>
                 <a:spcPts val="1417"/>
               </a:spcBef>
@@ -5235,44 +6733,6 @@
                 </a:uFill>
                 <a:latin typeface="Arial"/>
               </a:rPr>
-              <a:t>FOREIGN KEYS</a:t>
-            </a:r>
-            <a:endParaRPr b="0" lang="ru-RU" sz="3200" spc="-1" strike="noStrike">
-              <a:solidFill>
-                <a:srgbClr val="000000"/>
-              </a:solidFill>
-              <a:uFill>
-                <a:solidFill>
-                  <a:srgbClr val="ffffff"/>
-                </a:solidFill>
-              </a:uFill>
-              <a:latin typeface="Arial"/>
-            </a:endParaRPr>
-          </a:p>
-          <a:p>
-            <a:pPr marL="432000" indent="-324000">
-              <a:spcBef>
-                <a:spcPts val="1417"/>
-              </a:spcBef>
-              <a:buClr>
-                <a:srgbClr val="000000"/>
-              </a:buClr>
-              <a:buSzPct val="45000"/>
-              <a:buFont typeface="Wingdings" charset="2"/>
-              <a:buChar char=""/>
-            </a:pPr>
-            <a:r>
-              <a:rPr b="1" lang="ru-RU" sz="3200" spc="-1" strike="noStrike">
-                <a:solidFill>
-                  <a:srgbClr val="000000"/>
-                </a:solidFill>
-                <a:uFill>
-                  <a:solidFill>
-                    <a:srgbClr val="ffffff"/>
-                  </a:solidFill>
-                </a:uFill>
-                <a:latin typeface="Arial"/>
-              </a:rPr>
               <a:t>EXCLUDE CONSTRAINTS</a:t>
             </a:r>
             <a:endParaRPr b="0" lang="ru-RU" sz="3200" spc="-1" strike="noStrike">
@@ -5291,6 +6751,33 @@
       </p:sp>
     </p:spTree>
   </p:cSld>
+  <p:timing>
+    <p:tnLst>
+      <p:par>
+        <p:cTn id="3" dur="indefinite" restart="never" nodeType="tmRoot">
+          <p:childTnLst>
+            <p:seq>
+              <p:cTn id="4" nodeType="mainSeq"/>
+              <p:prevCondLst>
+                <p:cond delay="0" evt="onPrev">
+                  <p:tgtEl>
+                    <p:sldTgt/>
+                  </p:tgtEl>
+                </p:cond>
+              </p:prevCondLst>
+              <p:nextCondLst>
+                <p:cond delay="0" evt="onNext">
+                  <p:tgtEl>
+                    <p:sldTgt/>
+                  </p:tgtEl>
+                </p:cond>
+              </p:nextCondLst>
+            </p:seq>
+          </p:childTnLst>
+        </p:cTn>
+      </p:par>
+    </p:tnLst>
+  </p:timing>
 </p:sld>
 </file>
 
@@ -5313,14 +6800,14 @@
       </p:grpSpPr>
       <p:sp>
         <p:nvSpPr>
-          <p:cNvPr id="43" name="TextShape 1"/>
-          <p:cNvSpPr txBox="1"/>
+          <p:cNvPr id="76" name="CustomShape 1"/>
+          <p:cNvSpPr/>
           <p:nvPr/>
         </p:nvSpPr>
         <p:spPr>
           <a:xfrm>
             <a:off x="504000" y="301320"/>
-            <a:ext cx="9071640" cy="1262160"/>
+            <a:ext cx="9071280" cy="1261800"/>
           </a:xfrm>
           <a:prstGeom prst="rect">
             <a:avLst/>
@@ -5330,10 +6817,20 @@
             <a:noFill/>
           </a:ln>
         </p:spPr>
+        <p:style>
+          <a:lnRef idx="0"/>
+          <a:fillRef idx="0"/>
+          <a:effectRef idx="0"/>
+          <a:fontRef idx="minor"/>
+        </p:style>
         <p:txBody>
           <a:bodyPr lIns="0" rIns="0" tIns="0" bIns="0" anchor="ctr"/>
           <a:p>
-            <a:pPr algn="ctr"/>
+            <a:pPr algn="ctr">
+              <a:lnSpc>
+                <a:spcPct val="100000"/>
+              </a:lnSpc>
+            </a:pPr>
             <a:r>
               <a:rPr b="0" lang="ru-RU" sz="4400" spc="-1" strike="noStrike">
                 <a:solidFill>
@@ -5364,14 +6861,14 @@
       </p:sp>
       <p:sp>
         <p:nvSpPr>
-          <p:cNvPr id="44" name="TextShape 2"/>
-          <p:cNvSpPr txBox="1"/>
+          <p:cNvPr id="77" name="CustomShape 2"/>
+          <p:cNvSpPr/>
           <p:nvPr/>
         </p:nvSpPr>
         <p:spPr>
           <a:xfrm>
             <a:off x="504000" y="1769040"/>
-            <a:ext cx="9071640" cy="4384080"/>
+            <a:ext cx="9071280" cy="4383720"/>
           </a:xfrm>
           <a:prstGeom prst="rect">
             <a:avLst/>
@@ -5381,12 +6878,21 @@
             <a:noFill/>
           </a:ln>
         </p:spPr>
+        <p:style>
+          <a:lnRef idx="0"/>
+          <a:fillRef idx="0"/>
+          <a:effectRef idx="0"/>
+          <a:fontRef idx="minor"/>
+        </p:style>
         <p:txBody>
           <a:bodyPr lIns="0" rIns="0" tIns="0" bIns="0">
             <a:normAutofit/>
           </a:bodyPr>
           <a:p>
-            <a:pPr marL="432000" indent="-324000">
+            <a:pPr marL="432000" indent="-323640">
+              <a:lnSpc>
+                <a:spcPct val="100000"/>
+              </a:lnSpc>
               <a:spcBef>
                 <a:spcPts val="1417"/>
               </a:spcBef>
@@ -5424,7 +6930,10 @@
             </a:endParaRPr>
           </a:p>
           <a:p>
-            <a:pPr marL="432000" indent="-324000">
+            <a:pPr marL="432000" indent="-323640">
+              <a:lnSpc>
+                <a:spcPct val="100000"/>
+              </a:lnSpc>
               <a:spcBef>
                 <a:spcPts val="1417"/>
               </a:spcBef>
@@ -5462,7 +6971,31 @@
             </a:endParaRPr>
           </a:p>
           <a:p>
-            <a:pPr marL="432000" indent="-324000">
+            <a:pPr>
+              <a:lnSpc>
+                <a:spcPct val="100000"/>
+              </a:lnSpc>
+              <a:spcBef>
+                <a:spcPts val="1417"/>
+              </a:spcBef>
+            </a:pPr>
+            <a:endParaRPr b="0" lang="ru-RU" sz="3200" spc="-1" strike="noStrike">
+              <a:solidFill>
+                <a:srgbClr val="000000"/>
+              </a:solidFill>
+              <a:uFill>
+                <a:solidFill>
+                  <a:srgbClr val="ffffff"/>
+                </a:solidFill>
+              </a:uFill>
+              <a:latin typeface="Arial"/>
+            </a:endParaRPr>
+          </a:p>
+          <a:p>
+            <a:pPr marL="432000" indent="-323640">
+              <a:lnSpc>
+                <a:spcPct val="100000"/>
+              </a:lnSpc>
               <a:spcBef>
                 <a:spcPts val="1417"/>
               </a:spcBef>
@@ -5473,20 +7006,37 @@
               <a:buFont typeface="Wingdings" charset="2"/>
               <a:buChar char=""/>
             </a:pPr>
-            <a:endParaRPr b="0" lang="ru-RU" sz="3200" spc="-1" strike="noStrike">
-              <a:solidFill>
-                <a:srgbClr val="000000"/>
-              </a:solidFill>
-              <a:uFill>
-                <a:solidFill>
-                  <a:srgbClr val="ffffff"/>
-                </a:solidFill>
-              </a:uFill>
-              <a:latin typeface="Arial"/>
-            </a:endParaRPr>
-          </a:p>
-          <a:p>
-            <a:pPr marL="432000" indent="-324000">
+            <a:r>
+              <a:rPr b="0" lang="ru-RU" sz="3200" spc="-1" strike="noStrike">
+                <a:solidFill>
+                  <a:srgbClr val="000000"/>
+                </a:solidFill>
+                <a:uFill>
+                  <a:solidFill>
+                    <a:srgbClr val="ffffff"/>
+                  </a:solidFill>
+                </a:uFill>
+                <a:latin typeface="Arial"/>
+              </a:rPr>
+              <a:t>UNIQUE (product_no)</a:t>
+            </a:r>
+            <a:endParaRPr b="0" lang="ru-RU" sz="3200" spc="-1" strike="noStrike">
+              <a:solidFill>
+                <a:srgbClr val="000000"/>
+              </a:solidFill>
+              <a:uFill>
+                <a:solidFill>
+                  <a:srgbClr val="ffffff"/>
+                </a:solidFill>
+              </a:uFill>
+              <a:latin typeface="Arial"/>
+            </a:endParaRPr>
+          </a:p>
+          <a:p>
+            <a:pPr marL="432000" indent="-323640">
+              <a:lnSpc>
+                <a:spcPct val="100000"/>
+              </a:lnSpc>
               <a:spcBef>
                 <a:spcPts val="1417"/>
               </a:spcBef>
@@ -5509,22 +7059,25 @@
                 </a:uFill>
                 <a:latin typeface="Arial"/>
               </a:rPr>
-              <a:t>UNIQUE (product_no)</a:t>
-            </a:r>
-            <a:endParaRPr b="0" lang="ru-RU" sz="3200" spc="-1" strike="noStrike">
-              <a:solidFill>
-                <a:srgbClr val="000000"/>
-              </a:solidFill>
-              <a:uFill>
-                <a:solidFill>
-                  <a:srgbClr val="ffffff"/>
-                </a:solidFill>
-              </a:uFill>
-              <a:latin typeface="Arial"/>
-            </a:endParaRPr>
-          </a:p>
-          <a:p>
-            <a:pPr marL="432000" indent="-324000">
+              <a:t>UNIQUE (a, c)</a:t>
+            </a:r>
+            <a:endParaRPr b="0" lang="ru-RU" sz="3200" spc="-1" strike="noStrike">
+              <a:solidFill>
+                <a:srgbClr val="000000"/>
+              </a:solidFill>
+              <a:uFill>
+                <a:solidFill>
+                  <a:srgbClr val="ffffff"/>
+                </a:solidFill>
+              </a:uFill>
+              <a:latin typeface="Arial"/>
+            </a:endParaRPr>
+          </a:p>
+          <a:p>
+            <a:pPr marL="432000" indent="-323640">
+              <a:lnSpc>
+                <a:spcPct val="100000"/>
+              </a:lnSpc>
               <a:spcBef>
                 <a:spcPts val="1417"/>
               </a:spcBef>
@@ -5547,44 +7100,6 @@
                 </a:uFill>
                 <a:latin typeface="Arial"/>
               </a:rPr>
-              <a:t>UNIQUE (a, c)</a:t>
-            </a:r>
-            <a:endParaRPr b="0" lang="ru-RU" sz="3200" spc="-1" strike="noStrike">
-              <a:solidFill>
-                <a:srgbClr val="000000"/>
-              </a:solidFill>
-              <a:uFill>
-                <a:solidFill>
-                  <a:srgbClr val="ffffff"/>
-                </a:solidFill>
-              </a:uFill>
-              <a:latin typeface="Arial"/>
-            </a:endParaRPr>
-          </a:p>
-          <a:p>
-            <a:pPr marL="432000" indent="-324000">
-              <a:spcBef>
-                <a:spcPts val="1417"/>
-              </a:spcBef>
-              <a:buClr>
-                <a:srgbClr val="000000"/>
-              </a:buClr>
-              <a:buSzPct val="45000"/>
-              <a:buFont typeface="Wingdings" charset="2"/>
-              <a:buChar char=""/>
-            </a:pPr>
-            <a:r>
-              <a:rPr b="0" lang="ru-RU" sz="3200" spc="-1" strike="noStrike">
-                <a:solidFill>
-                  <a:srgbClr val="000000"/>
-                </a:solidFill>
-                <a:uFill>
-                  <a:solidFill>
-                    <a:srgbClr val="ffffff"/>
-                  </a:solidFill>
-                </a:uFill>
-                <a:latin typeface="Arial"/>
-              </a:rPr>
               <a:t>CONSTRAINT UK_tbl_a_c UNIQUE (a, c)</a:t>
             </a:r>
             <a:endParaRPr b="0" lang="ru-RU" sz="3200" spc="-1" strike="noStrike">
@@ -5603,6 +7118,33 @@
       </p:sp>
     </p:spTree>
   </p:cSld>
+  <p:timing>
+    <p:tnLst>
+      <p:par>
+        <p:cTn id="5" dur="indefinite" restart="never" nodeType="tmRoot">
+          <p:childTnLst>
+            <p:seq>
+              <p:cTn id="6" nodeType="mainSeq"/>
+              <p:prevCondLst>
+                <p:cond delay="0" evt="onPrev">
+                  <p:tgtEl>
+                    <p:sldTgt/>
+                  </p:tgtEl>
+                </p:cond>
+              </p:prevCondLst>
+              <p:nextCondLst>
+                <p:cond delay="0" evt="onNext">
+                  <p:tgtEl>
+                    <p:sldTgt/>
+                  </p:tgtEl>
+                </p:cond>
+              </p:nextCondLst>
+            </p:seq>
+          </p:childTnLst>
+        </p:cTn>
+      </p:par>
+    </p:tnLst>
+  </p:timing>
 </p:sld>
 </file>
 
@@ -5625,14 +7167,14 @@
       </p:grpSpPr>
       <p:sp>
         <p:nvSpPr>
-          <p:cNvPr id="45" name="TextShape 1"/>
-          <p:cNvSpPr txBox="1"/>
+          <p:cNvPr id="78" name="CustomShape 1"/>
+          <p:cNvSpPr/>
           <p:nvPr/>
         </p:nvSpPr>
         <p:spPr>
           <a:xfrm>
             <a:off x="504000" y="301320"/>
-            <a:ext cx="9071640" cy="1262160"/>
+            <a:ext cx="9071280" cy="1261800"/>
           </a:xfrm>
           <a:prstGeom prst="rect">
             <a:avLst/>
@@ -5642,10 +7184,20 @@
             <a:noFill/>
           </a:ln>
         </p:spPr>
+        <p:style>
+          <a:lnRef idx="0"/>
+          <a:fillRef idx="0"/>
+          <a:effectRef idx="0"/>
+          <a:fontRef idx="minor"/>
+        </p:style>
         <p:txBody>
           <a:bodyPr lIns="0" rIns="0" tIns="0" bIns="0" anchor="ctr"/>
           <a:p>
-            <a:pPr algn="ctr"/>
+            <a:pPr algn="ctr">
+              <a:lnSpc>
+                <a:spcPct val="100000"/>
+              </a:lnSpc>
+            </a:pPr>
             <a:r>
               <a:rPr b="0" lang="ru-RU" sz="4400" spc="-1" strike="noStrike">
                 <a:solidFill>
@@ -5676,14 +7228,14 @@
       </p:sp>
       <p:sp>
         <p:nvSpPr>
-          <p:cNvPr id="46" name="TextShape 2"/>
-          <p:cNvSpPr txBox="1"/>
+          <p:cNvPr id="79" name="CustomShape 2"/>
+          <p:cNvSpPr/>
           <p:nvPr/>
         </p:nvSpPr>
         <p:spPr>
           <a:xfrm>
             <a:off x="504000" y="1769040"/>
-            <a:ext cx="9071640" cy="4384080"/>
+            <a:ext cx="9071280" cy="4383720"/>
           </a:xfrm>
           <a:prstGeom prst="rect">
             <a:avLst/>
@@ -5693,12 +7245,21 @@
             <a:noFill/>
           </a:ln>
         </p:spPr>
+        <p:style>
+          <a:lnRef idx="0"/>
+          <a:fillRef idx="0"/>
+          <a:effectRef idx="0"/>
+          <a:fontRef idx="minor"/>
+        </p:style>
         <p:txBody>
           <a:bodyPr lIns="0" rIns="0" tIns="0" bIns="0">
             <a:normAutofit/>
           </a:bodyPr>
           <a:p>
-            <a:pPr marL="432000" indent="-324000">
+            <a:pPr marL="432000" indent="-323640">
+              <a:lnSpc>
+                <a:spcPct val="100000"/>
+              </a:lnSpc>
               <a:spcBef>
                 <a:spcPts val="1417"/>
               </a:spcBef>
@@ -5736,7 +7297,10 @@
             </a:endParaRPr>
           </a:p>
           <a:p>
-            <a:pPr marL="432000" indent="-324000">
+            <a:pPr marL="432000" indent="-323640">
+              <a:lnSpc>
+                <a:spcPct val="100000"/>
+              </a:lnSpc>
               <a:spcBef>
                 <a:spcPts val="1417"/>
               </a:spcBef>
@@ -5788,7 +7352,10 @@
             </a:endParaRPr>
           </a:p>
           <a:p>
-            <a:pPr marL="432000" indent="-324000">
+            <a:pPr marL="432000" indent="-323640">
+              <a:lnSpc>
+                <a:spcPct val="100000"/>
+              </a:lnSpc>
               <a:spcBef>
                 <a:spcPts val="1417"/>
               </a:spcBef>
@@ -5840,7 +7407,10 @@
             </a:endParaRPr>
           </a:p>
           <a:p>
-            <a:pPr marL="432000" indent="-324000">
+            <a:pPr marL="432000" indent="-323640">
+              <a:lnSpc>
+                <a:spcPct val="100000"/>
+              </a:lnSpc>
               <a:spcBef>
                 <a:spcPts val="1417"/>
               </a:spcBef>
@@ -5881,6 +7451,33 @@
       </p:sp>
     </p:spTree>
   </p:cSld>
+  <p:timing>
+    <p:tnLst>
+      <p:par>
+        <p:cTn id="7" dur="indefinite" restart="never" nodeType="tmRoot">
+          <p:childTnLst>
+            <p:seq>
+              <p:cTn id="8" nodeType="mainSeq"/>
+              <p:prevCondLst>
+                <p:cond delay="0" evt="onPrev">
+                  <p:tgtEl>
+                    <p:sldTgt/>
+                  </p:tgtEl>
+                </p:cond>
+              </p:prevCondLst>
+              <p:nextCondLst>
+                <p:cond delay="0" evt="onNext">
+                  <p:tgtEl>
+                    <p:sldTgt/>
+                  </p:tgtEl>
+                </p:cond>
+              </p:nextCondLst>
+            </p:seq>
+          </p:childTnLst>
+        </p:cTn>
+      </p:par>
+    </p:tnLst>
+  </p:timing>
 </p:sld>
 </file>
 
@@ -5903,14 +7500,14 @@
       </p:grpSpPr>
       <p:sp>
         <p:nvSpPr>
-          <p:cNvPr id="47" name="TextShape 1"/>
-          <p:cNvSpPr txBox="1"/>
+          <p:cNvPr id="80" name="CustomShape 1"/>
+          <p:cNvSpPr/>
           <p:nvPr/>
         </p:nvSpPr>
         <p:spPr>
           <a:xfrm>
             <a:off x="504000" y="301320"/>
-            <a:ext cx="9071640" cy="1262160"/>
+            <a:ext cx="9071280" cy="1261800"/>
           </a:xfrm>
           <a:prstGeom prst="rect">
             <a:avLst/>
@@ -5920,10 +7517,20 @@
             <a:noFill/>
           </a:ln>
         </p:spPr>
+        <p:style>
+          <a:lnRef idx="0"/>
+          <a:fillRef idx="0"/>
+          <a:effectRef idx="0"/>
+          <a:fontRef idx="minor"/>
+        </p:style>
         <p:txBody>
           <a:bodyPr lIns="0" rIns="0" tIns="0" bIns="0" anchor="ctr"/>
           <a:p>
-            <a:pPr algn="ctr"/>
+            <a:pPr algn="ctr">
+              <a:lnSpc>
+                <a:spcPct val="100000"/>
+              </a:lnSpc>
+            </a:pPr>
             <a:r>
               <a:rPr b="0" lang="ru-RU" sz="4400" spc="-1" strike="noStrike">
                 <a:solidFill>
@@ -5954,14 +7561,14 @@
       </p:sp>
       <p:sp>
         <p:nvSpPr>
-          <p:cNvPr id="48" name="TextShape 2"/>
-          <p:cNvSpPr txBox="1"/>
+          <p:cNvPr id="81" name="CustomShape 2"/>
+          <p:cNvSpPr/>
           <p:nvPr/>
         </p:nvSpPr>
         <p:spPr>
           <a:xfrm>
             <a:off x="504000" y="1769040"/>
-            <a:ext cx="9071640" cy="4384080"/>
+            <a:ext cx="9071280" cy="4383720"/>
           </a:xfrm>
           <a:prstGeom prst="rect">
             <a:avLst/>
@@ -5971,12 +7578,21 @@
             <a:noFill/>
           </a:ln>
         </p:spPr>
+        <p:style>
+          <a:lnRef idx="0"/>
+          <a:fillRef idx="0"/>
+          <a:effectRef idx="0"/>
+          <a:fontRef idx="minor"/>
+        </p:style>
         <p:txBody>
           <a:bodyPr lIns="0" rIns="0" tIns="0" bIns="0">
             <a:normAutofit/>
           </a:bodyPr>
           <a:p>
-            <a:pPr marL="432000" indent="-324000">
+            <a:pPr marL="432000" indent="-323640">
+              <a:lnSpc>
+                <a:spcPct val="100000"/>
+              </a:lnSpc>
               <a:spcBef>
                 <a:spcPts val="1417"/>
               </a:spcBef>
@@ -6014,7 +7630,10 @@
             </a:endParaRPr>
           </a:p>
           <a:p>
-            <a:pPr marL="432000" indent="-324000">
+            <a:pPr marL="432000" indent="-323640">
+              <a:lnSpc>
+                <a:spcPct val="100000"/>
+              </a:lnSpc>
               <a:spcBef>
                 <a:spcPts val="1417"/>
               </a:spcBef>
@@ -6052,7 +7671,10 @@
             </a:endParaRPr>
           </a:p>
           <a:p>
-            <a:pPr marL="432000" indent="-324000">
+            <a:pPr marL="432000" indent="-323640">
+              <a:lnSpc>
+                <a:spcPct val="100000"/>
+              </a:lnSpc>
               <a:spcBef>
                 <a:spcPts val="1417"/>
               </a:spcBef>
@@ -6090,7 +7712,31 @@
             </a:endParaRPr>
           </a:p>
           <a:p>
-            <a:pPr marL="432000" indent="-324000">
+            <a:pPr>
+              <a:lnSpc>
+                <a:spcPct val="100000"/>
+              </a:lnSpc>
+              <a:spcBef>
+                <a:spcPts val="1417"/>
+              </a:spcBef>
+            </a:pPr>
+            <a:endParaRPr b="0" lang="ru-RU" sz="3200" spc="-1" strike="noStrike">
+              <a:solidFill>
+                <a:srgbClr val="000000"/>
+              </a:solidFill>
+              <a:uFill>
+                <a:solidFill>
+                  <a:srgbClr val="ffffff"/>
+                </a:solidFill>
+              </a:uFill>
+              <a:latin typeface="Arial"/>
+            </a:endParaRPr>
+          </a:p>
+          <a:p>
+            <a:pPr marL="432000" indent="-323640">
+              <a:lnSpc>
+                <a:spcPct val="100000"/>
+              </a:lnSpc>
               <a:spcBef>
                 <a:spcPts val="1417"/>
               </a:spcBef>
@@ -6101,20 +7747,37 @@
               <a:buFont typeface="Wingdings" charset="2"/>
               <a:buChar char=""/>
             </a:pPr>
-            <a:endParaRPr b="0" lang="ru-RU" sz="3200" spc="-1" strike="noStrike">
-              <a:solidFill>
-                <a:srgbClr val="000000"/>
-              </a:solidFill>
-              <a:uFill>
-                <a:solidFill>
-                  <a:srgbClr val="ffffff"/>
-                </a:solidFill>
-              </a:uFill>
-              <a:latin typeface="Arial"/>
-            </a:endParaRPr>
-          </a:p>
-          <a:p>
-            <a:pPr marL="432000" indent="-324000">
+            <a:r>
+              <a:rPr b="0" lang="ru-RU" sz="3200" spc="-1" strike="noStrike">
+                <a:solidFill>
+                  <a:srgbClr val="000000"/>
+                </a:solidFill>
+                <a:uFill>
+                  <a:solidFill>
+                    <a:srgbClr val="ffffff"/>
+                  </a:solidFill>
+                </a:uFill>
+                <a:latin typeface="Arial"/>
+              </a:rPr>
+              <a:t>FOREIGN KEY (b, c) REFERENCES other_table (c1, c2)</a:t>
+            </a:r>
+            <a:endParaRPr b="0" lang="ru-RU" sz="3200" spc="-1" strike="noStrike">
+              <a:solidFill>
+                <a:srgbClr val="000000"/>
+              </a:solidFill>
+              <a:uFill>
+                <a:solidFill>
+                  <a:srgbClr val="ffffff"/>
+                </a:solidFill>
+              </a:uFill>
+              <a:latin typeface="Arial"/>
+            </a:endParaRPr>
+          </a:p>
+          <a:p>
+            <a:pPr marL="432000" indent="-323640">
+              <a:lnSpc>
+                <a:spcPct val="100000"/>
+              </a:lnSpc>
               <a:spcBef>
                 <a:spcPts val="1417"/>
               </a:spcBef>
@@ -6137,44 +7800,6 @@
                 </a:uFill>
                 <a:latin typeface="Arial"/>
               </a:rPr>
-              <a:t>FOREIGN KEY (b, c) REFERENCES other_table (c1, c2)</a:t>
-            </a:r>
-            <a:endParaRPr b="0" lang="ru-RU" sz="3200" spc="-1" strike="noStrike">
-              <a:solidFill>
-                <a:srgbClr val="000000"/>
-              </a:solidFill>
-              <a:uFill>
-                <a:solidFill>
-                  <a:srgbClr val="ffffff"/>
-                </a:solidFill>
-              </a:uFill>
-              <a:latin typeface="Arial"/>
-            </a:endParaRPr>
-          </a:p>
-          <a:p>
-            <a:pPr marL="432000" indent="-324000">
-              <a:spcBef>
-                <a:spcPts val="1417"/>
-              </a:spcBef>
-              <a:buClr>
-                <a:srgbClr val="000000"/>
-              </a:buClr>
-              <a:buSzPct val="45000"/>
-              <a:buFont typeface="Wingdings" charset="2"/>
-              <a:buChar char=""/>
-            </a:pPr>
-            <a:r>
-              <a:rPr b="0" lang="ru-RU" sz="3200" spc="-1" strike="noStrike">
-                <a:solidFill>
-                  <a:srgbClr val="000000"/>
-                </a:solidFill>
-                <a:uFill>
-                  <a:solidFill>
-                    <a:srgbClr val="ffffff"/>
-                  </a:solidFill>
-                </a:uFill>
-                <a:latin typeface="Arial"/>
-              </a:rPr>
               <a:t>CONSTRAINT FK_tbl_other_tbl FOREIGN KEY (b, c) REFERENCES other_tbl (c1, c2)</a:t>
             </a:r>
             <a:endParaRPr b="0" lang="ru-RU" sz="3200" spc="-1" strike="noStrike">
@@ -6193,6 +7818,33 @@
       </p:sp>
     </p:spTree>
   </p:cSld>
+  <p:timing>
+    <p:tnLst>
+      <p:par>
+        <p:cTn id="9" dur="indefinite" restart="never" nodeType="tmRoot">
+          <p:childTnLst>
+            <p:seq>
+              <p:cTn id="10" nodeType="mainSeq"/>
+              <p:prevCondLst>
+                <p:cond delay="0" evt="onPrev">
+                  <p:tgtEl>
+                    <p:sldTgt/>
+                  </p:tgtEl>
+                </p:cond>
+              </p:prevCondLst>
+              <p:nextCondLst>
+                <p:cond delay="0" evt="onNext">
+                  <p:tgtEl>
+                    <p:sldTgt/>
+                  </p:tgtEl>
+                </p:cond>
+              </p:nextCondLst>
+            </p:seq>
+          </p:childTnLst>
+        </p:cTn>
+      </p:par>
+    </p:tnLst>
+  </p:timing>
 </p:sld>
 </file>
 
@@ -6215,14 +7867,14 @@
       </p:grpSpPr>
       <p:sp>
         <p:nvSpPr>
-          <p:cNvPr id="49" name="TextShape 1"/>
-          <p:cNvSpPr txBox="1"/>
+          <p:cNvPr id="82" name="CustomShape 1"/>
+          <p:cNvSpPr/>
           <p:nvPr/>
         </p:nvSpPr>
         <p:spPr>
           <a:xfrm>
             <a:off x="504000" y="301320"/>
-            <a:ext cx="9071640" cy="1262160"/>
+            <a:ext cx="9071280" cy="1261800"/>
           </a:xfrm>
           <a:prstGeom prst="rect">
             <a:avLst/>
@@ -6232,10 +7884,20 @@
             <a:noFill/>
           </a:ln>
         </p:spPr>
+        <p:style>
+          <a:lnRef idx="0"/>
+          <a:fillRef idx="0"/>
+          <a:effectRef idx="0"/>
+          <a:fontRef idx="minor"/>
+        </p:style>
         <p:txBody>
           <a:bodyPr lIns="0" rIns="0" tIns="0" bIns="0" anchor="ctr"/>
           <a:p>
-            <a:pPr algn="ctr"/>
+            <a:pPr algn="ctr">
+              <a:lnSpc>
+                <a:spcPct val="100000"/>
+              </a:lnSpc>
+            </a:pPr>
             <a:r>
               <a:rPr b="0" lang="ru-RU" sz="4400" spc="-1" strike="noStrike">
                 <a:solidFill>
@@ -6248,7 +7910,7 @@
                 </a:uFill>
                 <a:latin typeface="Arial"/>
               </a:rPr>
-              <a:t>Match</a:t>
+              <a:t>On Delete | On Update</a:t>
             </a:r>
             <a:endParaRPr b="0" lang="ru-RU" sz="4400" spc="-1" strike="noStrike">
               <a:solidFill>
@@ -6266,14 +7928,14 @@
       </p:sp>
       <p:sp>
         <p:nvSpPr>
-          <p:cNvPr id="50" name="TextShape 2"/>
-          <p:cNvSpPr txBox="1"/>
+          <p:cNvPr id="83" name="CustomShape 2"/>
+          <p:cNvSpPr/>
           <p:nvPr/>
         </p:nvSpPr>
         <p:spPr>
           <a:xfrm>
             <a:off x="504000" y="1769040"/>
-            <a:ext cx="9071640" cy="4384080"/>
+            <a:ext cx="9071280" cy="4383720"/>
           </a:xfrm>
           <a:prstGeom prst="rect">
             <a:avLst/>
@@ -6283,12 +7945,21 @@
             <a:noFill/>
           </a:ln>
         </p:spPr>
+        <p:style>
+          <a:lnRef idx="0"/>
+          <a:fillRef idx="0"/>
+          <a:effectRef idx="0"/>
+          <a:fontRef idx="minor"/>
+        </p:style>
         <p:txBody>
           <a:bodyPr lIns="0" rIns="0" tIns="0" bIns="0">
             <a:normAutofit/>
           </a:bodyPr>
           <a:p>
-            <a:pPr marL="432000" indent="-324000">
+            <a:pPr marL="432000" indent="-323640">
+              <a:lnSpc>
+                <a:spcPct val="100000"/>
+              </a:lnSpc>
               <a:spcBef>
                 <a:spcPts val="1417"/>
               </a:spcBef>
@@ -6311,22 +7982,25 @@
                 </a:uFill>
                 <a:latin typeface="Arial"/>
               </a:rPr>
-              <a:t>MATCH FULL (полное совпадение)</a:t>
-            </a:r>
-            <a:endParaRPr b="0" lang="ru-RU" sz="3200" spc="-1" strike="noStrike">
-              <a:solidFill>
-                <a:srgbClr val="000000"/>
-              </a:solidFill>
-              <a:uFill>
-                <a:solidFill>
-                  <a:srgbClr val="ffffff"/>
-                </a:solidFill>
-              </a:uFill>
-              <a:latin typeface="Arial"/>
-            </a:endParaRPr>
-          </a:p>
-          <a:p>
-            <a:pPr marL="432000" indent="-324000">
+              <a:t>order_id integer REFERENCES products {ON DELETE | ON UPDATE} NO ACTION</a:t>
+            </a:r>
+            <a:endParaRPr b="0" lang="ru-RU" sz="3200" spc="-1" strike="noStrike">
+              <a:solidFill>
+                <a:srgbClr val="000000"/>
+              </a:solidFill>
+              <a:uFill>
+                <a:solidFill>
+                  <a:srgbClr val="ffffff"/>
+                </a:solidFill>
+              </a:uFill>
+              <a:latin typeface="Arial"/>
+            </a:endParaRPr>
+          </a:p>
+          <a:p>
+            <a:pPr marL="432000" indent="-323640">
+              <a:lnSpc>
+                <a:spcPct val="100000"/>
+              </a:lnSpc>
               <a:spcBef>
                 <a:spcPts val="1417"/>
               </a:spcBef>
@@ -6349,22 +8023,25 @@
                 </a:uFill>
                 <a:latin typeface="Arial"/>
               </a:rPr>
-              <a:t>MATCH PARTIAL (частичное совпадение) </a:t>
-            </a:r>
-            <a:endParaRPr b="0" lang="ru-RU" sz="3200" spc="-1" strike="noStrike">
-              <a:solidFill>
-                <a:srgbClr val="000000"/>
-              </a:solidFill>
-              <a:uFill>
-                <a:solidFill>
-                  <a:srgbClr val="ffffff"/>
-                </a:solidFill>
-              </a:uFill>
-              <a:latin typeface="Arial"/>
-            </a:endParaRPr>
-          </a:p>
-          <a:p>
-            <a:pPr marL="432000" indent="-324000">
+              <a:t>order_id integer REFERENCES products {ON DELETE | ON UPDATE} RESTRICT</a:t>
+            </a:r>
+            <a:endParaRPr b="0" lang="ru-RU" sz="3200" spc="-1" strike="noStrike">
+              <a:solidFill>
+                <a:srgbClr val="000000"/>
+              </a:solidFill>
+              <a:uFill>
+                <a:solidFill>
+                  <a:srgbClr val="ffffff"/>
+                </a:solidFill>
+              </a:uFill>
+              <a:latin typeface="Arial"/>
+            </a:endParaRPr>
+          </a:p>
+          <a:p>
+            <a:pPr marL="432000" indent="-323640">
+              <a:lnSpc>
+                <a:spcPct val="100000"/>
+              </a:lnSpc>
               <a:spcBef>
                 <a:spcPts val="1417"/>
               </a:spcBef>
@@ -6387,22 +8064,25 @@
                 </a:uFill>
                 <a:latin typeface="Arial"/>
               </a:rPr>
-              <a:t>MATCH SIMPLE (простое совпадение) — по умолчанию.</a:t>
-            </a:r>
-            <a:endParaRPr b="0" lang="ru-RU" sz="3200" spc="-1" strike="noStrike">
-              <a:solidFill>
-                <a:srgbClr val="000000"/>
-              </a:solidFill>
-              <a:uFill>
-                <a:solidFill>
-                  <a:srgbClr val="ffffff"/>
-                </a:solidFill>
-              </a:uFill>
-              <a:latin typeface="Arial"/>
-            </a:endParaRPr>
-          </a:p>
-          <a:p>
-            <a:pPr marL="432000" indent="-324000">
+              <a:t>order_id integer REFERENCES orders {ON DELETE | ON UPDATE} CASCADE</a:t>
+            </a:r>
+            <a:endParaRPr b="0" lang="ru-RU" sz="3200" spc="-1" strike="noStrike">
+              <a:solidFill>
+                <a:srgbClr val="000000"/>
+              </a:solidFill>
+              <a:uFill>
+                <a:solidFill>
+                  <a:srgbClr val="ffffff"/>
+                </a:solidFill>
+              </a:uFill>
+              <a:latin typeface="Arial"/>
+            </a:endParaRPr>
+          </a:p>
+          <a:p>
+            <a:pPr marL="432000" indent="-323640">
+              <a:lnSpc>
+                <a:spcPct val="100000"/>
+              </a:lnSpc>
               <a:spcBef>
                 <a:spcPts val="1417"/>
               </a:spcBef>
@@ -6413,6 +8093,61 @@
               <a:buFont typeface="Wingdings" charset="2"/>
               <a:buChar char=""/>
             </a:pPr>
+            <a:r>
+              <a:rPr b="0" lang="ru-RU" sz="3200" spc="-1" strike="noStrike">
+                <a:solidFill>
+                  <a:srgbClr val="000000"/>
+                </a:solidFill>
+                <a:uFill>
+                  <a:solidFill>
+                    <a:srgbClr val="ffffff"/>
+                  </a:solidFill>
+                </a:uFill>
+                <a:latin typeface="Arial"/>
+              </a:rPr>
+              <a:t>order_id integer REFERENCES orders {ON DELETE | ON UPDATE} SET NULL</a:t>
+            </a:r>
+            <a:endParaRPr b="0" lang="ru-RU" sz="3200" spc="-1" strike="noStrike">
+              <a:solidFill>
+                <a:srgbClr val="000000"/>
+              </a:solidFill>
+              <a:uFill>
+                <a:solidFill>
+                  <a:srgbClr val="ffffff"/>
+                </a:solidFill>
+              </a:uFill>
+              <a:latin typeface="Arial"/>
+            </a:endParaRPr>
+          </a:p>
+          <a:p>
+            <a:pPr marL="432000" indent="-323640">
+              <a:lnSpc>
+                <a:spcPct val="100000"/>
+              </a:lnSpc>
+              <a:spcBef>
+                <a:spcPts val="1417"/>
+              </a:spcBef>
+              <a:buClr>
+                <a:srgbClr val="000000"/>
+              </a:buClr>
+              <a:buSzPct val="45000"/>
+              <a:buFont typeface="Wingdings" charset="2"/>
+              <a:buChar char=""/>
+            </a:pPr>
+            <a:r>
+              <a:rPr b="0" lang="ru-RU" sz="3200" spc="-1" strike="noStrike">
+                <a:solidFill>
+                  <a:srgbClr val="000000"/>
+                </a:solidFill>
+                <a:uFill>
+                  <a:solidFill>
+                    <a:srgbClr val="ffffff"/>
+                  </a:solidFill>
+                </a:uFill>
+                <a:latin typeface="Arial"/>
+              </a:rPr>
+              <a:t>order_id integer REFERENCES orders {ON DELETE | ON UPDATE} SET DEFAULT</a:t>
+            </a:r>
             <a:endParaRPr b="0" lang="ru-RU" sz="3200" spc="-1" strike="noStrike">
               <a:solidFill>
                 <a:srgbClr val="000000"/>
@@ -6429,6 +8164,33 @@
       </p:sp>
     </p:spTree>
   </p:cSld>
+  <p:timing>
+    <p:tnLst>
+      <p:par>
+        <p:cTn id="11" dur="indefinite" restart="never" nodeType="tmRoot">
+          <p:childTnLst>
+            <p:seq>
+              <p:cTn id="12" nodeType="mainSeq"/>
+              <p:prevCondLst>
+                <p:cond delay="0" evt="onPrev">
+                  <p:tgtEl>
+                    <p:sldTgt/>
+                  </p:tgtEl>
+                </p:cond>
+              </p:prevCondLst>
+              <p:nextCondLst>
+                <p:cond delay="0" evt="onNext">
+                  <p:tgtEl>
+                    <p:sldTgt/>
+                  </p:tgtEl>
+                </p:cond>
+              </p:nextCondLst>
+            </p:seq>
+          </p:childTnLst>
+        </p:cTn>
+      </p:par>
+    </p:tnLst>
+  </p:timing>
 </p:sld>
 </file>
 
@@ -6451,14 +8213,14 @@
       </p:grpSpPr>
       <p:sp>
         <p:nvSpPr>
-          <p:cNvPr id="51" name="TextShape 1"/>
-          <p:cNvSpPr txBox="1"/>
+          <p:cNvPr id="84" name="CustomShape 1"/>
+          <p:cNvSpPr/>
           <p:nvPr/>
         </p:nvSpPr>
         <p:spPr>
           <a:xfrm>
             <a:off x="504000" y="301320"/>
-            <a:ext cx="9071640" cy="1262160"/>
+            <a:ext cx="9071280" cy="1261800"/>
           </a:xfrm>
           <a:prstGeom prst="rect">
             <a:avLst/>
@@ -6468,10 +8230,20 @@
             <a:noFill/>
           </a:ln>
         </p:spPr>
+        <p:style>
+          <a:lnRef idx="0"/>
+          <a:fillRef idx="0"/>
+          <a:effectRef idx="0"/>
+          <a:fontRef idx="minor"/>
+        </p:style>
         <p:txBody>
           <a:bodyPr lIns="0" rIns="0" tIns="0" bIns="0" anchor="ctr"/>
           <a:p>
-            <a:pPr algn="ctr"/>
+            <a:pPr algn="ctr">
+              <a:lnSpc>
+                <a:spcPct val="100000"/>
+              </a:lnSpc>
+            </a:pPr>
             <a:r>
               <a:rPr b="0" lang="ru-RU" sz="4400" spc="-1" strike="noStrike">
                 <a:solidFill>
@@ -6484,7 +8256,7 @@
                 </a:uFill>
                 <a:latin typeface="Arial"/>
               </a:rPr>
-              <a:t>On Delete | On Update</a:t>
+              <a:t>Defferable</a:t>
             </a:r>
             <a:endParaRPr b="0" lang="ru-RU" sz="4400" spc="-1" strike="noStrike">
               <a:solidFill>
@@ -6502,14 +8274,14 @@
       </p:sp>
       <p:sp>
         <p:nvSpPr>
-          <p:cNvPr id="52" name="TextShape 2"/>
-          <p:cNvSpPr txBox="1"/>
+          <p:cNvPr id="85" name="CustomShape 2"/>
+          <p:cNvSpPr/>
           <p:nvPr/>
         </p:nvSpPr>
         <p:spPr>
           <a:xfrm>
             <a:off x="504000" y="1769040"/>
-            <a:ext cx="9071640" cy="4384080"/>
+            <a:ext cx="9071280" cy="4383720"/>
           </a:xfrm>
           <a:prstGeom prst="rect">
             <a:avLst/>
@@ -6519,12 +8291,21 @@
             <a:noFill/>
           </a:ln>
         </p:spPr>
+        <p:style>
+          <a:lnRef idx="0"/>
+          <a:fillRef idx="0"/>
+          <a:effectRef idx="0"/>
+          <a:fontRef idx="minor"/>
+        </p:style>
         <p:txBody>
           <a:bodyPr lIns="0" rIns="0" tIns="0" bIns="0">
             <a:normAutofit/>
           </a:bodyPr>
           <a:p>
-            <a:pPr marL="432000" indent="-324000">
+            <a:pPr marL="432000" indent="-323640">
+              <a:lnSpc>
+                <a:spcPct val="100000"/>
+              </a:lnSpc>
               <a:spcBef>
                 <a:spcPts val="1417"/>
               </a:spcBef>
@@ -6547,22 +8328,25 @@
                 </a:uFill>
                 <a:latin typeface="Arial"/>
               </a:rPr>
-              <a:t>order_id integer REFERENCES products {ON DELETE | ON UPDATE} NO ACTION</a:t>
-            </a:r>
-            <a:endParaRPr b="0" lang="ru-RU" sz="3200" spc="-1" strike="noStrike">
-              <a:solidFill>
-                <a:srgbClr val="000000"/>
-              </a:solidFill>
-              <a:uFill>
-                <a:solidFill>
-                  <a:srgbClr val="ffffff"/>
-                </a:solidFill>
-              </a:uFill>
-              <a:latin typeface="Arial"/>
-            </a:endParaRPr>
-          </a:p>
-          <a:p>
-            <a:pPr marL="432000" indent="-324000">
+              <a:t>Это предложение определяет, может ли ограничение быть отложенным. Неоткладываемое ограничение будет проверяться немедленно после каждой команды. Проверка откладываемых ограничений может быть отложена до завершения транзакции.</a:t>
+            </a:r>
+            <a:endParaRPr b="0" lang="ru-RU" sz="3200" spc="-1" strike="noStrike">
+              <a:solidFill>
+                <a:srgbClr val="000000"/>
+              </a:solidFill>
+              <a:uFill>
+                <a:solidFill>
+                  <a:srgbClr val="ffffff"/>
+                </a:solidFill>
+              </a:uFill>
+              <a:latin typeface="Arial"/>
+            </a:endParaRPr>
+          </a:p>
+          <a:p>
+            <a:pPr marL="432000" indent="-323640">
+              <a:lnSpc>
+                <a:spcPct val="100000"/>
+              </a:lnSpc>
               <a:spcBef>
                 <a:spcPts val="1417"/>
               </a:spcBef>
@@ -6585,121 +8369,7 @@
                 </a:uFill>
                 <a:latin typeface="Arial"/>
               </a:rPr>
-              <a:t>order_id integer REFERENCES products {ON DELETE | ON UPDATE} RESTRICT</a:t>
-            </a:r>
-            <a:endParaRPr b="0" lang="ru-RU" sz="3200" spc="-1" strike="noStrike">
-              <a:solidFill>
-                <a:srgbClr val="000000"/>
-              </a:solidFill>
-              <a:uFill>
-                <a:solidFill>
-                  <a:srgbClr val="ffffff"/>
-                </a:solidFill>
-              </a:uFill>
-              <a:latin typeface="Arial"/>
-            </a:endParaRPr>
-          </a:p>
-          <a:p>
-            <a:pPr marL="432000" indent="-324000">
-              <a:spcBef>
-                <a:spcPts val="1417"/>
-              </a:spcBef>
-              <a:buClr>
-                <a:srgbClr val="000000"/>
-              </a:buClr>
-              <a:buSzPct val="45000"/>
-              <a:buFont typeface="Wingdings" charset="2"/>
-              <a:buChar char=""/>
-            </a:pPr>
-            <a:r>
-              <a:rPr b="0" lang="ru-RU" sz="3200" spc="-1" strike="noStrike">
-                <a:solidFill>
-                  <a:srgbClr val="000000"/>
-                </a:solidFill>
-                <a:uFill>
-                  <a:solidFill>
-                    <a:srgbClr val="ffffff"/>
-                  </a:solidFill>
-                </a:uFill>
-                <a:latin typeface="Arial"/>
-              </a:rPr>
-              <a:t>order_id integer REFERENCES orders {ON DELETE | ON UPDATE} CASCADE</a:t>
-            </a:r>
-            <a:endParaRPr b="0" lang="ru-RU" sz="3200" spc="-1" strike="noStrike">
-              <a:solidFill>
-                <a:srgbClr val="000000"/>
-              </a:solidFill>
-              <a:uFill>
-                <a:solidFill>
-                  <a:srgbClr val="ffffff"/>
-                </a:solidFill>
-              </a:uFill>
-              <a:latin typeface="Arial"/>
-            </a:endParaRPr>
-          </a:p>
-          <a:p>
-            <a:pPr marL="432000" indent="-324000">
-              <a:spcBef>
-                <a:spcPts val="1417"/>
-              </a:spcBef>
-              <a:buClr>
-                <a:srgbClr val="000000"/>
-              </a:buClr>
-              <a:buSzPct val="45000"/>
-              <a:buFont typeface="Wingdings" charset="2"/>
-              <a:buChar char=""/>
-            </a:pPr>
-            <a:r>
-              <a:rPr b="0" lang="ru-RU" sz="3200" spc="-1" strike="noStrike">
-                <a:solidFill>
-                  <a:srgbClr val="000000"/>
-                </a:solidFill>
-                <a:uFill>
-                  <a:solidFill>
-                    <a:srgbClr val="ffffff"/>
-                  </a:solidFill>
-                </a:uFill>
-                <a:latin typeface="Arial"/>
-              </a:rPr>
-              <a:t>order_id integer REFERENCES orders {ON DELETE | ON UPDATE} SET NULL</a:t>
-            </a:r>
-            <a:endParaRPr b="0" lang="ru-RU" sz="3200" spc="-1" strike="noStrike">
-              <a:solidFill>
-                <a:srgbClr val="000000"/>
-              </a:solidFill>
-              <a:uFill>
-                <a:solidFill>
-                  <a:srgbClr val="ffffff"/>
-                </a:solidFill>
-              </a:uFill>
-              <a:latin typeface="Arial"/>
-            </a:endParaRPr>
-          </a:p>
-          <a:p>
-            <a:pPr marL="432000" indent="-324000">
-              <a:spcBef>
-                <a:spcPts val="1417"/>
-              </a:spcBef>
-              <a:buClr>
-                <a:srgbClr val="000000"/>
-              </a:buClr>
-              <a:buSzPct val="45000"/>
-              <a:buFont typeface="Wingdings" charset="2"/>
-              <a:buChar char=""/>
-            </a:pPr>
-            <a:r>
-              <a:rPr b="0" lang="ru-RU" sz="3200" spc="-1" strike="noStrike">
-                <a:solidFill>
-                  <a:srgbClr val="000000"/>
-                </a:solidFill>
-                <a:uFill>
-                  <a:solidFill>
-                    <a:srgbClr val="ffffff"/>
-                  </a:solidFill>
-                </a:uFill>
-                <a:latin typeface="Arial"/>
-              </a:rPr>
-              <a:t>order_id integer REFERENCES orders {ON DELETE | ON UPDATE} SET DEFAULT</a:t>
+              <a:t>По умолчанию подразумевается вариант NOT DEFERRABLE. В настоящее время это предложение принимают только ограничения UNIQUE, PRIMARY KEY, EXCLUDE и REFERENCES (внешний ключ). Ограничения NOT NULL и CHECK не могут быть отложенными.</a:t>
             </a:r>
             <a:endParaRPr b="0" lang="ru-RU" sz="3200" spc="-1" strike="noStrike">
               <a:solidFill>
@@ -6717,6 +8387,33 @@
       </p:sp>
     </p:spTree>
   </p:cSld>
+  <p:timing>
+    <p:tnLst>
+      <p:par>
+        <p:cTn id="13" dur="indefinite" restart="never" nodeType="tmRoot">
+          <p:childTnLst>
+            <p:seq>
+              <p:cTn id="14" nodeType="mainSeq"/>
+              <p:prevCondLst>
+                <p:cond delay="0" evt="onPrev">
+                  <p:tgtEl>
+                    <p:sldTgt/>
+                  </p:tgtEl>
+                </p:cond>
+              </p:prevCondLst>
+              <p:nextCondLst>
+                <p:cond delay="0" evt="onNext">
+                  <p:tgtEl>
+                    <p:sldTgt/>
+                  </p:tgtEl>
+                </p:cond>
+              </p:nextCondLst>
+            </p:seq>
+          </p:childTnLst>
+        </p:cTn>
+      </p:par>
+    </p:tnLst>
+  </p:timing>
 </p:sld>
 </file>
 
@@ -6739,14 +8436,14 @@
       </p:grpSpPr>
       <p:sp>
         <p:nvSpPr>
-          <p:cNvPr id="53" name="TextShape 1"/>
-          <p:cNvSpPr txBox="1"/>
+          <p:cNvPr id="86" name="CustomShape 1"/>
+          <p:cNvSpPr/>
           <p:nvPr/>
         </p:nvSpPr>
         <p:spPr>
           <a:xfrm>
             <a:off x="504000" y="301320"/>
-            <a:ext cx="9071640" cy="1262160"/>
+            <a:ext cx="9071280" cy="1261800"/>
           </a:xfrm>
           <a:prstGeom prst="rect">
             <a:avLst/>
@@ -6756,10 +8453,20 @@
             <a:noFill/>
           </a:ln>
         </p:spPr>
+        <p:style>
+          <a:lnRef idx="0"/>
+          <a:fillRef idx="0"/>
+          <a:effectRef idx="0"/>
+          <a:fontRef idx="minor"/>
+        </p:style>
         <p:txBody>
           <a:bodyPr lIns="0" rIns="0" tIns="0" bIns="0" anchor="ctr"/>
           <a:p>
-            <a:pPr algn="ctr"/>
+            <a:pPr algn="ctr">
+              <a:lnSpc>
+                <a:spcPct val="100000"/>
+              </a:lnSpc>
+            </a:pPr>
             <a:r>
               <a:rPr b="0" lang="ru-RU" sz="4400" spc="-1" strike="noStrike">
                 <a:solidFill>
@@ -6772,7 +8479,7 @@
                 </a:uFill>
                 <a:latin typeface="Arial"/>
               </a:rPr>
-              <a:t>Defferable</a:t>
+              <a:t>Alter Table</a:t>
             </a:r>
             <a:endParaRPr b="0" lang="ru-RU" sz="4400" spc="-1" strike="noStrike">
               <a:solidFill>
@@ -6790,14 +8497,14 @@
       </p:sp>
       <p:sp>
         <p:nvSpPr>
-          <p:cNvPr id="54" name="TextShape 2"/>
-          <p:cNvSpPr txBox="1"/>
+          <p:cNvPr id="87" name="CustomShape 2"/>
+          <p:cNvSpPr/>
           <p:nvPr/>
         </p:nvSpPr>
         <p:spPr>
           <a:xfrm>
             <a:off x="504000" y="1769040"/>
-            <a:ext cx="9071640" cy="4384080"/>
+            <a:ext cx="9071280" cy="4383720"/>
           </a:xfrm>
           <a:prstGeom prst="rect">
             <a:avLst/>
@@ -6807,12 +8514,21 @@
             <a:noFill/>
           </a:ln>
         </p:spPr>
+        <p:style>
+          <a:lnRef idx="0"/>
+          <a:fillRef idx="0"/>
+          <a:effectRef idx="0"/>
+          <a:fontRef idx="minor"/>
+        </p:style>
         <p:txBody>
           <a:bodyPr lIns="0" rIns="0" tIns="0" bIns="0">
             <a:normAutofit/>
           </a:bodyPr>
           <a:p>
-            <a:pPr marL="432000" indent="-324000">
+            <a:pPr marL="432000" indent="-323640">
+              <a:lnSpc>
+                <a:spcPct val="100000"/>
+              </a:lnSpc>
               <a:spcBef>
                 <a:spcPts val="1417"/>
               </a:spcBef>
@@ -6835,22 +8551,25 @@
                 </a:uFill>
                 <a:latin typeface="Arial"/>
               </a:rPr>
-              <a:t>Это предложение определяет, может ли ограничение быть отложенным. Неоткладываемое ограничение будет проверяться немедленно после каждой команды. Проверка откладываемых ограничений может быть отложена до завершения транзакции.</a:t>
-            </a:r>
-            <a:endParaRPr b="0" lang="ru-RU" sz="3200" spc="-1" strike="noStrike">
-              <a:solidFill>
-                <a:srgbClr val="000000"/>
-              </a:solidFill>
-              <a:uFill>
-                <a:solidFill>
-                  <a:srgbClr val="ffffff"/>
-                </a:solidFill>
-              </a:uFill>
-              <a:latin typeface="Arial"/>
-            </a:endParaRPr>
-          </a:p>
-          <a:p>
-            <a:pPr marL="432000" indent="-324000">
+              <a:t>ALTER TABLE [ IF EXISTS ] [ ONLY ] name [ * ] action [, ... ]</a:t>
+            </a:r>
+            <a:endParaRPr b="0" lang="ru-RU" sz="3200" spc="-1" strike="noStrike">
+              <a:solidFill>
+                <a:srgbClr val="000000"/>
+              </a:solidFill>
+              <a:uFill>
+                <a:solidFill>
+                  <a:srgbClr val="ffffff"/>
+                </a:solidFill>
+              </a:uFill>
+              <a:latin typeface="Arial"/>
+            </a:endParaRPr>
+          </a:p>
+          <a:p>
+            <a:pPr marL="432000" indent="-323640">
+              <a:lnSpc>
+                <a:spcPct val="100000"/>
+              </a:lnSpc>
               <a:spcBef>
                 <a:spcPts val="1417"/>
               </a:spcBef>
@@ -6873,7 +8592,540 @@
                 </a:uFill>
                 <a:latin typeface="Arial"/>
               </a:rPr>
-              <a:t>По умолчанию подразумевается вариант NOT DEFERRABLE. В настоящее время это предложение принимают только ограничения UNIQUE, PRIMARY KEY, EXCLUDE и REFERENCES (внешний ключ). Ограничения NOT NULL и CHECK не могут быть отложенными.</a:t>
+              <a:t>где action:</a:t>
+            </a:r>
+            <a:endParaRPr b="0" lang="ru-RU" sz="3200" spc="-1" strike="noStrike">
+              <a:solidFill>
+                <a:srgbClr val="000000"/>
+              </a:solidFill>
+              <a:uFill>
+                <a:solidFill>
+                  <a:srgbClr val="ffffff"/>
+                </a:solidFill>
+              </a:uFill>
+              <a:latin typeface="Arial"/>
+            </a:endParaRPr>
+          </a:p>
+          <a:p>
+            <a:pPr marL="432000" indent="-323640">
+              <a:lnSpc>
+                <a:spcPct val="100000"/>
+              </a:lnSpc>
+              <a:spcBef>
+                <a:spcPts val="1417"/>
+              </a:spcBef>
+              <a:buClr>
+                <a:srgbClr val="000000"/>
+              </a:buClr>
+              <a:buSzPct val="45000"/>
+              <a:buFont typeface="Wingdings" charset="2"/>
+              <a:buChar char=""/>
+            </a:pPr>
+            <a:r>
+              <a:rPr b="0" lang="ru-RU" sz="3200" spc="-1" strike="noStrike">
+                <a:solidFill>
+                  <a:srgbClr val="000000"/>
+                </a:solidFill>
+                <a:uFill>
+                  <a:solidFill>
+                    <a:srgbClr val="ffffff"/>
+                  </a:solidFill>
+                </a:uFill>
+                <a:latin typeface="Arial"/>
+              </a:rPr>
+              <a:t>ADD [ COLUMN ] column_name data_type [ COLLATE collation ] [ column_constraint [ ... ] ]</a:t>
+            </a:r>
+            <a:endParaRPr b="0" lang="ru-RU" sz="3200" spc="-1" strike="noStrike">
+              <a:solidFill>
+                <a:srgbClr val="000000"/>
+              </a:solidFill>
+              <a:uFill>
+                <a:solidFill>
+                  <a:srgbClr val="ffffff"/>
+                </a:solidFill>
+              </a:uFill>
+              <a:latin typeface="Arial"/>
+            </a:endParaRPr>
+          </a:p>
+          <a:p>
+            <a:pPr marL="432000" indent="-323640">
+              <a:lnSpc>
+                <a:spcPct val="100000"/>
+              </a:lnSpc>
+              <a:spcBef>
+                <a:spcPts val="1417"/>
+              </a:spcBef>
+              <a:buClr>
+                <a:srgbClr val="000000"/>
+              </a:buClr>
+              <a:buSzPct val="45000"/>
+              <a:buFont typeface="Wingdings" charset="2"/>
+              <a:buChar char=""/>
+            </a:pPr>
+            <a:r>
+              <a:rPr b="0" lang="ru-RU" sz="3200" spc="-1" strike="noStrike">
+                <a:solidFill>
+                  <a:srgbClr val="000000"/>
+                </a:solidFill>
+                <a:uFill>
+                  <a:solidFill>
+                    <a:srgbClr val="ffffff"/>
+                  </a:solidFill>
+                </a:uFill>
+                <a:latin typeface="Arial"/>
+              </a:rPr>
+              <a:t>DROP [ COLUMN ] [ IF EXISTS ] column_name [ RESTRICT | CASCADE ]</a:t>
+            </a:r>
+            <a:endParaRPr b="0" lang="ru-RU" sz="3200" spc="-1" strike="noStrike">
+              <a:solidFill>
+                <a:srgbClr val="000000"/>
+              </a:solidFill>
+              <a:uFill>
+                <a:solidFill>
+                  <a:srgbClr val="ffffff"/>
+                </a:solidFill>
+              </a:uFill>
+              <a:latin typeface="Arial"/>
+            </a:endParaRPr>
+          </a:p>
+          <a:p>
+            <a:pPr marL="432000" indent="-323640">
+              <a:lnSpc>
+                <a:spcPct val="100000"/>
+              </a:lnSpc>
+              <a:spcBef>
+                <a:spcPts val="1417"/>
+              </a:spcBef>
+              <a:buClr>
+                <a:srgbClr val="000000"/>
+              </a:buClr>
+              <a:buSzPct val="45000"/>
+              <a:buFont typeface="Wingdings" charset="2"/>
+              <a:buChar char=""/>
+            </a:pPr>
+            <a:r>
+              <a:rPr b="0" lang="ru-RU" sz="3200" spc="-1" strike="noStrike">
+                <a:solidFill>
+                  <a:srgbClr val="000000"/>
+                </a:solidFill>
+                <a:uFill>
+                  <a:solidFill>
+                    <a:srgbClr val="ffffff"/>
+                  </a:solidFill>
+                </a:uFill>
+                <a:latin typeface="Arial"/>
+              </a:rPr>
+              <a:t>ALTER [ COLUMN ] column_name [ SET DATA ] TYPE data_type [ COLLATE collation ] [ USING expression ]</a:t>
+            </a:r>
+            <a:endParaRPr b="0" lang="ru-RU" sz="3200" spc="-1" strike="noStrike">
+              <a:solidFill>
+                <a:srgbClr val="000000"/>
+              </a:solidFill>
+              <a:uFill>
+                <a:solidFill>
+                  <a:srgbClr val="ffffff"/>
+                </a:solidFill>
+              </a:uFill>
+              <a:latin typeface="Arial"/>
+            </a:endParaRPr>
+          </a:p>
+          <a:p>
+            <a:pPr marL="432000" indent="-323640">
+              <a:lnSpc>
+                <a:spcPct val="100000"/>
+              </a:lnSpc>
+              <a:spcBef>
+                <a:spcPts val="1417"/>
+              </a:spcBef>
+              <a:buClr>
+                <a:srgbClr val="000000"/>
+              </a:buClr>
+              <a:buSzPct val="45000"/>
+              <a:buFont typeface="Wingdings" charset="2"/>
+              <a:buChar char=""/>
+            </a:pPr>
+            <a:r>
+              <a:rPr b="0" lang="ru-RU" sz="3200" spc="-1" strike="noStrike">
+                <a:solidFill>
+                  <a:srgbClr val="000000"/>
+                </a:solidFill>
+                <a:uFill>
+                  <a:solidFill>
+                    <a:srgbClr val="ffffff"/>
+                  </a:solidFill>
+                </a:uFill>
+                <a:latin typeface="Arial"/>
+              </a:rPr>
+              <a:t>ALTER [ COLUMN ] column_name SET DEFAULT expression</a:t>
+            </a:r>
+            <a:endParaRPr b="0" lang="ru-RU" sz="3200" spc="-1" strike="noStrike">
+              <a:solidFill>
+                <a:srgbClr val="000000"/>
+              </a:solidFill>
+              <a:uFill>
+                <a:solidFill>
+                  <a:srgbClr val="ffffff"/>
+                </a:solidFill>
+              </a:uFill>
+              <a:latin typeface="Arial"/>
+            </a:endParaRPr>
+          </a:p>
+          <a:p>
+            <a:pPr marL="432000" indent="-323640">
+              <a:lnSpc>
+                <a:spcPct val="100000"/>
+              </a:lnSpc>
+              <a:spcBef>
+                <a:spcPts val="1417"/>
+              </a:spcBef>
+              <a:buClr>
+                <a:srgbClr val="000000"/>
+              </a:buClr>
+              <a:buSzPct val="45000"/>
+              <a:buFont typeface="Wingdings" charset="2"/>
+              <a:buChar char=""/>
+            </a:pPr>
+            <a:r>
+              <a:rPr b="0" lang="ru-RU" sz="3200" spc="-1" strike="noStrike">
+                <a:solidFill>
+                  <a:srgbClr val="000000"/>
+                </a:solidFill>
+                <a:uFill>
+                  <a:solidFill>
+                    <a:srgbClr val="ffffff"/>
+                  </a:solidFill>
+                </a:uFill>
+                <a:latin typeface="Arial"/>
+              </a:rPr>
+              <a:t>ALTER [ COLUMN ] column_name DROP DEFAULT</a:t>
+            </a:r>
+            <a:endParaRPr b="0" lang="ru-RU" sz="3200" spc="-1" strike="noStrike">
+              <a:solidFill>
+                <a:srgbClr val="000000"/>
+              </a:solidFill>
+              <a:uFill>
+                <a:solidFill>
+                  <a:srgbClr val="ffffff"/>
+                </a:solidFill>
+              </a:uFill>
+              <a:latin typeface="Arial"/>
+            </a:endParaRPr>
+          </a:p>
+          <a:p>
+            <a:pPr marL="432000" indent="-323640">
+              <a:lnSpc>
+                <a:spcPct val="100000"/>
+              </a:lnSpc>
+              <a:spcBef>
+                <a:spcPts val="1417"/>
+              </a:spcBef>
+              <a:buClr>
+                <a:srgbClr val="000000"/>
+              </a:buClr>
+              <a:buSzPct val="45000"/>
+              <a:buFont typeface="Wingdings" charset="2"/>
+              <a:buChar char=""/>
+            </a:pPr>
+            <a:r>
+              <a:rPr b="0" lang="ru-RU" sz="3200" spc="-1" strike="noStrike">
+                <a:solidFill>
+                  <a:srgbClr val="000000"/>
+                </a:solidFill>
+                <a:uFill>
+                  <a:solidFill>
+                    <a:srgbClr val="ffffff"/>
+                  </a:solidFill>
+                </a:uFill>
+                <a:latin typeface="Arial"/>
+              </a:rPr>
+              <a:t>ALTER [ COLUMN ] column_name { SET | DROP } NOT NULL</a:t>
+            </a:r>
+            <a:endParaRPr b="0" lang="ru-RU" sz="3200" spc="-1" strike="noStrike">
+              <a:solidFill>
+                <a:srgbClr val="000000"/>
+              </a:solidFill>
+              <a:uFill>
+                <a:solidFill>
+                  <a:srgbClr val="ffffff"/>
+                </a:solidFill>
+              </a:uFill>
+              <a:latin typeface="Arial"/>
+            </a:endParaRPr>
+          </a:p>
+          <a:p>
+            <a:pPr marL="432000" indent="-323640">
+              <a:lnSpc>
+                <a:spcPct val="100000"/>
+              </a:lnSpc>
+              <a:spcBef>
+                <a:spcPts val="1417"/>
+              </a:spcBef>
+              <a:buClr>
+                <a:srgbClr val="000000"/>
+              </a:buClr>
+              <a:buSzPct val="45000"/>
+              <a:buFont typeface="Wingdings" charset="2"/>
+              <a:buChar char=""/>
+            </a:pPr>
+            <a:r>
+              <a:rPr b="0" lang="ru-RU" sz="3200" spc="-1" strike="noStrike">
+                <a:solidFill>
+                  <a:srgbClr val="000000"/>
+                </a:solidFill>
+                <a:uFill>
+                  <a:solidFill>
+                    <a:srgbClr val="ffffff"/>
+                  </a:solidFill>
+                </a:uFill>
+                <a:latin typeface="Arial"/>
+              </a:rPr>
+              <a:t>ALTER [ COLUMN ] column_name SET ( attribute_option = value [, ... ] )</a:t>
+            </a:r>
+            <a:endParaRPr b="0" lang="ru-RU" sz="3200" spc="-1" strike="noStrike">
+              <a:solidFill>
+                <a:srgbClr val="000000"/>
+              </a:solidFill>
+              <a:uFill>
+                <a:solidFill>
+                  <a:srgbClr val="ffffff"/>
+                </a:solidFill>
+              </a:uFill>
+              <a:latin typeface="Arial"/>
+            </a:endParaRPr>
+          </a:p>
+          <a:p>
+            <a:pPr marL="432000" indent="-323640">
+              <a:lnSpc>
+                <a:spcPct val="100000"/>
+              </a:lnSpc>
+              <a:spcBef>
+                <a:spcPts val="1417"/>
+              </a:spcBef>
+              <a:buClr>
+                <a:srgbClr val="000000"/>
+              </a:buClr>
+              <a:buSzPct val="45000"/>
+              <a:buFont typeface="Wingdings" charset="2"/>
+              <a:buChar char=""/>
+            </a:pPr>
+            <a:r>
+              <a:rPr b="0" lang="ru-RU" sz="3200" spc="-1" strike="noStrike">
+                <a:solidFill>
+                  <a:srgbClr val="000000"/>
+                </a:solidFill>
+                <a:uFill>
+                  <a:solidFill>
+                    <a:srgbClr val="ffffff"/>
+                  </a:solidFill>
+                </a:uFill>
+                <a:latin typeface="Arial"/>
+              </a:rPr>
+              <a:t>ALTER [ COLUMN ] column_name RESET ( attribute_option [, ... ] )</a:t>
+            </a:r>
+            <a:endParaRPr b="0" lang="ru-RU" sz="3200" spc="-1" strike="noStrike">
+              <a:solidFill>
+                <a:srgbClr val="000000"/>
+              </a:solidFill>
+              <a:uFill>
+                <a:solidFill>
+                  <a:srgbClr val="ffffff"/>
+                </a:solidFill>
+              </a:uFill>
+              <a:latin typeface="Arial"/>
+            </a:endParaRPr>
+          </a:p>
+          <a:p>
+            <a:pPr marL="432000" indent="-323640">
+              <a:lnSpc>
+                <a:spcPct val="100000"/>
+              </a:lnSpc>
+              <a:spcBef>
+                <a:spcPts val="1417"/>
+              </a:spcBef>
+              <a:buClr>
+                <a:srgbClr val="000000"/>
+              </a:buClr>
+              <a:buSzPct val="45000"/>
+              <a:buFont typeface="Wingdings" charset="2"/>
+              <a:buChar char=""/>
+            </a:pPr>
+            <a:r>
+              <a:rPr b="0" lang="ru-RU" sz="3200" spc="-1" strike="noStrike">
+                <a:solidFill>
+                  <a:srgbClr val="000000"/>
+                </a:solidFill>
+                <a:uFill>
+                  <a:solidFill>
+                    <a:srgbClr val="ffffff"/>
+                  </a:solidFill>
+                </a:uFill>
+                <a:latin typeface="Arial"/>
+              </a:rPr>
+              <a:t>ALTER [ COLUMN ] column_name SET STORAGE { PLAIN | EXTERNAL | EXTENDED | MAIN }</a:t>
+            </a:r>
+            <a:endParaRPr b="0" lang="ru-RU" sz="3200" spc="-1" strike="noStrike">
+              <a:solidFill>
+                <a:srgbClr val="000000"/>
+              </a:solidFill>
+              <a:uFill>
+                <a:solidFill>
+                  <a:srgbClr val="ffffff"/>
+                </a:solidFill>
+              </a:uFill>
+              <a:latin typeface="Arial"/>
+            </a:endParaRPr>
+          </a:p>
+          <a:p>
+            <a:pPr marL="432000" indent="-323640">
+              <a:lnSpc>
+                <a:spcPct val="100000"/>
+              </a:lnSpc>
+              <a:spcBef>
+                <a:spcPts val="1417"/>
+              </a:spcBef>
+              <a:buClr>
+                <a:srgbClr val="000000"/>
+              </a:buClr>
+              <a:buSzPct val="45000"/>
+              <a:buFont typeface="Wingdings" charset="2"/>
+              <a:buChar char=""/>
+            </a:pPr>
+            <a:r>
+              <a:rPr b="0" lang="ru-RU" sz="3200" spc="-1" strike="noStrike">
+                <a:solidFill>
+                  <a:srgbClr val="000000"/>
+                </a:solidFill>
+                <a:uFill>
+                  <a:solidFill>
+                    <a:srgbClr val="ffffff"/>
+                  </a:solidFill>
+                </a:uFill>
+                <a:latin typeface="Arial"/>
+              </a:rPr>
+              <a:t>ADD table_constraint [ NOT VALID ]</a:t>
+            </a:r>
+            <a:endParaRPr b="0" lang="ru-RU" sz="3200" spc="-1" strike="noStrike">
+              <a:solidFill>
+                <a:srgbClr val="000000"/>
+              </a:solidFill>
+              <a:uFill>
+                <a:solidFill>
+                  <a:srgbClr val="ffffff"/>
+                </a:solidFill>
+              </a:uFill>
+              <a:latin typeface="Arial"/>
+            </a:endParaRPr>
+          </a:p>
+          <a:p>
+            <a:pPr marL="432000" indent="-323640">
+              <a:lnSpc>
+                <a:spcPct val="100000"/>
+              </a:lnSpc>
+              <a:spcBef>
+                <a:spcPts val="1417"/>
+              </a:spcBef>
+              <a:buClr>
+                <a:srgbClr val="000000"/>
+              </a:buClr>
+              <a:buSzPct val="45000"/>
+              <a:buFont typeface="Wingdings" charset="2"/>
+              <a:buChar char=""/>
+            </a:pPr>
+            <a:r>
+              <a:rPr b="0" lang="ru-RU" sz="3200" spc="-1" strike="noStrike">
+                <a:solidFill>
+                  <a:srgbClr val="000000"/>
+                </a:solidFill>
+                <a:uFill>
+                  <a:solidFill>
+                    <a:srgbClr val="ffffff"/>
+                  </a:solidFill>
+                </a:uFill>
+                <a:latin typeface="Arial"/>
+              </a:rPr>
+              <a:t>ALTER CONSTRAINT constraint_name [ DEFERRABLE | NOT DEFERRABLE ] [ INITIALLY DEFERRED | INITIALLY IMMEDIATE ]</a:t>
+            </a:r>
+            <a:endParaRPr b="0" lang="ru-RU" sz="3200" spc="-1" strike="noStrike">
+              <a:solidFill>
+                <a:srgbClr val="000000"/>
+              </a:solidFill>
+              <a:uFill>
+                <a:solidFill>
+                  <a:srgbClr val="ffffff"/>
+                </a:solidFill>
+              </a:uFill>
+              <a:latin typeface="Arial"/>
+            </a:endParaRPr>
+          </a:p>
+          <a:p>
+            <a:pPr marL="432000" indent="-323640">
+              <a:lnSpc>
+                <a:spcPct val="100000"/>
+              </a:lnSpc>
+              <a:spcBef>
+                <a:spcPts val="1417"/>
+              </a:spcBef>
+              <a:buClr>
+                <a:srgbClr val="000000"/>
+              </a:buClr>
+              <a:buSzPct val="45000"/>
+              <a:buFont typeface="Wingdings" charset="2"/>
+              <a:buChar char=""/>
+            </a:pPr>
+            <a:r>
+              <a:rPr b="0" lang="ru-RU" sz="3200" spc="-1" strike="noStrike">
+                <a:solidFill>
+                  <a:srgbClr val="000000"/>
+                </a:solidFill>
+                <a:uFill>
+                  <a:solidFill>
+                    <a:srgbClr val="ffffff"/>
+                  </a:solidFill>
+                </a:uFill>
+                <a:latin typeface="Arial"/>
+              </a:rPr>
+              <a:t>VALIDATE CONSTRAINT constraint_name</a:t>
+            </a:r>
+            <a:endParaRPr b="0" lang="ru-RU" sz="3200" spc="-1" strike="noStrike">
+              <a:solidFill>
+                <a:srgbClr val="000000"/>
+              </a:solidFill>
+              <a:uFill>
+                <a:solidFill>
+                  <a:srgbClr val="ffffff"/>
+                </a:solidFill>
+              </a:uFill>
+              <a:latin typeface="Arial"/>
+            </a:endParaRPr>
+          </a:p>
+          <a:p>
+            <a:pPr marL="432000" indent="-323640">
+              <a:lnSpc>
+                <a:spcPct val="100000"/>
+              </a:lnSpc>
+              <a:spcBef>
+                <a:spcPts val="1417"/>
+              </a:spcBef>
+              <a:buClr>
+                <a:srgbClr val="000000"/>
+              </a:buClr>
+              <a:buSzPct val="45000"/>
+              <a:buFont typeface="Wingdings" charset="2"/>
+              <a:buChar char=""/>
+            </a:pPr>
+            <a:r>
+              <a:rPr b="0" lang="ru-RU" sz="3200" spc="-1" strike="noStrike">
+                <a:solidFill>
+                  <a:srgbClr val="000000"/>
+                </a:solidFill>
+                <a:uFill>
+                  <a:solidFill>
+                    <a:srgbClr val="ffffff"/>
+                  </a:solidFill>
+                </a:uFill>
+                <a:latin typeface="Arial"/>
+              </a:rPr>
+              <a:t>DROP CONSTRAINT [ IF EXISTS ]  constraint_name [ RESTRICT | CASCADE ]</a:t>
             </a:r>
             <a:endParaRPr b="0" lang="ru-RU" sz="3200" spc="-1" strike="noStrike">
               <a:solidFill>
@@ -6913,14 +9165,14 @@
       </p:grpSpPr>
       <p:sp>
         <p:nvSpPr>
-          <p:cNvPr id="55" name="TextShape 1"/>
-          <p:cNvSpPr txBox="1"/>
+          <p:cNvPr id="88" name="CustomShape 1"/>
+          <p:cNvSpPr/>
           <p:nvPr/>
         </p:nvSpPr>
         <p:spPr>
           <a:xfrm>
             <a:off x="504000" y="301320"/>
-            <a:ext cx="9071640" cy="1262160"/>
+            <a:ext cx="9071280" cy="1261800"/>
           </a:xfrm>
           <a:prstGeom prst="rect">
             <a:avLst/>
@@ -6930,10 +9182,20 @@
             <a:noFill/>
           </a:ln>
         </p:spPr>
+        <p:style>
+          <a:lnRef idx="0"/>
+          <a:fillRef idx="0"/>
+          <a:effectRef idx="0"/>
+          <a:fontRef idx="minor"/>
+        </p:style>
         <p:txBody>
           <a:bodyPr lIns="0" rIns="0" tIns="0" bIns="0" anchor="ctr"/>
           <a:p>
-            <a:pPr algn="ctr"/>
+            <a:pPr algn="ctr">
+              <a:lnSpc>
+                <a:spcPct val="100000"/>
+              </a:lnSpc>
+            </a:pPr>
             <a:r>
               <a:rPr b="0" lang="ru-RU" sz="4400" spc="-1" strike="noStrike">
                 <a:solidFill>
@@ -6964,14 +9226,14 @@
       </p:sp>
       <p:sp>
         <p:nvSpPr>
-          <p:cNvPr id="56" name="TextShape 2"/>
-          <p:cNvSpPr txBox="1"/>
+          <p:cNvPr id="89" name="CustomShape 2"/>
+          <p:cNvSpPr/>
           <p:nvPr/>
         </p:nvSpPr>
         <p:spPr>
           <a:xfrm>
             <a:off x="504000" y="1769040"/>
-            <a:ext cx="9071640" cy="4384080"/>
+            <a:ext cx="9071280" cy="4383720"/>
           </a:xfrm>
           <a:prstGeom prst="rect">
             <a:avLst/>
@@ -6981,12 +9243,21 @@
             <a:noFill/>
           </a:ln>
         </p:spPr>
+        <p:style>
+          <a:lnRef idx="0"/>
+          <a:fillRef idx="0"/>
+          <a:effectRef idx="0"/>
+          <a:fontRef idx="minor"/>
+        </p:style>
         <p:txBody>
           <a:bodyPr lIns="0" rIns="0" tIns="0" bIns="0">
             <a:normAutofit/>
           </a:bodyPr>
           <a:p>
-            <a:pPr marL="432000" indent="-324000">
+            <a:pPr marL="432000" indent="-323640">
+              <a:lnSpc>
+                <a:spcPct val="100000"/>
+              </a:lnSpc>
               <a:spcBef>
                 <a:spcPts val="1417"/>
               </a:spcBef>
@@ -7009,22 +9280,25 @@
                 </a:uFill>
                 <a:latin typeface="Arial"/>
               </a:rPr>
-              <a:t>ALTER TABLE [ IF EXISTS ] [ ONLY ] name [ * ] action [, ... ]</a:t>
-            </a:r>
-            <a:endParaRPr b="0" lang="ru-RU" sz="3200" spc="-1" strike="noStrike">
-              <a:solidFill>
-                <a:srgbClr val="000000"/>
-              </a:solidFill>
-              <a:uFill>
-                <a:solidFill>
-                  <a:srgbClr val="ffffff"/>
-                </a:solidFill>
-              </a:uFill>
-              <a:latin typeface="Arial"/>
-            </a:endParaRPr>
-          </a:p>
-          <a:p>
-            <a:pPr marL="432000" indent="-324000">
+              <a:t>ALTER TABLE [ IF EXISTS ] [ ONLY ] name [ * ]</a:t>
+            </a:r>
+            <a:endParaRPr b="0" lang="ru-RU" sz="3200" spc="-1" strike="noStrike">
+              <a:solidFill>
+                <a:srgbClr val="000000"/>
+              </a:solidFill>
+              <a:uFill>
+                <a:solidFill>
+                  <a:srgbClr val="ffffff"/>
+                </a:solidFill>
+              </a:uFill>
+              <a:latin typeface="Arial"/>
+            </a:endParaRPr>
+          </a:p>
+          <a:p>
+            <a:pPr marL="432000" indent="-323640">
+              <a:lnSpc>
+                <a:spcPct val="100000"/>
+              </a:lnSpc>
               <a:spcBef>
                 <a:spcPts val="1417"/>
               </a:spcBef>
@@ -7047,22 +9321,39 @@
                 </a:uFill>
                 <a:latin typeface="Arial"/>
               </a:rPr>
-              <a:t>где action:</a:t>
-            </a:r>
-            <a:endParaRPr b="0" lang="ru-RU" sz="3200" spc="-1" strike="noStrike">
-              <a:solidFill>
-                <a:srgbClr val="000000"/>
-              </a:solidFill>
-              <a:uFill>
-                <a:solidFill>
-                  <a:srgbClr val="ffffff"/>
-                </a:solidFill>
-              </a:uFill>
-              <a:latin typeface="Arial"/>
-            </a:endParaRPr>
-          </a:p>
-          <a:p>
-            <a:pPr marL="432000" indent="-324000">
+              <a:t>    </a:t>
+            </a:r>
+            <a:r>
+              <a:rPr b="0" lang="ru-RU" sz="3200" spc="-1" strike="noStrike">
+                <a:solidFill>
+                  <a:srgbClr val="000000"/>
+                </a:solidFill>
+                <a:uFill>
+                  <a:solidFill>
+                    <a:srgbClr val="ffffff"/>
+                  </a:solidFill>
+                </a:uFill>
+                <a:latin typeface="Arial"/>
+              </a:rPr>
+              <a:t>RENAME [ COLUMN ] column_name TO new_column_name</a:t>
+            </a:r>
+            <a:endParaRPr b="0" lang="ru-RU" sz="3200" spc="-1" strike="noStrike">
+              <a:solidFill>
+                <a:srgbClr val="000000"/>
+              </a:solidFill>
+              <a:uFill>
+                <a:solidFill>
+                  <a:srgbClr val="ffffff"/>
+                </a:solidFill>
+              </a:uFill>
+              <a:latin typeface="Arial"/>
+            </a:endParaRPr>
+          </a:p>
+          <a:p>
+            <a:pPr marL="432000" indent="-323640">
+              <a:lnSpc>
+                <a:spcPct val="100000"/>
+              </a:lnSpc>
               <a:spcBef>
                 <a:spcPts val="1417"/>
               </a:spcBef>
@@ -7085,22 +9376,25 @@
                 </a:uFill>
                 <a:latin typeface="Arial"/>
               </a:rPr>
-              <a:t>ADD [ COLUMN ] column_name data_type [ COLLATE collation ] [ column_constraint [ ... ] ]</a:t>
-            </a:r>
-            <a:endParaRPr b="0" lang="ru-RU" sz="3200" spc="-1" strike="noStrike">
-              <a:solidFill>
-                <a:srgbClr val="000000"/>
-              </a:solidFill>
-              <a:uFill>
-                <a:solidFill>
-                  <a:srgbClr val="ffffff"/>
-                </a:solidFill>
-              </a:uFill>
-              <a:latin typeface="Arial"/>
-            </a:endParaRPr>
-          </a:p>
-          <a:p>
-            <a:pPr marL="432000" indent="-324000">
+              <a:t>ALTER TABLE [ IF EXISTS ] [ ONLY ] name [ * ]</a:t>
+            </a:r>
+            <a:endParaRPr b="0" lang="ru-RU" sz="3200" spc="-1" strike="noStrike">
+              <a:solidFill>
+                <a:srgbClr val="000000"/>
+              </a:solidFill>
+              <a:uFill>
+                <a:solidFill>
+                  <a:srgbClr val="ffffff"/>
+                </a:solidFill>
+              </a:uFill>
+              <a:latin typeface="Arial"/>
+            </a:endParaRPr>
+          </a:p>
+          <a:p>
+            <a:pPr marL="432000" indent="-323640">
+              <a:lnSpc>
+                <a:spcPct val="100000"/>
+              </a:lnSpc>
               <a:spcBef>
                 <a:spcPts val="1417"/>
               </a:spcBef>
@@ -7123,22 +9417,39 @@
                 </a:uFill>
                 <a:latin typeface="Arial"/>
               </a:rPr>
-              <a:t>DROP [ COLUMN ] [ IF EXISTS ] column_name [ RESTRICT | CASCADE ]</a:t>
-            </a:r>
-            <a:endParaRPr b="0" lang="ru-RU" sz="3200" spc="-1" strike="noStrike">
-              <a:solidFill>
-                <a:srgbClr val="000000"/>
-              </a:solidFill>
-              <a:uFill>
-                <a:solidFill>
-                  <a:srgbClr val="ffffff"/>
-                </a:solidFill>
-              </a:uFill>
-              <a:latin typeface="Arial"/>
-            </a:endParaRPr>
-          </a:p>
-          <a:p>
-            <a:pPr marL="432000" indent="-324000">
+              <a:t>    </a:t>
+            </a:r>
+            <a:r>
+              <a:rPr b="0" lang="ru-RU" sz="3200" spc="-1" strike="noStrike">
+                <a:solidFill>
+                  <a:srgbClr val="000000"/>
+                </a:solidFill>
+                <a:uFill>
+                  <a:solidFill>
+                    <a:srgbClr val="ffffff"/>
+                  </a:solidFill>
+                </a:uFill>
+                <a:latin typeface="Arial"/>
+              </a:rPr>
+              <a:t>RENAME CONSTRAINT constraint_name TO new_constraint_name</a:t>
+            </a:r>
+            <a:endParaRPr b="0" lang="ru-RU" sz="3200" spc="-1" strike="noStrike">
+              <a:solidFill>
+                <a:srgbClr val="000000"/>
+              </a:solidFill>
+              <a:uFill>
+                <a:solidFill>
+                  <a:srgbClr val="ffffff"/>
+                </a:solidFill>
+              </a:uFill>
+              <a:latin typeface="Arial"/>
+            </a:endParaRPr>
+          </a:p>
+          <a:p>
+            <a:pPr marL="432000" indent="-323640">
+              <a:lnSpc>
+                <a:spcPct val="100000"/>
+              </a:lnSpc>
               <a:spcBef>
                 <a:spcPts val="1417"/>
               </a:spcBef>
@@ -7161,22 +9472,25 @@
                 </a:uFill>
                 <a:latin typeface="Arial"/>
               </a:rPr>
-              <a:t>ALTER [ COLUMN ] column_name [ SET DATA ] TYPE data_type [ COLLATE collation ] [ USING expression ]</a:t>
-            </a:r>
-            <a:endParaRPr b="0" lang="ru-RU" sz="3200" spc="-1" strike="noStrike">
-              <a:solidFill>
-                <a:srgbClr val="000000"/>
-              </a:solidFill>
-              <a:uFill>
-                <a:solidFill>
-                  <a:srgbClr val="ffffff"/>
-                </a:solidFill>
-              </a:uFill>
-              <a:latin typeface="Arial"/>
-            </a:endParaRPr>
-          </a:p>
-          <a:p>
-            <a:pPr marL="432000" indent="-324000">
+              <a:t>ALTER TABLE [ IF EXISTS ] name</a:t>
+            </a:r>
+            <a:endParaRPr b="0" lang="ru-RU" sz="3200" spc="-1" strike="noStrike">
+              <a:solidFill>
+                <a:srgbClr val="000000"/>
+              </a:solidFill>
+              <a:uFill>
+                <a:solidFill>
+                  <a:srgbClr val="ffffff"/>
+                </a:solidFill>
+              </a:uFill>
+              <a:latin typeface="Arial"/>
+            </a:endParaRPr>
+          </a:p>
+          <a:p>
+            <a:pPr marL="432000" indent="-323640">
+              <a:lnSpc>
+                <a:spcPct val="100000"/>
+              </a:lnSpc>
               <a:spcBef>
                 <a:spcPts val="1417"/>
               </a:spcBef>
@@ -7199,22 +9513,39 @@
                 </a:uFill>
                 <a:latin typeface="Arial"/>
               </a:rPr>
-              <a:t>ALTER [ COLUMN ] column_name SET DEFAULT expression</a:t>
-            </a:r>
-            <a:endParaRPr b="0" lang="ru-RU" sz="3200" spc="-1" strike="noStrike">
-              <a:solidFill>
-                <a:srgbClr val="000000"/>
-              </a:solidFill>
-              <a:uFill>
-                <a:solidFill>
-                  <a:srgbClr val="ffffff"/>
-                </a:solidFill>
-              </a:uFill>
-              <a:latin typeface="Arial"/>
-            </a:endParaRPr>
-          </a:p>
-          <a:p>
-            <a:pPr marL="432000" indent="-324000">
+              <a:t>    </a:t>
+            </a:r>
+            <a:r>
+              <a:rPr b="0" lang="ru-RU" sz="3200" spc="-1" strike="noStrike">
+                <a:solidFill>
+                  <a:srgbClr val="000000"/>
+                </a:solidFill>
+                <a:uFill>
+                  <a:solidFill>
+                    <a:srgbClr val="ffffff"/>
+                  </a:solidFill>
+                </a:uFill>
+                <a:latin typeface="Arial"/>
+              </a:rPr>
+              <a:t>RENAME TO new_name</a:t>
+            </a:r>
+            <a:endParaRPr b="0" lang="ru-RU" sz="3200" spc="-1" strike="noStrike">
+              <a:solidFill>
+                <a:srgbClr val="000000"/>
+              </a:solidFill>
+              <a:uFill>
+                <a:solidFill>
+                  <a:srgbClr val="ffffff"/>
+                </a:solidFill>
+              </a:uFill>
+              <a:latin typeface="Arial"/>
+            </a:endParaRPr>
+          </a:p>
+          <a:p>
+            <a:pPr marL="432000" indent="-323640">
+              <a:lnSpc>
+                <a:spcPct val="100000"/>
+              </a:lnSpc>
               <a:spcBef>
                 <a:spcPts val="1417"/>
               </a:spcBef>
@@ -7237,22 +9568,25 @@
                 </a:uFill>
                 <a:latin typeface="Arial"/>
               </a:rPr>
-              <a:t>ALTER [ COLUMN ] column_name DROP DEFAULT</a:t>
-            </a:r>
-            <a:endParaRPr b="0" lang="ru-RU" sz="3200" spc="-1" strike="noStrike">
-              <a:solidFill>
-                <a:srgbClr val="000000"/>
-              </a:solidFill>
-              <a:uFill>
-                <a:solidFill>
-                  <a:srgbClr val="ffffff"/>
-                </a:solidFill>
-              </a:uFill>
-              <a:latin typeface="Arial"/>
-            </a:endParaRPr>
-          </a:p>
-          <a:p>
-            <a:pPr marL="432000" indent="-324000">
+              <a:t>ALTER TABLE [ IF EXISTS ] name</a:t>
+            </a:r>
+            <a:endParaRPr b="0" lang="ru-RU" sz="3200" spc="-1" strike="noStrike">
+              <a:solidFill>
+                <a:srgbClr val="000000"/>
+              </a:solidFill>
+              <a:uFill>
+                <a:solidFill>
+                  <a:srgbClr val="ffffff"/>
+                </a:solidFill>
+              </a:uFill>
+              <a:latin typeface="Arial"/>
+            </a:endParaRPr>
+          </a:p>
+          <a:p>
+            <a:pPr marL="432000" indent="-323640">
+              <a:lnSpc>
+                <a:spcPct val="100000"/>
+              </a:lnSpc>
               <a:spcBef>
                 <a:spcPts val="1417"/>
               </a:spcBef>
@@ -7275,22 +9609,39 @@
                 </a:uFill>
                 <a:latin typeface="Arial"/>
               </a:rPr>
-              <a:t>ALTER [ COLUMN ] column_name { SET | DROP } NOT NULL</a:t>
-            </a:r>
-            <a:endParaRPr b="0" lang="ru-RU" sz="3200" spc="-1" strike="noStrike">
-              <a:solidFill>
-                <a:srgbClr val="000000"/>
-              </a:solidFill>
-              <a:uFill>
-                <a:solidFill>
-                  <a:srgbClr val="ffffff"/>
-                </a:solidFill>
-              </a:uFill>
-              <a:latin typeface="Arial"/>
-            </a:endParaRPr>
-          </a:p>
-          <a:p>
-            <a:pPr marL="432000" indent="-324000">
+              <a:t>    </a:t>
+            </a:r>
+            <a:r>
+              <a:rPr b="0" lang="ru-RU" sz="3200" spc="-1" strike="noStrike">
+                <a:solidFill>
+                  <a:srgbClr val="000000"/>
+                </a:solidFill>
+                <a:uFill>
+                  <a:solidFill>
+                    <a:srgbClr val="ffffff"/>
+                  </a:solidFill>
+                </a:uFill>
+                <a:latin typeface="Arial"/>
+              </a:rPr>
+              <a:t>SET SCHEMA new_schema</a:t>
+            </a:r>
+            <a:endParaRPr b="0" lang="ru-RU" sz="3200" spc="-1" strike="noStrike">
+              <a:solidFill>
+                <a:srgbClr val="000000"/>
+              </a:solidFill>
+              <a:uFill>
+                <a:solidFill>
+                  <a:srgbClr val="ffffff"/>
+                </a:solidFill>
+              </a:uFill>
+              <a:latin typeface="Arial"/>
+            </a:endParaRPr>
+          </a:p>
+          <a:p>
+            <a:pPr marL="432000" indent="-323640">
+              <a:lnSpc>
+                <a:spcPct val="100000"/>
+              </a:lnSpc>
               <a:spcBef>
                 <a:spcPts val="1417"/>
               </a:spcBef>
@@ -7313,22 +9664,25 @@
                 </a:uFill>
                 <a:latin typeface="Arial"/>
               </a:rPr>
-              <a:t>ALTER [ COLUMN ] column_name SET ( attribute_option = value [, ... ] )</a:t>
-            </a:r>
-            <a:endParaRPr b="0" lang="ru-RU" sz="3200" spc="-1" strike="noStrike">
-              <a:solidFill>
-                <a:srgbClr val="000000"/>
-              </a:solidFill>
-              <a:uFill>
-                <a:solidFill>
-                  <a:srgbClr val="ffffff"/>
-                </a:solidFill>
-              </a:uFill>
-              <a:latin typeface="Arial"/>
-            </a:endParaRPr>
-          </a:p>
-          <a:p>
-            <a:pPr marL="432000" indent="-324000">
+              <a:t>ALTER TABLE ALL IN TABLESPACE name [ OWNED BY role_name [, ... ] ]</a:t>
+            </a:r>
+            <a:endParaRPr b="0" lang="ru-RU" sz="3200" spc="-1" strike="noStrike">
+              <a:solidFill>
+                <a:srgbClr val="000000"/>
+              </a:solidFill>
+              <a:uFill>
+                <a:solidFill>
+                  <a:srgbClr val="ffffff"/>
+                </a:solidFill>
+              </a:uFill>
+              <a:latin typeface="Arial"/>
+            </a:endParaRPr>
+          </a:p>
+          <a:p>
+            <a:pPr marL="432000" indent="-323640">
+              <a:lnSpc>
+                <a:spcPct val="100000"/>
+              </a:lnSpc>
               <a:spcBef>
                 <a:spcPts val="1417"/>
               </a:spcBef>
@@ -7351,197 +9705,21 @@
                 </a:uFill>
                 <a:latin typeface="Arial"/>
               </a:rPr>
-              <a:t>ALTER [ COLUMN ] column_name RESET ( attribute_option [, ... ] )</a:t>
-            </a:r>
-            <a:endParaRPr b="0" lang="ru-RU" sz="3200" spc="-1" strike="noStrike">
-              <a:solidFill>
-                <a:srgbClr val="000000"/>
-              </a:solidFill>
-              <a:uFill>
-                <a:solidFill>
-                  <a:srgbClr val="ffffff"/>
-                </a:solidFill>
-              </a:uFill>
-              <a:latin typeface="Arial"/>
-            </a:endParaRPr>
-          </a:p>
-          <a:p>
-            <a:pPr marL="432000" indent="-324000">
-              <a:spcBef>
-                <a:spcPts val="1417"/>
-              </a:spcBef>
-              <a:buClr>
-                <a:srgbClr val="000000"/>
-              </a:buClr>
-              <a:buSzPct val="45000"/>
-              <a:buFont typeface="Wingdings" charset="2"/>
-              <a:buChar char=""/>
-            </a:pPr>
-            <a:r>
-              <a:rPr b="0" lang="ru-RU" sz="3200" spc="-1" strike="noStrike">
-                <a:solidFill>
-                  <a:srgbClr val="000000"/>
-                </a:solidFill>
-                <a:uFill>
-                  <a:solidFill>
-                    <a:srgbClr val="ffffff"/>
-                  </a:solidFill>
-                </a:uFill>
-                <a:latin typeface="Arial"/>
-              </a:rPr>
-              <a:t>ALTER [ COLUMN ] column_name SET STORAGE { PLAIN | EXTERNAL | EXTENDED | MAIN }</a:t>
-            </a:r>
-            <a:endParaRPr b="0" lang="ru-RU" sz="3200" spc="-1" strike="noStrike">
-              <a:solidFill>
-                <a:srgbClr val="000000"/>
-              </a:solidFill>
-              <a:uFill>
-                <a:solidFill>
-                  <a:srgbClr val="ffffff"/>
-                </a:solidFill>
-              </a:uFill>
-              <a:latin typeface="Arial"/>
-            </a:endParaRPr>
-          </a:p>
-          <a:p>
-            <a:pPr marL="432000" indent="-324000">
-              <a:spcBef>
-                <a:spcPts val="1417"/>
-              </a:spcBef>
-              <a:buClr>
-                <a:srgbClr val="000000"/>
-              </a:buClr>
-              <a:buSzPct val="45000"/>
-              <a:buFont typeface="Wingdings" charset="2"/>
-              <a:buChar char=""/>
-            </a:pPr>
-            <a:r>
-              <a:rPr b="0" lang="ru-RU" sz="3200" spc="-1" strike="noStrike">
-                <a:solidFill>
-                  <a:srgbClr val="000000"/>
-                </a:solidFill>
-                <a:uFill>
-                  <a:solidFill>
-                    <a:srgbClr val="ffffff"/>
-                  </a:solidFill>
-                </a:uFill>
-                <a:latin typeface="Arial"/>
-              </a:rPr>
-              <a:t>ADD table_constraint [ NOT VALID ]</a:t>
-            </a:r>
-            <a:endParaRPr b="0" lang="ru-RU" sz="3200" spc="-1" strike="noStrike">
-              <a:solidFill>
-                <a:srgbClr val="000000"/>
-              </a:solidFill>
-              <a:uFill>
-                <a:solidFill>
-                  <a:srgbClr val="ffffff"/>
-                </a:solidFill>
-              </a:uFill>
-              <a:latin typeface="Arial"/>
-            </a:endParaRPr>
-          </a:p>
-          <a:p>
-            <a:pPr marL="432000" indent="-324000">
-              <a:spcBef>
-                <a:spcPts val="1417"/>
-              </a:spcBef>
-              <a:buClr>
-                <a:srgbClr val="000000"/>
-              </a:buClr>
-              <a:buSzPct val="45000"/>
-              <a:buFont typeface="Wingdings" charset="2"/>
-              <a:buChar char=""/>
-            </a:pPr>
-            <a:r>
-              <a:rPr b="0" lang="ru-RU" sz="3200" spc="-1" strike="noStrike">
-                <a:solidFill>
-                  <a:srgbClr val="000000"/>
-                </a:solidFill>
-                <a:uFill>
-                  <a:solidFill>
-                    <a:srgbClr val="ffffff"/>
-                  </a:solidFill>
-                </a:uFill>
-                <a:latin typeface="Arial"/>
-              </a:rPr>
-              <a:t>ALTER CONSTRAINT constraint_name [ DEFERRABLE | NOT DEFERRABLE ] [ INITIALLY DEFERRED | INITIALLY IMMEDIATE ]</a:t>
-            </a:r>
-            <a:endParaRPr b="0" lang="ru-RU" sz="3200" spc="-1" strike="noStrike">
-              <a:solidFill>
-                <a:srgbClr val="000000"/>
-              </a:solidFill>
-              <a:uFill>
-                <a:solidFill>
-                  <a:srgbClr val="ffffff"/>
-                </a:solidFill>
-              </a:uFill>
-              <a:latin typeface="Arial"/>
-            </a:endParaRPr>
-          </a:p>
-          <a:p>
-            <a:pPr marL="432000" indent="-324000">
-              <a:spcBef>
-                <a:spcPts val="1417"/>
-              </a:spcBef>
-              <a:buClr>
-                <a:srgbClr val="000000"/>
-              </a:buClr>
-              <a:buSzPct val="45000"/>
-              <a:buFont typeface="Wingdings" charset="2"/>
-              <a:buChar char=""/>
-            </a:pPr>
-            <a:r>
-              <a:rPr b="0" lang="ru-RU" sz="3200" spc="-1" strike="noStrike">
-                <a:solidFill>
-                  <a:srgbClr val="000000"/>
-                </a:solidFill>
-                <a:uFill>
-                  <a:solidFill>
-                    <a:srgbClr val="ffffff"/>
-                  </a:solidFill>
-                </a:uFill>
-                <a:latin typeface="Arial"/>
-              </a:rPr>
-              <a:t>VALIDATE CONSTRAINT constraint_name</a:t>
-            </a:r>
-            <a:endParaRPr b="0" lang="ru-RU" sz="3200" spc="-1" strike="noStrike">
-              <a:solidFill>
-                <a:srgbClr val="000000"/>
-              </a:solidFill>
-              <a:uFill>
-                <a:solidFill>
-                  <a:srgbClr val="ffffff"/>
-                </a:solidFill>
-              </a:uFill>
-              <a:latin typeface="Arial"/>
-            </a:endParaRPr>
-          </a:p>
-          <a:p>
-            <a:pPr marL="432000" indent="-324000">
-              <a:spcBef>
-                <a:spcPts val="1417"/>
-              </a:spcBef>
-              <a:buClr>
-                <a:srgbClr val="000000"/>
-              </a:buClr>
-              <a:buSzPct val="45000"/>
-              <a:buFont typeface="Wingdings" charset="2"/>
-              <a:buChar char=""/>
-            </a:pPr>
-            <a:r>
-              <a:rPr b="0" lang="ru-RU" sz="3200" spc="-1" strike="noStrike">
-                <a:solidFill>
-                  <a:srgbClr val="000000"/>
-                </a:solidFill>
-                <a:uFill>
-                  <a:solidFill>
-                    <a:srgbClr val="ffffff"/>
-                  </a:solidFill>
-                </a:uFill>
-                <a:latin typeface="Arial"/>
-              </a:rPr>
-              <a:t>DROP CONSTRAINT [ IF EXISTS ]  constraint_name [ RESTRICT | CASCADE ]</a:t>
+              <a:t>    </a:t>
+            </a:r>
+            <a:r>
+              <a:rPr b="0" lang="ru-RU" sz="3200" spc="-1" strike="noStrike">
+                <a:solidFill>
+                  <a:srgbClr val="000000"/>
+                </a:solidFill>
+                <a:uFill>
+                  <a:solidFill>
+                    <a:srgbClr val="ffffff"/>
+                  </a:solidFill>
+                </a:uFill>
+                <a:latin typeface="Arial"/>
+              </a:rPr>
+              <a:t>SET TABLESPACE new_tablespace [ NOWAIT ]</a:t>
             </a:r>
             <a:endParaRPr b="0" lang="ru-RU" sz="3200" spc="-1" strike="noStrike">
               <a:solidFill>
@@ -7783,4 +9961,227 @@
     </a:fmtScheme>
   </a:themeElements>
 </a:theme>
+</file>
+
+<file path=ppt/theme/theme2.xml><?xml version="1.0" encoding="utf-8"?>
+<a:theme xmlns:a="http://schemas.openxmlformats.org/drawingml/2006/main" name="Office Theme">
+  <a:themeElements>
+    <a:clrScheme name="Office">
+      <a:dk1>
+        <a:sysClr val="windowText" lastClr="000000"/>
+      </a:dk1>
+      <a:lt1>
+        <a:sysClr val="window" lastClr="FFFFFF"/>
+      </a:lt1>
+      <a:dk2>
+        <a:srgbClr val="1F497D"/>
+      </a:dk2>
+      <a:lt2>
+        <a:srgbClr val="EEECE1"/>
+      </a:lt2>
+      <a:accent1>
+        <a:srgbClr val="4F81BD"/>
+      </a:accent1>
+      <a:accent2>
+        <a:srgbClr val="C0504D"/>
+      </a:accent2>
+      <a:accent3>
+        <a:srgbClr val="9BBB59"/>
+      </a:accent3>
+      <a:accent4>
+        <a:srgbClr val="8064A2"/>
+      </a:accent4>
+      <a:accent5>
+        <a:srgbClr val="4BACC6"/>
+      </a:accent5>
+      <a:accent6>
+        <a:srgbClr val="F79646"/>
+      </a:accent6>
+      <a:hlink>
+        <a:srgbClr val="0000FF"/>
+      </a:hlink>
+      <a:folHlink>
+        <a:srgbClr val="800080"/>
+      </a:folHlink>
+    </a:clrScheme>
+    <a:fontScheme name="Office">
+      <a:majorFont>
+        <a:latin typeface="Arial"/>
+        <a:ea typeface="DejaVu Sans"/>
+        <a:cs typeface="DejaVu Sans"/>
+      </a:majorFont>
+      <a:minorFont>
+        <a:latin typeface="Arial"/>
+        <a:ea typeface="DejaVu Sans"/>
+        <a:cs typeface="DejaVu Sans"/>
+      </a:minorFont>
+    </a:fontScheme>
+    <a:fmtScheme name="Office">
+      <a:fillStyleLst>
+        <a:solidFill>
+          <a:schemeClr val="phClr"/>
+        </a:solidFill>
+        <a:gradFill rotWithShape="1">
+          <a:gsLst>
+            <a:gs pos="0">
+              <a:schemeClr val="phClr">
+                <a:tint val="50000"/>
+                <a:satMod val="300000"/>
+              </a:schemeClr>
+            </a:gs>
+            <a:gs pos="35000">
+              <a:schemeClr val="phClr">
+                <a:tint val="37000"/>
+                <a:satMod val="300000"/>
+              </a:schemeClr>
+            </a:gs>
+            <a:gs pos="100000">
+              <a:schemeClr val="phClr">
+                <a:tint val="15000"/>
+                <a:satMod val="350000"/>
+              </a:schemeClr>
+            </a:gs>
+          </a:gsLst>
+          <a:lin ang="16200000" scaled="1"/>
+        </a:gradFill>
+        <a:gradFill rotWithShape="1">
+          <a:gsLst>
+            <a:gs pos="0">
+              <a:schemeClr val="phClr">
+                <a:shade val="51000"/>
+                <a:satMod val="130000"/>
+              </a:schemeClr>
+            </a:gs>
+            <a:gs pos="80000">
+              <a:schemeClr val="phClr">
+                <a:shade val="93000"/>
+                <a:satMod val="130000"/>
+              </a:schemeClr>
+            </a:gs>
+            <a:gs pos="100000">
+              <a:schemeClr val="phClr">
+                <a:shade val="94000"/>
+                <a:satMod val="135000"/>
+              </a:schemeClr>
+            </a:gs>
+          </a:gsLst>
+          <a:lin ang="16200000" scaled="0"/>
+        </a:gradFill>
+      </a:fillStyleLst>
+      <a:lnStyleLst>
+        <a:ln w="9525" cap="flat" cmpd="sng" algn="ctr">
+          <a:solidFill>
+            <a:schemeClr val="phClr">
+              <a:shade val="95000"/>
+              <a:satMod val="105000"/>
+            </a:schemeClr>
+          </a:solidFill>
+          <a:prstDash val="solid"/>
+        </a:ln>
+        <a:ln w="25400" cap="flat" cmpd="sng" algn="ctr">
+          <a:solidFill>
+            <a:schemeClr val="phClr"/>
+          </a:solidFill>
+          <a:prstDash val="solid"/>
+        </a:ln>
+        <a:ln w="38100" cap="flat" cmpd="sng" algn="ctr">
+          <a:solidFill>
+            <a:schemeClr val="phClr"/>
+          </a:solidFill>
+          <a:prstDash val="solid"/>
+        </a:ln>
+      </a:lnStyleLst>
+      <a:effectStyleLst>
+        <a:effectStyle>
+          <a:effectLst>
+            <a:outerShdw blurRad="40000" dist="20000" dir="5400000" rotWithShape="0">
+              <a:srgbClr val="000000">
+                <a:alpha val="38000"/>
+              </a:srgbClr>
+            </a:outerShdw>
+          </a:effectLst>
+        </a:effectStyle>
+        <a:effectStyle>
+          <a:effectLst>
+            <a:outerShdw blurRad="40000" dist="23000" dir="5400000" rotWithShape="0">
+              <a:srgbClr val="000000">
+                <a:alpha val="35000"/>
+              </a:srgbClr>
+            </a:outerShdw>
+          </a:effectLst>
+        </a:effectStyle>
+        <a:effectStyle>
+          <a:effectLst>
+            <a:outerShdw blurRad="40000" dist="23000" dir="5400000" rotWithShape="0">
+              <a:srgbClr val="000000">
+                <a:alpha val="35000"/>
+              </a:srgbClr>
+            </a:outerShdw>
+          </a:effectLst>
+          <a:scene3d>
+            <a:camera prst="orthographicFront">
+              <a:rot lat="0" lon="0" rev="0"/>
+            </a:camera>
+            <a:lightRig rig="threePt" dir="t">
+              <a:rot lat="0" lon="0" rev="1200000"/>
+            </a:lightRig>
+          </a:scene3d>
+          <a:sp3d>
+            <a:bevelT w="63500" h="25400"/>
+          </a:sp3d>
+        </a:effectStyle>
+      </a:effectStyleLst>
+      <a:bgFillStyleLst>
+        <a:solidFill>
+          <a:schemeClr val="phClr"/>
+        </a:solidFill>
+        <a:gradFill rotWithShape="1">
+          <a:gsLst>
+            <a:gs pos="0">
+              <a:schemeClr val="phClr">
+                <a:tint val="40000"/>
+                <a:satMod val="350000"/>
+              </a:schemeClr>
+            </a:gs>
+            <a:gs pos="40000">
+              <a:schemeClr val="phClr">
+                <a:tint val="45000"/>
+                <a:shade val="99000"/>
+                <a:satMod val="350000"/>
+              </a:schemeClr>
+            </a:gs>
+            <a:gs pos="100000">
+              <a:schemeClr val="phClr">
+                <a:shade val="20000"/>
+                <a:satMod val="255000"/>
+              </a:schemeClr>
+            </a:gs>
+          </a:gsLst>
+          <a:path path="circle">
+            <a:fillToRect l="50000" t="-80000" r="50000" b="180000"/>
+          </a:path>
+        </a:gradFill>
+        <a:gradFill rotWithShape="1">
+          <a:gsLst>
+            <a:gs pos="0">
+              <a:schemeClr val="phClr">
+                <a:tint val="80000"/>
+                <a:satMod val="300000"/>
+              </a:schemeClr>
+            </a:gs>
+            <a:gs pos="100000">
+              <a:schemeClr val="phClr">
+                <a:shade val="30000"/>
+                <a:satMod val="200000"/>
+              </a:schemeClr>
+            </a:gs>
+          </a:gsLst>
+          <a:path path="circle">
+            <a:fillToRect l="50000" t="50000" r="50000" b="50000"/>
+          </a:path>
+        </a:gradFill>
+      </a:bgFillStyleLst>
+    </a:fmtScheme>
+  </a:themeElements>
+</a:theme>
 </file>